--- a/doc/Presentation.pptx
+++ b/doc/Presentation.pptx
@@ -10,7 +10,33 @@
     <p:sldId id="258" r:id="rId4"/>
     <p:sldId id="259" r:id="rId5"/>
     <p:sldId id="260" r:id="rId6"/>
-    <p:sldId id="261" r:id="rId7"/>
+    <p:sldId id="270" r:id="rId7"/>
+    <p:sldId id="264" r:id="rId8"/>
+    <p:sldId id="265" r:id="rId9"/>
+    <p:sldId id="266" r:id="rId10"/>
+    <p:sldId id="267" r:id="rId11"/>
+    <p:sldId id="271" r:id="rId12"/>
+    <p:sldId id="268" r:id="rId13"/>
+    <p:sldId id="272" r:id="rId14"/>
+    <p:sldId id="269" r:id="rId15"/>
+    <p:sldId id="273" r:id="rId16"/>
+    <p:sldId id="274" r:id="rId17"/>
+    <p:sldId id="275" r:id="rId18"/>
+    <p:sldId id="276" r:id="rId19"/>
+    <p:sldId id="277" r:id="rId20"/>
+    <p:sldId id="278" r:id="rId21"/>
+    <p:sldId id="279" r:id="rId22"/>
+    <p:sldId id="280" r:id="rId23"/>
+    <p:sldId id="281" r:id="rId24"/>
+    <p:sldId id="282" r:id="rId25"/>
+    <p:sldId id="283" r:id="rId26"/>
+    <p:sldId id="284" r:id="rId27"/>
+    <p:sldId id="285" r:id="rId28"/>
+    <p:sldId id="286" r:id="rId29"/>
+    <p:sldId id="287" r:id="rId30"/>
+    <p:sldId id="288" r:id="rId31"/>
+    <p:sldId id="289" r:id="rId32"/>
+    <p:sldId id="290" r:id="rId33"/>
   </p:sldIdLst>
   <p:sldSz cx="12192000" cy="6858000"/>
   <p:notesSz cx="6858000" cy="9144000"/>
@@ -109,6 +135,11 @@
       </a:defRPr>
     </a:lvl9pPr>
   </p:defaultTextStyle>
+  <p:extLst>
+    <p:ext uri="{EFAFB233-063F-42B5-8137-9DF3F51BA10A}">
+      <p15:sldGuideLst xmlns:p15="http://schemas.microsoft.com/office/powerpoint/2012/main"/>
+    </p:ext>
+  </p:extLst>
 </p:presentation>
 </file>
 
@@ -298,7 +329,7 @@
           <a:p>
             <a:fld id="{4AAD347D-5ACD-4C99-B74B-A9C85AD731AF}" type="datetimeFigureOut">
               <a:rPr lang="en-US" dirty="0"/>
-              <a:t>6/27/2017</a:t>
+              <a:t>6/29/2017</a:t>
             </a:fld>
             <a:endParaRPr lang="en-US" dirty="0"/>
           </a:p>
@@ -568,7 +599,7 @@
           <a:p>
             <a:fld id="{4509A250-FF31-4206-8172-F9D3106AACB1}" type="datetimeFigureOut">
               <a:rPr lang="en-US" dirty="0"/>
-              <a:t>6/27/2017</a:t>
+              <a:t>6/29/2017</a:t>
             </a:fld>
             <a:endParaRPr lang="en-US" dirty="0"/>
           </a:p>
@@ -757,7 +788,7 @@
           <a:p>
             <a:fld id="{4509A250-FF31-4206-8172-F9D3106AACB1}" type="datetimeFigureOut">
               <a:rPr lang="en-US" dirty="0"/>
-              <a:t>6/27/2017</a:t>
+              <a:t>6/29/2017</a:t>
             </a:fld>
             <a:endParaRPr lang="en-US" dirty="0"/>
           </a:p>
@@ -1025,7 +1056,7 @@
           <a:p>
             <a:fld id="{4509A250-FF31-4206-8172-F9D3106AACB1}" type="datetimeFigureOut">
               <a:rPr lang="en-US" dirty="0"/>
-              <a:t>6/27/2017</a:t>
+              <a:t>6/29/2017</a:t>
             </a:fld>
             <a:endParaRPr lang="en-US" dirty="0"/>
           </a:p>
@@ -1361,7 +1392,7 @@
           <a:p>
             <a:fld id="{4509A250-FF31-4206-8172-F9D3106AACB1}" type="datetimeFigureOut">
               <a:rPr lang="en-US" dirty="0"/>
-              <a:t>6/27/2017</a:t>
+              <a:t>6/29/2017</a:t>
             </a:fld>
             <a:endParaRPr lang="en-US" dirty="0"/>
           </a:p>
@@ -1979,7 +2010,7 @@
           <a:p>
             <a:fld id="{4509A250-FF31-4206-8172-F9D3106AACB1}" type="datetimeFigureOut">
               <a:rPr lang="en-US" dirty="0"/>
-              <a:t>6/27/2017</a:t>
+              <a:t>6/29/2017</a:t>
             </a:fld>
             <a:endParaRPr lang="en-US" dirty="0"/>
           </a:p>
@@ -2834,7 +2865,7 @@
           <a:p>
             <a:fld id="{4509A250-FF31-4206-8172-F9D3106AACB1}" type="datetimeFigureOut">
               <a:rPr lang="en-US" dirty="0"/>
-              <a:t>6/27/2017</a:t>
+              <a:t>6/29/2017</a:t>
             </a:fld>
             <a:endParaRPr lang="en-US" dirty="0"/>
           </a:p>
@@ -2999,7 +3030,7 @@
           <a:p>
             <a:fld id="{4509A250-FF31-4206-8172-F9D3106AACB1}" type="datetimeFigureOut">
               <a:rPr lang="en-US" dirty="0"/>
-              <a:t>6/27/2017</a:t>
+              <a:t>6/29/2017</a:t>
             </a:fld>
             <a:endParaRPr lang="en-US" dirty="0"/>
           </a:p>
@@ -3174,7 +3205,7 @@
           <a:p>
             <a:fld id="{4509A250-FF31-4206-8172-F9D3106AACB1}" type="datetimeFigureOut">
               <a:rPr lang="en-US" dirty="0"/>
-              <a:t>6/27/2017</a:t>
+              <a:t>6/29/2017</a:t>
             </a:fld>
             <a:endParaRPr lang="en-US" dirty="0"/>
           </a:p>
@@ -3339,7 +3370,7 @@
           <a:p>
             <a:fld id="{4509A250-FF31-4206-8172-F9D3106AACB1}" type="datetimeFigureOut">
               <a:rPr lang="en-US" dirty="0"/>
-              <a:t>6/27/2017</a:t>
+              <a:t>6/29/2017</a:t>
             </a:fld>
             <a:endParaRPr lang="en-US" dirty="0"/>
           </a:p>
@@ -3581,7 +3612,7 @@
           <a:p>
             <a:fld id="{9796027F-7875-4030-9381-8BD8C4F21935}" type="datetimeFigureOut">
               <a:rPr lang="en-US" dirty="0"/>
-              <a:t>6/27/2017</a:t>
+              <a:t>6/29/2017</a:t>
             </a:fld>
             <a:endParaRPr lang="en-US" dirty="0"/>
           </a:p>
@@ -3868,7 +3899,7 @@
           <a:p>
             <a:fld id="{9796027F-7875-4030-9381-8BD8C4F21935}" type="datetimeFigureOut">
               <a:rPr lang="en-US" dirty="0"/>
-              <a:t>6/27/2017</a:t>
+              <a:t>6/29/2017</a:t>
             </a:fld>
             <a:endParaRPr lang="en-US" dirty="0"/>
           </a:p>
@@ -4307,7 +4338,7 @@
           <a:p>
             <a:fld id="{9796027F-7875-4030-9381-8BD8C4F21935}" type="datetimeFigureOut">
               <a:rPr lang="en-US" dirty="0"/>
-              <a:t>6/27/2017</a:t>
+              <a:t>6/29/2017</a:t>
             </a:fld>
             <a:endParaRPr lang="en-US" dirty="0"/>
           </a:p>
@@ -4420,7 +4451,7 @@
           <a:p>
             <a:fld id="{4509A250-FF31-4206-8172-F9D3106AACB1}" type="datetimeFigureOut">
               <a:rPr lang="en-US" dirty="0"/>
-              <a:t>6/27/2017</a:t>
+              <a:t>6/29/2017</a:t>
             </a:fld>
             <a:endParaRPr lang="en-US" dirty="0"/>
           </a:p>
@@ -4510,7 +4541,7 @@
           <a:p>
             <a:fld id="{4509A250-FF31-4206-8172-F9D3106AACB1}" type="datetimeFigureOut">
               <a:rPr lang="en-US" dirty="0"/>
-              <a:t>6/27/2017</a:t>
+              <a:t>6/29/2017</a:t>
             </a:fld>
             <a:endParaRPr lang="en-US" dirty="0"/>
           </a:p>
@@ -4784,7 +4815,7 @@
           <a:p>
             <a:fld id="{4509A250-FF31-4206-8172-F9D3106AACB1}" type="datetimeFigureOut">
               <a:rPr lang="en-US" dirty="0"/>
-              <a:t>6/27/2017</a:t>
+              <a:t>6/29/2017</a:t>
             </a:fld>
             <a:endParaRPr lang="en-US" dirty="0"/>
           </a:p>
@@ -5054,7 +5085,7 @@
           <a:p>
             <a:fld id="{4509A250-FF31-4206-8172-F9D3106AACB1}" type="datetimeFigureOut">
               <a:rPr lang="en-US" dirty="0"/>
-              <a:t>6/27/2017</a:t>
+              <a:t>6/29/2017</a:t>
             </a:fld>
             <a:endParaRPr lang="en-US" dirty="0"/>
           </a:p>
@@ -5478,7 +5509,7 @@
           <a:p>
             <a:fld id="{4AAD347D-5ACD-4C99-B74B-A9C85AD731AF}" type="datetimeFigureOut">
               <a:rPr lang="en-US" dirty="0"/>
-              <a:t>6/27/2017</a:t>
+              <a:t>6/29/2017</a:t>
             </a:fld>
             <a:endParaRPr lang="en-US" dirty="0"/>
           </a:p>
@@ -6043,6 +6074,3174 @@
 </p:sld>
 </file>
 
+<file path=ppt/slides/slide10.xml><?xml version="1.0" encoding="utf-8"?>
+<p:sld xmlns:a="http://schemas.openxmlformats.org/drawingml/2006/main" xmlns:r="http://schemas.openxmlformats.org/officeDocument/2006/relationships" xmlns:p="http://schemas.openxmlformats.org/presentationml/2006/main">
+  <p:cSld>
+    <p:spTree>
+      <p:nvGrpSpPr>
+        <p:cNvPr id="1" name=""/>
+        <p:cNvGrpSpPr/>
+        <p:nvPr/>
+      </p:nvGrpSpPr>
+      <p:grpSpPr>
+        <a:xfrm>
+          <a:off x="0" y="0"/>
+          <a:ext cx="0" cy="0"/>
+          <a:chOff x="0" y="0"/>
+          <a:chExt cx="0" cy="0"/>
+        </a:xfrm>
+      </p:grpSpPr>
+      <p:sp>
+        <p:nvSpPr>
+          <p:cNvPr id="2" name="Cím 1"/>
+          <p:cNvSpPr>
+            <a:spLocks noGrp="1"/>
+          </p:cNvSpPr>
+          <p:nvPr>
+            <p:ph type="title"/>
+          </p:nvPr>
+        </p:nvSpPr>
+        <p:spPr>
+          <a:xfrm>
+            <a:off x="622301" y="452718"/>
+            <a:ext cx="9428534" cy="741082"/>
+          </a:xfrm>
+        </p:spPr>
+        <p:txBody>
+          <a:bodyPr/>
+          <a:lstStyle/>
+          <a:p>
+            <a:r>
+              <a:rPr lang="en-US" dirty="0" err="1" smtClean="0"/>
+              <a:t>Adat-folyam</a:t>
+            </a:r>
+            <a:r>
+              <a:rPr lang="en-US" dirty="0" smtClean="0"/>
+              <a:t> </a:t>
+            </a:r>
+            <a:r>
+              <a:rPr lang="en-US" dirty="0" err="1" smtClean="0"/>
+              <a:t>egyenletek</a:t>
+            </a:r>
+            <a:endParaRPr lang="en-US" dirty="0"/>
+          </a:p>
+        </p:txBody>
+      </p:sp>
+      <p:sp>
+        <p:nvSpPr>
+          <p:cNvPr id="3" name="Tartalom helye 2"/>
+          <p:cNvSpPr>
+            <a:spLocks noGrp="1"/>
+          </p:cNvSpPr>
+          <p:nvPr>
+            <p:ph idx="1"/>
+          </p:nvPr>
+        </p:nvSpPr>
+        <p:spPr>
+          <a:xfrm>
+            <a:off x="1099752" y="1371600"/>
+            <a:ext cx="8950102" cy="4876799"/>
+          </a:xfrm>
+        </p:spPr>
+        <p:txBody>
+          <a:bodyPr>
+            <a:normAutofit/>
+          </a:bodyPr>
+          <a:lstStyle/>
+          <a:p>
+            <a:r>
+              <a:rPr lang="en-US" dirty="0" smtClean="0"/>
+              <a:t>Mark Weiser </a:t>
+            </a:r>
+            <a:r>
+              <a:rPr lang="en-US" dirty="0" err="1" smtClean="0"/>
+              <a:t>találmánya</a:t>
+            </a:r>
+            <a:endParaRPr lang="en-US" dirty="0" smtClean="0"/>
+          </a:p>
+          <a:p>
+            <a:r>
+              <a:rPr lang="en-US" dirty="0" err="1" smtClean="0"/>
+              <a:t>Egy</a:t>
+            </a:r>
+            <a:r>
+              <a:rPr lang="en-US" dirty="0" smtClean="0"/>
+              <a:t> program slice-</a:t>
+            </a:r>
+            <a:r>
+              <a:rPr lang="en-US" dirty="0" err="1" smtClean="0"/>
+              <a:t>ját</a:t>
+            </a:r>
+            <a:r>
+              <a:rPr lang="en-US" dirty="0" smtClean="0"/>
+              <a:t> </a:t>
+            </a:r>
+            <a:r>
+              <a:rPr lang="en-US" dirty="0" err="1" smtClean="0"/>
+              <a:t>egy</a:t>
+            </a:r>
+            <a:r>
+              <a:rPr lang="en-US" dirty="0" smtClean="0"/>
+              <a:t> (n, V) </a:t>
+            </a:r>
+            <a:r>
+              <a:rPr lang="en-US" dirty="0" err="1" smtClean="0"/>
+              <a:t>kritériumra</a:t>
+            </a:r>
+            <a:r>
+              <a:rPr lang="en-US" dirty="0" smtClean="0"/>
+              <a:t> </a:t>
+            </a:r>
+            <a:r>
+              <a:rPr lang="en-US" dirty="0" err="1" smtClean="0"/>
+              <a:t>definiálja</a:t>
+            </a:r>
+            <a:r>
+              <a:rPr lang="en-US" dirty="0" smtClean="0"/>
+              <a:t>, </a:t>
+            </a:r>
+            <a:r>
+              <a:rPr lang="en-US" dirty="0" err="1" smtClean="0"/>
+              <a:t>ahol</a:t>
+            </a:r>
+            <a:r>
+              <a:rPr lang="en-US" dirty="0" smtClean="0"/>
+              <a:t> </a:t>
+            </a:r>
+          </a:p>
+          <a:p>
+            <a:pPr lvl="1"/>
+            <a:r>
+              <a:rPr lang="en-US" dirty="0" smtClean="0"/>
+              <a:t>n </a:t>
+            </a:r>
+            <a:r>
+              <a:rPr lang="en-US" dirty="0" err="1" smtClean="0"/>
+              <a:t>egy</a:t>
+            </a:r>
+            <a:r>
+              <a:rPr lang="en-US" dirty="0" smtClean="0"/>
+              <a:t> </a:t>
+            </a:r>
+            <a:r>
+              <a:rPr lang="en-US" dirty="0" err="1" smtClean="0"/>
+              <a:t>utasítása</a:t>
+            </a:r>
+            <a:r>
+              <a:rPr lang="en-US" dirty="0" smtClean="0"/>
+              <a:t> a </a:t>
+            </a:r>
+            <a:r>
+              <a:rPr lang="en-US" dirty="0" err="1" smtClean="0"/>
+              <a:t>programnak</a:t>
+            </a:r>
+            <a:r>
+              <a:rPr lang="en-US" dirty="0" smtClean="0"/>
+              <a:t> </a:t>
+            </a:r>
+            <a:r>
+              <a:rPr lang="en-US" dirty="0" err="1" smtClean="0"/>
+              <a:t>és</a:t>
+            </a:r>
+            <a:r>
+              <a:rPr lang="en-US" dirty="0" smtClean="0"/>
+              <a:t> </a:t>
+            </a:r>
+          </a:p>
+          <a:p>
+            <a:pPr lvl="1"/>
+            <a:r>
+              <a:rPr lang="en-US" dirty="0" smtClean="0"/>
+              <a:t>V </a:t>
+            </a:r>
+            <a:r>
+              <a:rPr lang="en-US" dirty="0" err="1" smtClean="0"/>
+              <a:t>váltózók</a:t>
+            </a:r>
+            <a:r>
+              <a:rPr lang="en-US" dirty="0" smtClean="0"/>
+              <a:t> </a:t>
+            </a:r>
+            <a:r>
+              <a:rPr lang="en-US" dirty="0" err="1" smtClean="0"/>
+              <a:t>halmaza</a:t>
+            </a:r>
+            <a:endParaRPr lang="en-US" dirty="0" smtClean="0"/>
+          </a:p>
+          <a:p>
+            <a:r>
+              <a:rPr lang="en-US" dirty="0" smtClean="0"/>
+              <a:t>A CFG-</a:t>
+            </a:r>
+            <a:r>
+              <a:rPr lang="en-US" dirty="0" err="1" smtClean="0"/>
+              <a:t>ot</a:t>
+            </a:r>
+            <a:r>
+              <a:rPr lang="en-US" dirty="0" smtClean="0"/>
+              <a:t> </a:t>
+            </a:r>
+            <a:r>
+              <a:rPr lang="en-US" dirty="0" err="1" smtClean="0"/>
+              <a:t>használja</a:t>
+            </a:r>
+            <a:r>
+              <a:rPr lang="en-US" dirty="0" smtClean="0"/>
+              <a:t>, mint </a:t>
+            </a:r>
+            <a:r>
+              <a:rPr lang="en-US" dirty="0" err="1" smtClean="0"/>
+              <a:t>bemenet</a:t>
+            </a:r>
+            <a:endParaRPr lang="en-US" dirty="0" smtClean="0"/>
+          </a:p>
+          <a:p>
+            <a:r>
+              <a:rPr lang="en-US" dirty="0" smtClean="0"/>
+              <a:t>A slice a program </a:t>
+            </a:r>
+            <a:r>
+              <a:rPr lang="en-US" dirty="0" err="1" smtClean="0"/>
+              <a:t>utasításainak</a:t>
+            </a:r>
+            <a:r>
+              <a:rPr lang="en-US" dirty="0" smtClean="0"/>
+              <a:t> </a:t>
+            </a:r>
+            <a:r>
+              <a:rPr lang="en-US" dirty="0" err="1" smtClean="0"/>
+              <a:t>egy</a:t>
+            </a:r>
+            <a:r>
+              <a:rPr lang="en-US" dirty="0" smtClean="0"/>
+              <a:t> </a:t>
+            </a:r>
+            <a:r>
+              <a:rPr lang="en-US" dirty="0" err="1" smtClean="0"/>
+              <a:t>futtatható</a:t>
+            </a:r>
+            <a:r>
+              <a:rPr lang="en-US" dirty="0" smtClean="0"/>
+              <a:t> </a:t>
+            </a:r>
+            <a:r>
+              <a:rPr lang="en-US" dirty="0" err="1" smtClean="0"/>
+              <a:t>részhalmaza</a:t>
+            </a:r>
+            <a:endParaRPr lang="en-US" dirty="0" smtClean="0"/>
+          </a:p>
+          <a:p>
+            <a:r>
+              <a:rPr lang="en-US" dirty="0" smtClean="0"/>
+              <a:t>Minden </a:t>
+            </a:r>
+            <a:r>
+              <a:rPr lang="en-US" dirty="0" err="1" smtClean="0"/>
+              <a:t>utasításra</a:t>
+            </a:r>
+            <a:r>
+              <a:rPr lang="en-US" dirty="0" smtClean="0"/>
+              <a:t> </a:t>
+            </a:r>
+            <a:r>
+              <a:rPr lang="en-US" dirty="0" err="1" smtClean="0"/>
+              <a:t>képez</a:t>
+            </a:r>
+            <a:r>
+              <a:rPr lang="en-US" dirty="0" smtClean="0"/>
+              <a:t> </a:t>
+            </a:r>
+            <a:r>
+              <a:rPr lang="en-US" dirty="0" err="1" smtClean="0"/>
+              <a:t>egy</a:t>
+            </a:r>
+            <a:r>
+              <a:rPr lang="en-US" dirty="0" smtClean="0"/>
+              <a:t>, a </a:t>
+            </a:r>
+            <a:r>
+              <a:rPr lang="en-US" dirty="0" err="1" smtClean="0"/>
+              <a:t>kritériumra</a:t>
+            </a:r>
+            <a:r>
+              <a:rPr lang="en-US" dirty="0" smtClean="0"/>
+              <a:t> </a:t>
+            </a:r>
+            <a:r>
+              <a:rPr lang="en-US" dirty="0" err="1" smtClean="0"/>
+              <a:t>releváns</a:t>
+            </a:r>
+            <a:r>
+              <a:rPr lang="en-US" dirty="0" smtClean="0"/>
+              <a:t> </a:t>
+            </a:r>
+            <a:r>
+              <a:rPr lang="en-US" dirty="0" smtClean="0"/>
+              <a:t>R </a:t>
+            </a:r>
+            <a:r>
+              <a:rPr lang="en-US" dirty="0" err="1" smtClean="0"/>
+              <a:t>halmazt</a:t>
+            </a:r>
+            <a:endParaRPr lang="en-US" dirty="0" smtClean="0"/>
+          </a:p>
+          <a:p>
+            <a:r>
+              <a:rPr lang="en-US" dirty="0" err="1" smtClean="0"/>
+              <a:t>Kezdetben</a:t>
+            </a:r>
+            <a:r>
+              <a:rPr lang="en-US" dirty="0" smtClean="0"/>
+              <a:t> </a:t>
+            </a:r>
+            <a:r>
+              <a:rPr lang="en-US" dirty="0" err="1" smtClean="0"/>
+              <a:t>csak</a:t>
+            </a:r>
+            <a:r>
+              <a:rPr lang="en-US" dirty="0" smtClean="0"/>
+              <a:t> </a:t>
+            </a:r>
+            <a:r>
+              <a:rPr lang="en-US" dirty="0" err="1" smtClean="0"/>
+              <a:t>az</a:t>
+            </a:r>
+            <a:r>
+              <a:rPr lang="en-US" dirty="0" smtClean="0"/>
+              <a:t> n </a:t>
+            </a:r>
+            <a:r>
+              <a:rPr lang="en-US" dirty="0" err="1" smtClean="0"/>
+              <a:t>utasításhoz</a:t>
+            </a:r>
+            <a:r>
+              <a:rPr lang="en-US" dirty="0" smtClean="0"/>
+              <a:t> </a:t>
+            </a:r>
+            <a:r>
+              <a:rPr lang="en-US" dirty="0" err="1" smtClean="0"/>
+              <a:t>tartozik</a:t>
+            </a:r>
+            <a:r>
+              <a:rPr lang="en-US" dirty="0" smtClean="0"/>
+              <a:t> </a:t>
+            </a:r>
+            <a:r>
+              <a:rPr lang="en-US" dirty="0" err="1" smtClean="0"/>
+              <a:t>érték</a:t>
+            </a:r>
+            <a:endParaRPr lang="en-US" dirty="0" smtClean="0"/>
+          </a:p>
+          <a:p>
+            <a:r>
+              <a:rPr lang="en-US" dirty="0" err="1" smtClean="0"/>
+              <a:t>Első</a:t>
+            </a:r>
+            <a:r>
+              <a:rPr lang="en-US" dirty="0" smtClean="0"/>
+              <a:t> </a:t>
+            </a:r>
+            <a:r>
+              <a:rPr lang="en-US" dirty="0" err="1" smtClean="0"/>
+              <a:t>lépésben</a:t>
+            </a:r>
+            <a:r>
+              <a:rPr lang="en-US" dirty="0" smtClean="0"/>
+              <a:t> </a:t>
+            </a:r>
+            <a:r>
+              <a:rPr lang="en-US" dirty="0" err="1" smtClean="0"/>
+              <a:t>megvizsgál</a:t>
+            </a:r>
+            <a:r>
+              <a:rPr lang="en-US" dirty="0" smtClean="0"/>
+              <a:t> </a:t>
+            </a:r>
+            <a:r>
+              <a:rPr lang="en-US" dirty="0" err="1" smtClean="0"/>
+              <a:t>minden</a:t>
+            </a:r>
+            <a:r>
+              <a:rPr lang="en-US" dirty="0" smtClean="0"/>
+              <a:t> a </a:t>
+            </a:r>
+            <a:r>
+              <a:rPr lang="en-US" dirty="0" err="1" smtClean="0"/>
+              <a:t>kódban</a:t>
+            </a:r>
+            <a:r>
+              <a:rPr lang="en-US" dirty="0" smtClean="0"/>
+              <a:t> </a:t>
+            </a:r>
+            <a:r>
+              <a:rPr lang="en-US" dirty="0" err="1" smtClean="0"/>
+              <a:t>egymást</a:t>
+            </a:r>
+            <a:r>
+              <a:rPr lang="en-US" dirty="0" smtClean="0"/>
+              <a:t> </a:t>
+            </a:r>
+            <a:r>
+              <a:rPr lang="en-US" dirty="0" err="1" smtClean="0"/>
+              <a:t>követő</a:t>
+            </a:r>
+            <a:r>
+              <a:rPr lang="en-US" dirty="0" smtClean="0"/>
+              <a:t> </a:t>
+            </a:r>
+            <a:r>
+              <a:rPr lang="en-US" dirty="0" err="1" smtClean="0"/>
+              <a:t>utasításpárra</a:t>
+            </a:r>
+            <a:r>
+              <a:rPr lang="en-US" dirty="0" smtClean="0"/>
+              <a:t>, </a:t>
+            </a:r>
+            <a:r>
+              <a:rPr lang="en-US" dirty="0" err="1" smtClean="0"/>
+              <a:t>hogy</a:t>
+            </a:r>
+            <a:r>
+              <a:rPr lang="en-US" dirty="0" smtClean="0"/>
+              <a:t> </a:t>
+            </a:r>
+            <a:r>
+              <a:rPr lang="en-US" dirty="0" err="1" smtClean="0"/>
+              <a:t>relevánsak</a:t>
+            </a:r>
+            <a:r>
+              <a:rPr lang="en-US" dirty="0" smtClean="0"/>
+              <a:t>-e</a:t>
+            </a:r>
+            <a:r>
+              <a:rPr lang="en-US" dirty="0" smtClean="0"/>
+              <a:t>,</a:t>
+            </a:r>
+            <a:endParaRPr lang="en-US" dirty="0" smtClean="0"/>
+          </a:p>
+          <a:p>
+            <a:r>
+              <a:rPr lang="en-US" dirty="0" err="1" smtClean="0"/>
+              <a:t>Aztán</a:t>
+            </a:r>
+            <a:r>
+              <a:rPr lang="en-US" dirty="0" smtClean="0"/>
+              <a:t> </a:t>
+            </a:r>
+            <a:r>
+              <a:rPr lang="en-US" dirty="0" err="1" smtClean="0"/>
+              <a:t>bővíti</a:t>
+            </a:r>
+            <a:r>
+              <a:rPr lang="en-US" dirty="0" smtClean="0"/>
+              <a:t> </a:t>
+            </a:r>
+            <a:r>
+              <a:rPr lang="en-US" dirty="0" err="1" smtClean="0"/>
+              <a:t>minden</a:t>
+            </a:r>
+            <a:r>
+              <a:rPr lang="en-US" dirty="0" smtClean="0"/>
+              <a:t> </a:t>
+            </a:r>
+            <a:r>
+              <a:rPr lang="en-US" dirty="0" err="1" smtClean="0"/>
+              <a:t>iterációba</a:t>
+            </a:r>
+            <a:r>
+              <a:rPr lang="en-US" dirty="0" err="1" smtClean="0"/>
+              <a:t>n</a:t>
+            </a:r>
+            <a:r>
+              <a:rPr lang="en-US" dirty="0" smtClean="0"/>
+              <a:t> </a:t>
+            </a:r>
+            <a:r>
+              <a:rPr lang="en-US" dirty="0" err="1" smtClean="0"/>
+              <a:t>az</a:t>
+            </a:r>
+            <a:r>
+              <a:rPr lang="en-US" dirty="0" smtClean="0"/>
+              <a:t> </a:t>
+            </a:r>
+            <a:r>
+              <a:rPr lang="en-US" dirty="0" err="1" smtClean="0"/>
+              <a:t>indirekten</a:t>
+            </a:r>
+            <a:r>
+              <a:rPr lang="en-US" dirty="0" smtClean="0"/>
+              <a:t> </a:t>
+            </a:r>
+            <a:r>
+              <a:rPr lang="en-US" dirty="0" err="1" smtClean="0"/>
+              <a:t>relevánsakkal</a:t>
+            </a:r>
+            <a:endParaRPr lang="en-US" dirty="0"/>
+          </a:p>
+        </p:txBody>
+      </p:sp>
+    </p:spTree>
+    <p:extLst>
+      <p:ext uri="{BB962C8B-B14F-4D97-AF65-F5344CB8AC3E}">
+        <p14:creationId xmlns:p14="http://schemas.microsoft.com/office/powerpoint/2010/main" val="992653553"/>
+      </p:ext>
+    </p:extLst>
+  </p:cSld>
+  <p:clrMapOvr>
+    <a:masterClrMapping/>
+  </p:clrMapOvr>
+</p:sld>
+</file>
+
+<file path=ppt/slides/slide11.xml><?xml version="1.0" encoding="utf-8"?>
+<p:sld xmlns:a="http://schemas.openxmlformats.org/drawingml/2006/main" xmlns:r="http://schemas.openxmlformats.org/officeDocument/2006/relationships" xmlns:p="http://schemas.openxmlformats.org/presentationml/2006/main">
+  <p:cSld>
+    <p:spTree>
+      <p:nvGrpSpPr>
+        <p:cNvPr id="1" name=""/>
+        <p:cNvGrpSpPr/>
+        <p:nvPr/>
+      </p:nvGrpSpPr>
+      <p:grpSpPr>
+        <a:xfrm>
+          <a:off x="0" y="0"/>
+          <a:ext cx="0" cy="0"/>
+          <a:chOff x="0" y="0"/>
+          <a:chExt cx="0" cy="0"/>
+        </a:xfrm>
+      </p:grpSpPr>
+      <p:pic>
+        <p:nvPicPr>
+          <p:cNvPr id="4" name="Kép 3"/>
+          <p:cNvPicPr>
+            <a:picLocks noChangeAspect="1"/>
+          </p:cNvPicPr>
+          <p:nvPr/>
+        </p:nvPicPr>
+        <p:blipFill>
+          <a:blip r:embed="rId2">
+            <a:extLst>
+              <a:ext uri="{28A0092B-C50C-407E-A947-70E740481C1C}">
+                <a14:useLocalDpi xmlns:a14="http://schemas.microsoft.com/office/drawing/2010/main" val="0"/>
+              </a:ext>
+            </a:extLst>
+          </a:blip>
+          <a:stretch>
+            <a:fillRect/>
+          </a:stretch>
+        </p:blipFill>
+        <p:spPr>
+          <a:xfrm>
+            <a:off x="1295818" y="1297459"/>
+            <a:ext cx="7876639" cy="869146"/>
+          </a:xfrm>
+          <a:prstGeom prst="rect">
+            <a:avLst/>
+          </a:prstGeom>
+        </p:spPr>
+      </p:pic>
+      <p:pic>
+        <p:nvPicPr>
+          <p:cNvPr id="5" name="Kép 4"/>
+          <p:cNvPicPr>
+            <a:picLocks noChangeAspect="1"/>
+          </p:cNvPicPr>
+          <p:nvPr/>
+        </p:nvPicPr>
+        <p:blipFill>
+          <a:blip r:embed="rId3">
+            <a:extLst>
+              <a:ext uri="{28A0092B-C50C-407E-A947-70E740481C1C}">
+                <a14:useLocalDpi xmlns:a14="http://schemas.microsoft.com/office/drawing/2010/main" val="0"/>
+              </a:ext>
+            </a:extLst>
+          </a:blip>
+          <a:stretch>
+            <a:fillRect/>
+          </a:stretch>
+        </p:blipFill>
+        <p:spPr>
+          <a:xfrm>
+            <a:off x="1295818" y="4110862"/>
+            <a:ext cx="7005527" cy="2178824"/>
+          </a:xfrm>
+          <a:prstGeom prst="rect">
+            <a:avLst/>
+          </a:prstGeom>
+        </p:spPr>
+      </p:pic>
+      <p:sp>
+        <p:nvSpPr>
+          <p:cNvPr id="6" name="Szövegdoboz 5"/>
+          <p:cNvSpPr txBox="1"/>
+          <p:nvPr/>
+        </p:nvSpPr>
+        <p:spPr>
+          <a:xfrm>
+            <a:off x="1196964" y="667265"/>
+            <a:ext cx="6896712" cy="369332"/>
+          </a:xfrm>
+          <a:prstGeom prst="rect">
+            <a:avLst/>
+          </a:prstGeom>
+          <a:noFill/>
+        </p:spPr>
+        <p:txBody>
+          <a:bodyPr wrap="square" rtlCol="0">
+            <a:spAutoFit/>
+          </a:bodyPr>
+          <a:lstStyle/>
+          <a:p>
+            <a:r>
+              <a:rPr lang="en-US" dirty="0" err="1" smtClean="0"/>
+              <a:t>Direkt</a:t>
+            </a:r>
+            <a:r>
+              <a:rPr lang="en-US" dirty="0" smtClean="0"/>
+              <a:t> </a:t>
+            </a:r>
+            <a:r>
+              <a:rPr lang="en-US" dirty="0" err="1" smtClean="0"/>
+              <a:t>relevánsak</a:t>
+            </a:r>
+            <a:r>
+              <a:rPr lang="en-US" dirty="0" smtClean="0"/>
+              <a:t>:</a:t>
+            </a:r>
+            <a:endParaRPr lang="en-US" dirty="0"/>
+          </a:p>
+        </p:txBody>
+      </p:sp>
+      <p:sp>
+        <p:nvSpPr>
+          <p:cNvPr id="7" name="Szövegdoboz 6"/>
+          <p:cNvSpPr txBox="1"/>
+          <p:nvPr/>
+        </p:nvSpPr>
+        <p:spPr>
+          <a:xfrm>
+            <a:off x="1295818" y="3126259"/>
+            <a:ext cx="7005527" cy="369332"/>
+          </a:xfrm>
+          <a:prstGeom prst="rect">
+            <a:avLst/>
+          </a:prstGeom>
+          <a:noFill/>
+        </p:spPr>
+        <p:txBody>
+          <a:bodyPr wrap="square" rtlCol="0">
+            <a:spAutoFit/>
+          </a:bodyPr>
+          <a:lstStyle/>
+          <a:p>
+            <a:r>
+              <a:rPr lang="en-US" dirty="0" err="1" smtClean="0"/>
+              <a:t>Indirekt</a:t>
+            </a:r>
+            <a:r>
+              <a:rPr lang="en-US" dirty="0" smtClean="0"/>
+              <a:t> </a:t>
+            </a:r>
+            <a:r>
+              <a:rPr lang="en-US" dirty="0" err="1" smtClean="0"/>
+              <a:t>relevánsak</a:t>
+            </a:r>
+            <a:r>
+              <a:rPr lang="en-US" dirty="0" smtClean="0"/>
+              <a:t>:</a:t>
+            </a:r>
+            <a:endParaRPr lang="en-US" dirty="0"/>
+          </a:p>
+        </p:txBody>
+      </p:sp>
+    </p:spTree>
+    <p:extLst>
+      <p:ext uri="{BB962C8B-B14F-4D97-AF65-F5344CB8AC3E}">
+        <p14:creationId xmlns:p14="http://schemas.microsoft.com/office/powerpoint/2010/main" val="1243770726"/>
+      </p:ext>
+    </p:extLst>
+  </p:cSld>
+  <p:clrMapOvr>
+    <a:masterClrMapping/>
+  </p:clrMapOvr>
+</p:sld>
+</file>
+
+<file path=ppt/slides/slide12.xml><?xml version="1.0" encoding="utf-8"?>
+<p:sld xmlns:a="http://schemas.openxmlformats.org/drawingml/2006/main" xmlns:r="http://schemas.openxmlformats.org/officeDocument/2006/relationships" xmlns:p="http://schemas.openxmlformats.org/presentationml/2006/main">
+  <p:cSld>
+    <p:spTree>
+      <p:nvGrpSpPr>
+        <p:cNvPr id="1" name=""/>
+        <p:cNvGrpSpPr/>
+        <p:nvPr/>
+      </p:nvGrpSpPr>
+      <p:grpSpPr>
+        <a:xfrm>
+          <a:off x="0" y="0"/>
+          <a:ext cx="0" cy="0"/>
+          <a:chOff x="0" y="0"/>
+          <a:chExt cx="0" cy="0"/>
+        </a:xfrm>
+      </p:grpSpPr>
+      <p:sp>
+        <p:nvSpPr>
+          <p:cNvPr id="3" name="Tartalom helye 2"/>
+          <p:cNvSpPr>
+            <a:spLocks noGrp="1"/>
+          </p:cNvSpPr>
+          <p:nvPr>
+            <p:ph idx="1"/>
+          </p:nvPr>
+        </p:nvSpPr>
+        <p:spPr>
+          <a:xfrm>
+            <a:off x="531341" y="203201"/>
+            <a:ext cx="9438160" cy="2082799"/>
+          </a:xfrm>
+        </p:spPr>
+        <p:txBody>
+          <a:bodyPr>
+            <a:normAutofit/>
+          </a:bodyPr>
+          <a:lstStyle/>
+          <a:p>
+            <a:r>
+              <a:rPr lang="en-US" sz="2300" dirty="0" err="1" smtClean="0"/>
+              <a:t>Az</a:t>
+            </a:r>
+            <a:r>
+              <a:rPr lang="en-US" sz="2300" dirty="0" smtClean="0"/>
+              <a:t> </a:t>
+            </a:r>
+            <a:r>
+              <a:rPr lang="en-US" sz="2300" dirty="0" err="1" smtClean="0"/>
+              <a:t>algoritmus</a:t>
+            </a:r>
+            <a:r>
+              <a:rPr lang="en-US" sz="2300" dirty="0" smtClean="0"/>
+              <a:t> </a:t>
+            </a:r>
+            <a:r>
+              <a:rPr lang="en-US" sz="2300" dirty="0" err="1" smtClean="0"/>
+              <a:t>egy</a:t>
+            </a:r>
+            <a:r>
+              <a:rPr lang="en-US" sz="2300" dirty="0" smtClean="0"/>
+              <a:t> </a:t>
+            </a:r>
+            <a:r>
+              <a:rPr lang="en-US" sz="2300" dirty="0" err="1" smtClean="0"/>
+              <a:t>egyszerűsítése</a:t>
+            </a:r>
+            <a:r>
+              <a:rPr lang="en-US" sz="2300" dirty="0" smtClean="0"/>
+              <a:t> </a:t>
+            </a:r>
+            <a:r>
+              <a:rPr lang="en-US" sz="2300" dirty="0" err="1" smtClean="0"/>
+              <a:t>az</a:t>
+            </a:r>
+            <a:r>
+              <a:rPr lang="en-US" sz="2300" dirty="0" smtClean="0"/>
+              <a:t> </a:t>
+            </a:r>
+            <a:r>
+              <a:rPr lang="en-US" sz="2300" dirty="0" err="1" smtClean="0"/>
+              <a:t>általános</a:t>
+            </a:r>
+            <a:r>
+              <a:rPr lang="en-US" sz="2300" dirty="0" smtClean="0"/>
+              <a:t> </a:t>
+            </a:r>
+            <a:r>
+              <a:rPr lang="en-US" sz="2300" dirty="0" err="1" smtClean="0"/>
+              <a:t>adatfolyam</a:t>
+            </a:r>
+            <a:r>
+              <a:rPr lang="en-US" sz="2300" dirty="0" smtClean="0"/>
+              <a:t> </a:t>
+            </a:r>
+            <a:r>
+              <a:rPr lang="en-US" sz="2300" dirty="0" err="1" smtClean="0"/>
+              <a:t>információelemző</a:t>
+            </a:r>
+            <a:r>
+              <a:rPr lang="en-US" sz="2300" dirty="0" smtClean="0"/>
+              <a:t> </a:t>
+            </a:r>
+            <a:r>
+              <a:rPr lang="en-US" sz="2300" dirty="0" err="1" smtClean="0"/>
+              <a:t>algoritmusoknak</a:t>
+            </a:r>
+            <a:endParaRPr lang="en-US" sz="2300" dirty="0" smtClean="0"/>
+          </a:p>
+          <a:p>
+            <a:r>
+              <a:rPr lang="en-US" sz="2300" dirty="0" smtClean="0"/>
+              <a:t>Input: Minden </a:t>
+            </a:r>
+            <a:r>
+              <a:rPr lang="en-US" sz="2300" dirty="0" err="1" smtClean="0"/>
+              <a:t>utasításnak</a:t>
+            </a:r>
+            <a:r>
+              <a:rPr lang="en-US" sz="2300" dirty="0" smtClean="0"/>
+              <a:t> van </a:t>
+            </a:r>
+            <a:r>
+              <a:rPr lang="en-US" sz="2300" dirty="0" err="1" smtClean="0"/>
+              <a:t>egy</a:t>
+            </a:r>
+            <a:r>
+              <a:rPr lang="en-US" sz="2300" dirty="0" smtClean="0"/>
+              <a:t> </a:t>
+            </a:r>
+            <a:r>
+              <a:rPr lang="en-US" sz="2300" dirty="0" err="1" smtClean="0"/>
+              <a:t>Def</a:t>
+            </a:r>
+            <a:r>
+              <a:rPr lang="en-US" sz="2300" dirty="0" smtClean="0"/>
+              <a:t>, Ref, </a:t>
+            </a:r>
+            <a:r>
+              <a:rPr lang="en-US" sz="2300" dirty="0" err="1" smtClean="0"/>
+              <a:t>Infl</a:t>
+            </a:r>
+            <a:r>
+              <a:rPr lang="en-US" sz="2300" dirty="0" smtClean="0"/>
+              <a:t> </a:t>
+            </a:r>
+            <a:r>
+              <a:rPr lang="en-US" sz="2300" dirty="0" err="1" smtClean="0"/>
+              <a:t>halmaza</a:t>
+            </a:r>
+            <a:endParaRPr lang="en-US" sz="2300" dirty="0" smtClean="0"/>
+          </a:p>
+          <a:p>
+            <a:r>
+              <a:rPr lang="en-US" sz="2300" dirty="0" err="1"/>
+              <a:t>E</a:t>
+            </a:r>
+            <a:r>
+              <a:rPr lang="en-US" sz="2300" dirty="0" err="1" smtClean="0"/>
+              <a:t>gy</a:t>
+            </a:r>
+            <a:r>
+              <a:rPr lang="en-US" sz="2300" dirty="0" smtClean="0"/>
+              <a:t> </a:t>
+            </a:r>
+            <a:r>
+              <a:rPr lang="en-US" sz="2300" dirty="0" err="1" smtClean="0"/>
+              <a:t>példa</a:t>
+            </a:r>
+            <a:r>
+              <a:rPr lang="en-US" sz="2300" dirty="0" smtClean="0"/>
+              <a:t> </a:t>
+            </a:r>
+            <a:r>
+              <a:rPr lang="en-US" sz="2300" dirty="0" err="1" smtClean="0"/>
+              <a:t>az</a:t>
+            </a:r>
+            <a:r>
+              <a:rPr lang="en-US" sz="2300" dirty="0" smtClean="0"/>
+              <a:t> (</a:t>
+            </a:r>
+            <a:r>
+              <a:rPr lang="en-US" sz="2300" dirty="0" err="1" smtClean="0"/>
+              <a:t>i</a:t>
+            </a:r>
+            <a:r>
+              <a:rPr lang="en-US" sz="2300" dirty="0" smtClean="0"/>
+              <a:t>++, {</a:t>
+            </a:r>
+            <a:r>
+              <a:rPr lang="en-US" sz="2300" dirty="0" err="1" smtClean="0"/>
+              <a:t>i</a:t>
+            </a:r>
+            <a:r>
+              <a:rPr lang="en-US" sz="2300" dirty="0" smtClean="0"/>
+              <a:t>}) </a:t>
+            </a:r>
+            <a:r>
+              <a:rPr lang="en-US" sz="2300" dirty="0" err="1" smtClean="0"/>
+              <a:t>kritériumra</a:t>
+            </a:r>
+            <a:r>
+              <a:rPr lang="en-US" sz="2300" dirty="0" smtClean="0"/>
+              <a:t>:</a:t>
+            </a:r>
+          </a:p>
+          <a:p>
+            <a:endParaRPr lang="en-US" dirty="0"/>
+          </a:p>
+        </p:txBody>
+      </p:sp>
+      <p:pic>
+        <p:nvPicPr>
+          <p:cNvPr id="4" name="Kép 3"/>
+          <p:cNvPicPr>
+            <a:picLocks noChangeAspect="1"/>
+          </p:cNvPicPr>
+          <p:nvPr/>
+        </p:nvPicPr>
+        <p:blipFill>
+          <a:blip r:embed="rId2">
+            <a:extLst>
+              <a:ext uri="{28A0092B-C50C-407E-A947-70E740481C1C}">
+                <a14:useLocalDpi xmlns:a14="http://schemas.microsoft.com/office/drawing/2010/main" val="0"/>
+              </a:ext>
+            </a:extLst>
+          </a:blip>
+          <a:stretch>
+            <a:fillRect/>
+          </a:stretch>
+        </p:blipFill>
+        <p:spPr>
+          <a:xfrm>
+            <a:off x="6335240" y="2183541"/>
+            <a:ext cx="5337333" cy="2668667"/>
+          </a:xfrm>
+          <a:prstGeom prst="rect">
+            <a:avLst/>
+          </a:prstGeom>
+        </p:spPr>
+      </p:pic>
+    </p:spTree>
+    <p:extLst>
+      <p:ext uri="{BB962C8B-B14F-4D97-AF65-F5344CB8AC3E}">
+        <p14:creationId xmlns:p14="http://schemas.microsoft.com/office/powerpoint/2010/main" val="985503453"/>
+      </p:ext>
+    </p:extLst>
+  </p:cSld>
+  <p:clrMapOvr>
+    <a:masterClrMapping/>
+  </p:clrMapOvr>
+</p:sld>
+</file>
+
+<file path=ppt/slides/slide13.xml><?xml version="1.0" encoding="utf-8"?>
+<p:sld xmlns:a="http://schemas.openxmlformats.org/drawingml/2006/main" xmlns:r="http://schemas.openxmlformats.org/officeDocument/2006/relationships" xmlns:p="http://schemas.openxmlformats.org/presentationml/2006/main">
+  <p:cSld>
+    <p:spTree>
+      <p:nvGrpSpPr>
+        <p:cNvPr id="1" name=""/>
+        <p:cNvGrpSpPr/>
+        <p:nvPr/>
+      </p:nvGrpSpPr>
+      <p:grpSpPr>
+        <a:xfrm>
+          <a:off x="0" y="0"/>
+          <a:ext cx="0" cy="0"/>
+          <a:chOff x="0" y="0"/>
+          <a:chExt cx="0" cy="0"/>
+        </a:xfrm>
+      </p:grpSpPr>
+      <p:sp>
+        <p:nvSpPr>
+          <p:cNvPr id="2" name="Cím 1"/>
+          <p:cNvSpPr>
+            <a:spLocks noGrp="1"/>
+          </p:cNvSpPr>
+          <p:nvPr>
+            <p:ph type="title"/>
+          </p:nvPr>
+        </p:nvSpPr>
+        <p:spPr>
+          <a:xfrm>
+            <a:off x="568411" y="452718"/>
+            <a:ext cx="9482423" cy="869455"/>
+          </a:xfrm>
+        </p:spPr>
+        <p:txBody>
+          <a:bodyPr/>
+          <a:lstStyle/>
+          <a:p>
+            <a:r>
+              <a:rPr lang="en-US" dirty="0" err="1" smtClean="0"/>
+              <a:t>Hatékonyság</a:t>
+            </a:r>
+            <a:endParaRPr lang="en-US" dirty="0"/>
+          </a:p>
+        </p:txBody>
+      </p:sp>
+      <p:sp>
+        <p:nvSpPr>
+          <p:cNvPr id="3" name="Tartalom helye 2"/>
+          <p:cNvSpPr>
+            <a:spLocks noGrp="1"/>
+          </p:cNvSpPr>
+          <p:nvPr>
+            <p:ph idx="1"/>
+          </p:nvPr>
+        </p:nvSpPr>
+        <p:spPr>
+          <a:xfrm>
+            <a:off x="988542" y="1322174"/>
+            <a:ext cx="9061312" cy="4926226"/>
+          </a:xfrm>
+        </p:spPr>
+        <p:txBody>
+          <a:bodyPr/>
+          <a:lstStyle/>
+          <a:p>
+            <a:r>
+              <a:rPr lang="en-US" dirty="0" err="1" smtClean="0"/>
+              <a:t>Egy</a:t>
+            </a:r>
+            <a:r>
+              <a:rPr lang="en-US" dirty="0" smtClean="0"/>
+              <a:t> slice </a:t>
+            </a:r>
+            <a:r>
+              <a:rPr lang="en-US" dirty="0" err="1" smtClean="0"/>
+              <a:t>kiszámítása</a:t>
+            </a:r>
+            <a:r>
+              <a:rPr lang="en-US" dirty="0" smtClean="0"/>
+              <a:t> </a:t>
+            </a:r>
+            <a:r>
+              <a:rPr lang="en-US" dirty="0" err="1" smtClean="0"/>
+              <a:t>nagyságrendileg</a:t>
+            </a:r>
+            <a:r>
+              <a:rPr lang="en-US" dirty="0" smtClean="0"/>
+              <a:t> O(n e log e), </a:t>
+            </a:r>
+            <a:r>
+              <a:rPr lang="en-US" dirty="0" err="1" smtClean="0"/>
+              <a:t>ahol</a:t>
+            </a:r>
+            <a:r>
+              <a:rPr lang="en-US" dirty="0" smtClean="0"/>
+              <a:t> n </a:t>
+            </a:r>
+            <a:r>
+              <a:rPr lang="en-US" dirty="0" err="1" smtClean="0"/>
+              <a:t>az</a:t>
+            </a:r>
+            <a:r>
+              <a:rPr lang="en-US" dirty="0" smtClean="0"/>
+              <a:t> </a:t>
+            </a:r>
+            <a:r>
+              <a:rPr lang="en-US" dirty="0" err="1" smtClean="0"/>
+              <a:t>utasítások</a:t>
+            </a:r>
+            <a:r>
+              <a:rPr lang="en-US" dirty="0" smtClean="0"/>
+              <a:t>, e </a:t>
+            </a:r>
+            <a:r>
+              <a:rPr lang="en-US" dirty="0" err="1" smtClean="0"/>
+              <a:t>pedig</a:t>
+            </a:r>
+            <a:r>
+              <a:rPr lang="en-US" dirty="0" smtClean="0"/>
+              <a:t> a program CFG-</a:t>
+            </a:r>
+            <a:r>
+              <a:rPr lang="en-US" dirty="0" err="1" smtClean="0"/>
+              <a:t>beli</a:t>
+            </a:r>
+            <a:r>
+              <a:rPr lang="en-US" dirty="0" smtClean="0"/>
+              <a:t> </a:t>
+            </a:r>
+            <a:r>
+              <a:rPr lang="en-US" dirty="0" err="1" smtClean="0"/>
+              <a:t>élek</a:t>
+            </a:r>
+            <a:r>
+              <a:rPr lang="en-US" dirty="0" smtClean="0"/>
+              <a:t> </a:t>
+            </a:r>
+            <a:r>
+              <a:rPr lang="en-US" dirty="0" err="1" smtClean="0"/>
+              <a:t>számával</a:t>
+            </a:r>
+            <a:r>
+              <a:rPr lang="en-US" dirty="0" smtClean="0"/>
+              <a:t> </a:t>
+            </a:r>
+            <a:r>
+              <a:rPr lang="en-US" dirty="0" err="1" smtClean="0"/>
+              <a:t>egyenlő</a:t>
+            </a:r>
+            <a:r>
+              <a:rPr lang="en-US" dirty="0" smtClean="0"/>
+              <a:t>.</a:t>
+            </a:r>
+          </a:p>
+          <a:p>
+            <a:r>
+              <a:rPr lang="en-US" dirty="0" err="1" smtClean="0"/>
+              <a:t>Előnyök</a:t>
+            </a:r>
+            <a:r>
+              <a:rPr lang="en-US" dirty="0" smtClean="0"/>
+              <a:t>:</a:t>
+            </a:r>
+          </a:p>
+          <a:p>
+            <a:pPr lvl="1"/>
+            <a:r>
+              <a:rPr lang="en-US" dirty="0" err="1" smtClean="0"/>
+              <a:t>Elég</a:t>
+            </a:r>
+            <a:r>
+              <a:rPr lang="en-US" dirty="0" smtClean="0"/>
+              <a:t> a program CFG-</a:t>
+            </a:r>
+            <a:r>
+              <a:rPr lang="en-US" dirty="0" err="1" smtClean="0"/>
+              <a:t>ja</a:t>
+            </a:r>
+            <a:r>
+              <a:rPr lang="en-US" dirty="0" smtClean="0"/>
+              <a:t> </a:t>
+            </a:r>
+            <a:r>
+              <a:rPr lang="en-US" dirty="0" err="1" smtClean="0"/>
+              <a:t>és</a:t>
+            </a:r>
+            <a:r>
+              <a:rPr lang="en-US" dirty="0" smtClean="0"/>
+              <a:t> </a:t>
+            </a:r>
+            <a:r>
+              <a:rPr lang="en-US" dirty="0" err="1" smtClean="0"/>
+              <a:t>az</a:t>
+            </a:r>
+            <a:r>
+              <a:rPr lang="en-US" dirty="0" smtClean="0"/>
+              <a:t> </a:t>
+            </a:r>
+            <a:r>
+              <a:rPr lang="en-US" dirty="0" err="1" smtClean="0"/>
+              <a:t>utasítások</a:t>
+            </a:r>
+            <a:r>
+              <a:rPr lang="en-US" dirty="0" smtClean="0"/>
+              <a:t> </a:t>
+            </a:r>
+            <a:r>
+              <a:rPr lang="en-US" dirty="0" err="1" smtClean="0"/>
+              <a:t>Def</a:t>
+            </a:r>
+            <a:r>
+              <a:rPr lang="en-US" dirty="0" smtClean="0"/>
+              <a:t>, Ref </a:t>
+            </a:r>
+            <a:r>
+              <a:rPr lang="en-US" dirty="0" err="1" smtClean="0"/>
+              <a:t>halmazai</a:t>
+            </a:r>
+            <a:endParaRPr lang="en-US" dirty="0" smtClean="0"/>
+          </a:p>
+          <a:p>
+            <a:r>
+              <a:rPr lang="en-US" dirty="0" err="1" smtClean="0"/>
+              <a:t>Hátrányok</a:t>
+            </a:r>
+            <a:r>
+              <a:rPr lang="en-US" dirty="0" smtClean="0"/>
+              <a:t>:</a:t>
+            </a:r>
+          </a:p>
+          <a:p>
+            <a:pPr lvl="1"/>
+            <a:r>
+              <a:rPr lang="en-US" dirty="0" err="1" smtClean="0"/>
+              <a:t>Nem</a:t>
+            </a:r>
+            <a:r>
+              <a:rPr lang="en-US" dirty="0" smtClean="0"/>
+              <a:t> </a:t>
+            </a:r>
+            <a:r>
+              <a:rPr lang="en-US" dirty="0" err="1" smtClean="0"/>
+              <a:t>minimális</a:t>
+            </a:r>
+            <a:r>
+              <a:rPr lang="en-US" dirty="0" smtClean="0"/>
+              <a:t> slice-</a:t>
+            </a:r>
+            <a:r>
+              <a:rPr lang="en-US" dirty="0" err="1" smtClean="0"/>
+              <a:t>ot</a:t>
+            </a:r>
+            <a:r>
+              <a:rPr lang="en-US" dirty="0" smtClean="0"/>
+              <a:t> </a:t>
+            </a:r>
+            <a:r>
+              <a:rPr lang="en-US" dirty="0" err="1" smtClean="0"/>
+              <a:t>számol</a:t>
+            </a:r>
+            <a:endParaRPr lang="en-US" dirty="0" smtClean="0"/>
+          </a:p>
+          <a:p>
+            <a:pPr lvl="1"/>
+            <a:r>
+              <a:rPr lang="en-US" dirty="0" smtClean="0"/>
+              <a:t>Ha </a:t>
+            </a:r>
+            <a:r>
+              <a:rPr lang="en-US" dirty="0" err="1" smtClean="0"/>
+              <a:t>változtatunk</a:t>
+            </a:r>
+            <a:r>
+              <a:rPr lang="en-US" dirty="0" smtClean="0"/>
+              <a:t> a </a:t>
+            </a:r>
+            <a:r>
+              <a:rPr lang="en-US" dirty="0" err="1" smtClean="0"/>
+              <a:t>kritériumon</a:t>
+            </a:r>
+            <a:r>
+              <a:rPr lang="en-US" dirty="0" smtClean="0"/>
+              <a:t>, </a:t>
+            </a:r>
+            <a:r>
+              <a:rPr lang="en-US" dirty="0" err="1" smtClean="0"/>
+              <a:t>újra</a:t>
+            </a:r>
+            <a:r>
+              <a:rPr lang="en-US" dirty="0" smtClean="0"/>
+              <a:t> </a:t>
+            </a:r>
+            <a:r>
+              <a:rPr lang="en-US" dirty="0" err="1" smtClean="0"/>
+              <a:t>kell</a:t>
+            </a:r>
+            <a:r>
+              <a:rPr lang="en-US" dirty="0" smtClean="0"/>
+              <a:t> </a:t>
+            </a:r>
+            <a:r>
+              <a:rPr lang="en-US" dirty="0" err="1" smtClean="0"/>
+              <a:t>számolni</a:t>
+            </a:r>
+            <a:r>
+              <a:rPr lang="en-US" dirty="0" smtClean="0"/>
+              <a:t> a slice-</a:t>
+            </a:r>
+            <a:r>
+              <a:rPr lang="en-US" dirty="0" err="1" smtClean="0"/>
+              <a:t>ot</a:t>
+            </a:r>
+            <a:r>
+              <a:rPr lang="en-US" dirty="0" smtClean="0"/>
+              <a:t>.</a:t>
+            </a:r>
+          </a:p>
+        </p:txBody>
+      </p:sp>
+    </p:spTree>
+    <p:extLst>
+      <p:ext uri="{BB962C8B-B14F-4D97-AF65-F5344CB8AC3E}">
+        <p14:creationId xmlns:p14="http://schemas.microsoft.com/office/powerpoint/2010/main" val="2726156695"/>
+      </p:ext>
+    </p:extLst>
+  </p:cSld>
+  <p:clrMapOvr>
+    <a:masterClrMapping/>
+  </p:clrMapOvr>
+</p:sld>
+</file>
+
+<file path=ppt/slides/slide14.xml><?xml version="1.0" encoding="utf-8"?>
+<p:sld xmlns:a="http://schemas.openxmlformats.org/drawingml/2006/main" xmlns:r="http://schemas.openxmlformats.org/officeDocument/2006/relationships" xmlns:p="http://schemas.openxmlformats.org/presentationml/2006/main">
+  <p:cSld>
+    <p:spTree>
+      <p:nvGrpSpPr>
+        <p:cNvPr id="1" name=""/>
+        <p:cNvGrpSpPr/>
+        <p:nvPr/>
+      </p:nvGrpSpPr>
+      <p:grpSpPr>
+        <a:xfrm>
+          <a:off x="0" y="0"/>
+          <a:ext cx="0" cy="0"/>
+          <a:chOff x="0" y="0"/>
+          <a:chExt cx="0" cy="0"/>
+        </a:xfrm>
+      </p:grpSpPr>
+      <p:sp>
+        <p:nvSpPr>
+          <p:cNvPr id="2" name="Cím 1"/>
+          <p:cNvSpPr>
+            <a:spLocks noGrp="1"/>
+          </p:cNvSpPr>
+          <p:nvPr>
+            <p:ph type="title"/>
+          </p:nvPr>
+        </p:nvSpPr>
+        <p:spPr>
+          <a:xfrm>
+            <a:off x="584201" y="452718"/>
+            <a:ext cx="9466634" cy="829982"/>
+          </a:xfrm>
+        </p:spPr>
+        <p:txBody>
+          <a:bodyPr/>
+          <a:lstStyle/>
+          <a:p>
+            <a:r>
+              <a:rPr lang="en-US" dirty="0" err="1" smtClean="0"/>
+              <a:t>Információ-folyam</a:t>
+            </a:r>
+            <a:r>
+              <a:rPr lang="en-US" dirty="0" smtClean="0"/>
+              <a:t> </a:t>
+            </a:r>
+            <a:r>
+              <a:rPr lang="en-US" dirty="0" err="1" smtClean="0"/>
+              <a:t>relációk</a:t>
+            </a:r>
+            <a:endParaRPr lang="en-US" dirty="0"/>
+          </a:p>
+        </p:txBody>
+      </p:sp>
+      <p:sp>
+        <p:nvSpPr>
+          <p:cNvPr id="3" name="Tartalom helye 2"/>
+          <p:cNvSpPr>
+            <a:spLocks noGrp="1"/>
+          </p:cNvSpPr>
+          <p:nvPr>
+            <p:ph idx="1"/>
+          </p:nvPr>
+        </p:nvSpPr>
+        <p:spPr>
+          <a:xfrm>
+            <a:off x="1016000" y="1549400"/>
+            <a:ext cx="9033853" cy="4698999"/>
+          </a:xfrm>
+        </p:spPr>
+        <p:txBody>
+          <a:bodyPr/>
+          <a:lstStyle/>
+          <a:p>
+            <a:r>
+              <a:rPr lang="en-US" dirty="0" err="1" smtClean="0"/>
+              <a:t>Bergeretti</a:t>
+            </a:r>
+            <a:r>
+              <a:rPr lang="en-US" dirty="0" smtClean="0"/>
+              <a:t> </a:t>
+            </a:r>
+            <a:r>
+              <a:rPr lang="en-US" dirty="0" err="1" smtClean="0"/>
+              <a:t>és</a:t>
+            </a:r>
+            <a:r>
+              <a:rPr lang="en-US" dirty="0" smtClean="0"/>
+              <a:t> </a:t>
+            </a:r>
+            <a:r>
+              <a:rPr lang="en-US" dirty="0" err="1" smtClean="0"/>
+              <a:t>Carré</a:t>
+            </a:r>
+            <a:r>
+              <a:rPr lang="en-US" dirty="0" smtClean="0"/>
+              <a:t> </a:t>
+            </a:r>
+            <a:r>
+              <a:rPr lang="en-US" dirty="0" err="1" smtClean="0"/>
+              <a:t>találmánya</a:t>
+            </a:r>
+            <a:endParaRPr lang="en-US" dirty="0" smtClean="0"/>
+          </a:p>
+          <a:p>
+            <a:r>
+              <a:rPr lang="en-US" dirty="0" err="1" smtClean="0"/>
+              <a:t>Relációkkal</a:t>
+            </a:r>
+            <a:r>
+              <a:rPr lang="en-US" dirty="0" smtClean="0"/>
+              <a:t> </a:t>
+            </a:r>
+            <a:r>
+              <a:rPr lang="en-US" dirty="0" err="1" smtClean="0"/>
+              <a:t>írják</a:t>
+            </a:r>
+            <a:r>
+              <a:rPr lang="en-US" dirty="0" smtClean="0"/>
+              <a:t> </a:t>
+            </a:r>
+            <a:r>
+              <a:rPr lang="en-US" dirty="0" err="1" smtClean="0"/>
+              <a:t>fel</a:t>
+            </a:r>
+            <a:r>
+              <a:rPr lang="en-US" dirty="0" smtClean="0"/>
+              <a:t> </a:t>
+            </a:r>
+            <a:r>
+              <a:rPr lang="en-US" dirty="0" err="1" smtClean="0"/>
+              <a:t>az</a:t>
+            </a:r>
+            <a:r>
+              <a:rPr lang="en-US" dirty="0" smtClean="0"/>
+              <a:t> </a:t>
+            </a:r>
+            <a:r>
+              <a:rPr lang="en-US" dirty="0" err="1" smtClean="0"/>
+              <a:t>adatfüggőségeket</a:t>
+            </a:r>
+            <a:endParaRPr lang="en-US" dirty="0" smtClean="0"/>
+          </a:p>
+          <a:p>
+            <a:r>
+              <a:rPr lang="en-US" dirty="0" err="1" smtClean="0"/>
+              <a:t>Az</a:t>
+            </a:r>
+            <a:r>
+              <a:rPr lang="en-US" dirty="0" smtClean="0"/>
+              <a:t> </a:t>
+            </a:r>
+            <a:r>
+              <a:rPr lang="en-US" dirty="0" err="1" smtClean="0"/>
+              <a:t>utasításokat</a:t>
+            </a:r>
+            <a:r>
+              <a:rPr lang="en-US" dirty="0" smtClean="0"/>
+              <a:t> </a:t>
+            </a:r>
+            <a:r>
+              <a:rPr lang="en-US" dirty="0" err="1" smtClean="0"/>
+              <a:t>besorolják</a:t>
+            </a:r>
+            <a:r>
+              <a:rPr lang="en-US" dirty="0"/>
+              <a:t> </a:t>
+            </a:r>
+            <a:r>
+              <a:rPr lang="en-US" dirty="0" smtClean="0"/>
+              <a:t>Empty, Assignment, Sequence, Conditional </a:t>
+            </a:r>
+            <a:r>
+              <a:rPr lang="en-US" dirty="0" err="1" smtClean="0"/>
+              <a:t>és</a:t>
+            </a:r>
+            <a:r>
+              <a:rPr lang="en-US" dirty="0" smtClean="0"/>
+              <a:t> Repetitive</a:t>
+            </a:r>
+            <a:r>
+              <a:rPr lang="en-US" dirty="0"/>
+              <a:t> </a:t>
+            </a:r>
+            <a:r>
+              <a:rPr lang="en-US" dirty="0" err="1" smtClean="0"/>
+              <a:t>t</a:t>
+            </a:r>
+            <a:r>
+              <a:rPr lang="en-US" dirty="0" err="1" smtClean="0"/>
+              <a:t>ípusokba</a:t>
+            </a:r>
+            <a:endParaRPr lang="en-US" dirty="0"/>
+          </a:p>
+          <a:p>
+            <a:r>
+              <a:rPr lang="en-US" dirty="0" smtClean="0"/>
+              <a:t>Minden S </a:t>
+            </a:r>
+            <a:r>
+              <a:rPr lang="en-US" dirty="0" err="1" smtClean="0"/>
+              <a:t>utasításra</a:t>
+            </a:r>
+            <a:r>
+              <a:rPr lang="en-US" dirty="0" smtClean="0"/>
+              <a:t> </a:t>
+            </a:r>
+            <a:r>
+              <a:rPr lang="en-US" dirty="0" err="1" smtClean="0"/>
+              <a:t>definiál</a:t>
+            </a:r>
+            <a:r>
+              <a:rPr lang="en-US" dirty="0" smtClean="0"/>
+              <a:t> 3 </a:t>
+            </a:r>
+            <a:r>
+              <a:rPr lang="en-US" dirty="0" err="1" smtClean="0"/>
+              <a:t>relációt</a:t>
+            </a:r>
+            <a:r>
+              <a:rPr lang="en-US" dirty="0" smtClean="0"/>
+              <a:t>: </a:t>
+            </a:r>
+            <a:r>
+              <a:rPr lang="el-GR" dirty="0" smtClean="0"/>
+              <a:t>λ</a:t>
+            </a:r>
+            <a:r>
+              <a:rPr lang="en-US" baseline="-25000" dirty="0" smtClean="0"/>
+              <a:t>s</a:t>
+            </a:r>
+            <a:r>
+              <a:rPr lang="en-US" dirty="0" smtClean="0"/>
+              <a:t>, </a:t>
+            </a:r>
+            <a:r>
+              <a:rPr lang="el-GR" dirty="0" smtClean="0"/>
+              <a:t>μ</a:t>
+            </a:r>
+            <a:r>
+              <a:rPr lang="en-US" baseline="-25000" dirty="0" smtClean="0"/>
+              <a:t>s</a:t>
+            </a:r>
+            <a:r>
+              <a:rPr lang="en-US" dirty="0" smtClean="0"/>
+              <a:t>, </a:t>
+            </a:r>
+            <a:r>
+              <a:rPr lang="el-GR" dirty="0" smtClean="0"/>
+              <a:t>ρ</a:t>
+            </a:r>
+            <a:r>
+              <a:rPr lang="en-US" baseline="-25000" dirty="0" smtClean="0"/>
+              <a:t>s</a:t>
+            </a:r>
+            <a:r>
+              <a:rPr lang="en-US" dirty="0" smtClean="0"/>
+              <a:t>, </a:t>
+            </a:r>
+            <a:r>
+              <a:rPr lang="en-US" dirty="0" err="1" smtClean="0"/>
+              <a:t>amik</a:t>
+            </a:r>
+            <a:r>
+              <a:rPr lang="en-US" dirty="0" smtClean="0"/>
+              <a:t> V </a:t>
+            </a:r>
+            <a:r>
+              <a:rPr lang="en-US" dirty="0" err="1" smtClean="0"/>
+              <a:t>változók</a:t>
+            </a:r>
+            <a:r>
+              <a:rPr lang="en-US" dirty="0" smtClean="0"/>
+              <a:t> </a:t>
+            </a:r>
+            <a:r>
+              <a:rPr lang="en-US" dirty="0" err="1" smtClean="0"/>
+              <a:t>és</a:t>
+            </a:r>
+            <a:r>
+              <a:rPr lang="en-US" dirty="0" smtClean="0"/>
+              <a:t> E </a:t>
+            </a:r>
+            <a:r>
+              <a:rPr lang="en-US" dirty="0" err="1" smtClean="0"/>
+              <a:t>kifejezések</a:t>
+            </a:r>
+            <a:r>
+              <a:rPr lang="en-US" dirty="0" smtClean="0"/>
+              <a:t> </a:t>
+            </a:r>
+            <a:r>
+              <a:rPr lang="en-US" dirty="0" err="1" smtClean="0"/>
+              <a:t>halmazába</a:t>
+            </a:r>
+            <a:r>
+              <a:rPr lang="en-US" dirty="0" smtClean="0"/>
+              <a:t> </a:t>
+            </a:r>
+            <a:r>
+              <a:rPr lang="en-US" dirty="0" err="1" smtClean="0"/>
+              <a:t>képeznek</a:t>
+            </a:r>
+            <a:r>
+              <a:rPr lang="en-US" dirty="0" smtClean="0"/>
+              <a:t>:</a:t>
+            </a:r>
+            <a:endParaRPr lang="en-US" baseline="-25000" dirty="0" smtClean="0"/>
+          </a:p>
+          <a:p>
+            <a:pPr lvl="1"/>
+            <a:r>
+              <a:rPr lang="el-GR" dirty="0" smtClean="0"/>
+              <a:t>λ</a:t>
+            </a:r>
+            <a:r>
+              <a:rPr lang="en-US" baseline="-25000" dirty="0" smtClean="0"/>
+              <a:t>s  </a:t>
+            </a:r>
+            <a:r>
+              <a:rPr lang="en-US" dirty="0" smtClean="0"/>
+              <a:t>: V x E : v </a:t>
+            </a:r>
+            <a:r>
+              <a:rPr lang="en-US" dirty="0" err="1" smtClean="0"/>
+              <a:t>változó</a:t>
+            </a:r>
+            <a:r>
+              <a:rPr lang="en-US" dirty="0" smtClean="0"/>
+              <a:t> </a:t>
+            </a:r>
+            <a:r>
+              <a:rPr lang="en-US" dirty="0" err="1" smtClean="0"/>
+              <a:t>értéke</a:t>
+            </a:r>
+            <a:r>
+              <a:rPr lang="en-US" dirty="0" smtClean="0"/>
+              <a:t> </a:t>
+            </a:r>
+            <a:r>
+              <a:rPr lang="en-US" dirty="0" err="1" smtClean="0"/>
+              <a:t>használva</a:t>
+            </a:r>
+            <a:r>
+              <a:rPr lang="en-US" dirty="0" smtClean="0"/>
+              <a:t> </a:t>
+            </a:r>
+            <a:r>
+              <a:rPr lang="en-US" dirty="0" err="1" smtClean="0"/>
+              <a:t>lesz</a:t>
+            </a:r>
+            <a:r>
+              <a:rPr lang="en-US" dirty="0" smtClean="0"/>
+              <a:t> S </a:t>
+            </a:r>
+            <a:r>
+              <a:rPr lang="en-US" dirty="0" err="1" smtClean="0"/>
+              <a:t>beli</a:t>
+            </a:r>
+            <a:r>
+              <a:rPr lang="en-US" dirty="0" smtClean="0"/>
+              <a:t> e </a:t>
+            </a:r>
+            <a:r>
+              <a:rPr lang="en-US" dirty="0" err="1" smtClean="0"/>
+              <a:t>kifejezésben</a:t>
+            </a:r>
+            <a:endParaRPr lang="en-US" dirty="0" smtClean="0"/>
+          </a:p>
+          <a:p>
+            <a:pPr lvl="1"/>
+            <a:r>
+              <a:rPr lang="el-GR" dirty="0" smtClean="0"/>
+              <a:t>μ</a:t>
+            </a:r>
+            <a:r>
+              <a:rPr lang="en-US" baseline="-25000" dirty="0" smtClean="0"/>
+              <a:t>s </a:t>
+            </a:r>
+            <a:r>
+              <a:rPr lang="en-US" dirty="0" smtClean="0"/>
+              <a:t>: E x V : S </a:t>
+            </a:r>
+            <a:r>
+              <a:rPr lang="en-US" dirty="0" err="1" smtClean="0"/>
+              <a:t>beli</a:t>
+            </a:r>
+            <a:r>
+              <a:rPr lang="en-US" dirty="0" smtClean="0"/>
+              <a:t> e </a:t>
+            </a:r>
+            <a:r>
+              <a:rPr lang="en-US" dirty="0" err="1" smtClean="0"/>
+              <a:t>kifejezés</a:t>
+            </a:r>
+            <a:r>
+              <a:rPr lang="en-US" dirty="0" smtClean="0"/>
+              <a:t> </a:t>
+            </a:r>
+            <a:r>
+              <a:rPr lang="en-US" dirty="0" err="1" smtClean="0"/>
+              <a:t>hatással</a:t>
+            </a:r>
+            <a:r>
+              <a:rPr lang="en-US" dirty="0" smtClean="0"/>
+              <a:t> van v </a:t>
+            </a:r>
+            <a:r>
+              <a:rPr lang="en-US" dirty="0" err="1" smtClean="0"/>
+              <a:t>változóra</a:t>
+            </a:r>
+            <a:endParaRPr lang="en-US" dirty="0" smtClean="0"/>
+          </a:p>
+          <a:p>
+            <a:pPr lvl="1"/>
+            <a:r>
+              <a:rPr lang="el-GR" dirty="0"/>
+              <a:t>ρ</a:t>
+            </a:r>
+            <a:r>
+              <a:rPr lang="en-US" baseline="-25000" dirty="0"/>
+              <a:t>s </a:t>
+            </a:r>
+            <a:r>
+              <a:rPr lang="en-US" dirty="0" smtClean="0"/>
+              <a:t>: V x V : </a:t>
+            </a:r>
+          </a:p>
+          <a:p>
+            <a:pPr lvl="2"/>
+            <a:r>
+              <a:rPr lang="en-US" dirty="0"/>
+              <a:t> </a:t>
+            </a:r>
+            <a:r>
+              <a:rPr lang="en-US" dirty="0" smtClean="0"/>
+              <a:t>Ha v1 != v2: v1 </a:t>
+            </a:r>
+            <a:r>
+              <a:rPr lang="en-US" dirty="0" err="1" smtClean="0"/>
+              <a:t>változó</a:t>
+            </a:r>
+            <a:r>
+              <a:rPr lang="en-US" dirty="0" smtClean="0"/>
+              <a:t> </a:t>
+            </a:r>
+            <a:r>
+              <a:rPr lang="en-US" dirty="0" err="1" smtClean="0"/>
+              <a:t>használva</a:t>
+            </a:r>
+            <a:r>
+              <a:rPr lang="en-US" dirty="0" smtClean="0"/>
+              <a:t> van v2 </a:t>
+            </a:r>
+            <a:r>
+              <a:rPr lang="en-US" dirty="0" err="1" smtClean="0"/>
+              <a:t>változó</a:t>
+            </a:r>
+            <a:r>
+              <a:rPr lang="en-US" dirty="0" smtClean="0"/>
+              <a:t> </a:t>
+            </a:r>
+            <a:r>
+              <a:rPr lang="en-US" dirty="0" err="1" smtClean="0"/>
+              <a:t>értékéhez</a:t>
+            </a:r>
+            <a:r>
+              <a:rPr lang="en-US" dirty="0" smtClean="0"/>
+              <a:t> </a:t>
+            </a:r>
+            <a:r>
+              <a:rPr lang="en-US" dirty="0" err="1" smtClean="0"/>
+              <a:t>Sben</a:t>
+            </a:r>
+            <a:endParaRPr lang="en-US" dirty="0" smtClean="0"/>
+          </a:p>
+          <a:p>
+            <a:pPr lvl="2"/>
+            <a:r>
+              <a:rPr lang="en-US" dirty="0" err="1" smtClean="0"/>
+              <a:t>Különben</a:t>
+            </a:r>
+            <a:r>
+              <a:rPr lang="en-US" dirty="0" smtClean="0"/>
+              <a:t> S </a:t>
+            </a:r>
+            <a:r>
+              <a:rPr lang="en-US" dirty="0" err="1" smtClean="0"/>
+              <a:t>megtartja</a:t>
+            </a:r>
+            <a:r>
+              <a:rPr lang="en-US" dirty="0" smtClean="0"/>
+              <a:t> v1 = v2 -t.</a:t>
+            </a:r>
+          </a:p>
+          <a:p>
+            <a:r>
+              <a:rPr lang="en-US" dirty="0" err="1" smtClean="0"/>
+              <a:t>Ezek</a:t>
+            </a:r>
+            <a:r>
+              <a:rPr lang="en-US" dirty="0" smtClean="0"/>
+              <a:t> </a:t>
+            </a:r>
+            <a:r>
+              <a:rPr lang="en-US" dirty="0" err="1" smtClean="0"/>
+              <a:t>különbözőek</a:t>
+            </a:r>
+            <a:r>
+              <a:rPr lang="en-US" dirty="0" smtClean="0"/>
+              <a:t> </a:t>
+            </a:r>
+            <a:r>
+              <a:rPr lang="en-US" dirty="0" err="1" smtClean="0"/>
+              <a:t>az</a:t>
+            </a:r>
+            <a:r>
+              <a:rPr lang="en-US" dirty="0" smtClean="0"/>
+              <a:t> 5 </a:t>
+            </a:r>
+            <a:r>
+              <a:rPr lang="en-US" dirty="0" err="1" smtClean="0"/>
+              <a:t>utasítástípusra</a:t>
+            </a:r>
+            <a:endParaRPr lang="en-US" dirty="0" smtClean="0"/>
+          </a:p>
+          <a:p>
+            <a:endParaRPr lang="en-US" dirty="0"/>
+          </a:p>
+        </p:txBody>
+      </p:sp>
+    </p:spTree>
+    <p:extLst>
+      <p:ext uri="{BB962C8B-B14F-4D97-AF65-F5344CB8AC3E}">
+        <p14:creationId xmlns:p14="http://schemas.microsoft.com/office/powerpoint/2010/main" val="2099842580"/>
+      </p:ext>
+    </p:extLst>
+  </p:cSld>
+  <p:clrMapOvr>
+    <a:masterClrMapping/>
+  </p:clrMapOvr>
+</p:sld>
+</file>
+
+<file path=ppt/slides/slide15.xml><?xml version="1.0" encoding="utf-8"?>
+<p:sld xmlns:a="http://schemas.openxmlformats.org/drawingml/2006/main" xmlns:r="http://schemas.openxmlformats.org/officeDocument/2006/relationships" xmlns:p="http://schemas.openxmlformats.org/presentationml/2006/main">
+  <p:cSld>
+    <p:spTree>
+      <p:nvGrpSpPr>
+        <p:cNvPr id="1" name=""/>
+        <p:cNvGrpSpPr/>
+        <p:nvPr/>
+      </p:nvGrpSpPr>
+      <p:grpSpPr>
+        <a:xfrm>
+          <a:off x="0" y="0"/>
+          <a:ext cx="0" cy="0"/>
+          <a:chOff x="0" y="0"/>
+          <a:chExt cx="0" cy="0"/>
+        </a:xfrm>
+      </p:grpSpPr>
+      <p:pic>
+        <p:nvPicPr>
+          <p:cNvPr id="4" name="Kép 3"/>
+          <p:cNvPicPr>
+            <a:picLocks noChangeAspect="1"/>
+          </p:cNvPicPr>
+          <p:nvPr/>
+        </p:nvPicPr>
+        <p:blipFill>
+          <a:blip r:embed="rId2">
+            <a:extLst>
+              <a:ext uri="{28A0092B-C50C-407E-A947-70E740481C1C}">
+                <a14:useLocalDpi xmlns:a14="http://schemas.microsoft.com/office/drawing/2010/main" val="0"/>
+              </a:ext>
+            </a:extLst>
+          </a:blip>
+          <a:stretch>
+            <a:fillRect/>
+          </a:stretch>
+        </p:blipFill>
+        <p:spPr>
+          <a:xfrm>
+            <a:off x="539903" y="621838"/>
+            <a:ext cx="4563112" cy="5391902"/>
+          </a:xfrm>
+          <a:prstGeom prst="rect">
+            <a:avLst/>
+          </a:prstGeom>
+        </p:spPr>
+      </p:pic>
+      <p:pic>
+        <p:nvPicPr>
+          <p:cNvPr id="5" name="Kép 4"/>
+          <p:cNvPicPr>
+            <a:picLocks noChangeAspect="1"/>
+          </p:cNvPicPr>
+          <p:nvPr/>
+        </p:nvPicPr>
+        <p:blipFill>
+          <a:blip r:embed="rId3">
+            <a:extLst>
+              <a:ext uri="{28A0092B-C50C-407E-A947-70E740481C1C}">
+                <a14:useLocalDpi xmlns:a14="http://schemas.microsoft.com/office/drawing/2010/main" val="0"/>
+              </a:ext>
+            </a:extLst>
+          </a:blip>
+          <a:stretch>
+            <a:fillRect/>
+          </a:stretch>
+        </p:blipFill>
+        <p:spPr>
+          <a:xfrm>
+            <a:off x="5272540" y="621838"/>
+            <a:ext cx="4563112" cy="5391902"/>
+          </a:xfrm>
+          <a:prstGeom prst="rect">
+            <a:avLst/>
+          </a:prstGeom>
+        </p:spPr>
+      </p:pic>
+    </p:spTree>
+    <p:extLst>
+      <p:ext uri="{BB962C8B-B14F-4D97-AF65-F5344CB8AC3E}">
+        <p14:creationId xmlns:p14="http://schemas.microsoft.com/office/powerpoint/2010/main" val="3930741489"/>
+      </p:ext>
+    </p:extLst>
+  </p:cSld>
+  <p:clrMapOvr>
+    <a:masterClrMapping/>
+  </p:clrMapOvr>
+</p:sld>
+</file>
+
+<file path=ppt/slides/slide16.xml><?xml version="1.0" encoding="utf-8"?>
+<p:sld xmlns:a="http://schemas.openxmlformats.org/drawingml/2006/main" xmlns:r="http://schemas.openxmlformats.org/officeDocument/2006/relationships" xmlns:p="http://schemas.openxmlformats.org/presentationml/2006/main">
+  <p:cSld>
+    <p:spTree>
+      <p:nvGrpSpPr>
+        <p:cNvPr id="1" name=""/>
+        <p:cNvGrpSpPr/>
+        <p:nvPr/>
+      </p:nvGrpSpPr>
+      <p:grpSpPr>
+        <a:xfrm>
+          <a:off x="0" y="0"/>
+          <a:ext cx="0" cy="0"/>
+          <a:chOff x="0" y="0"/>
+          <a:chExt cx="0" cy="0"/>
+        </a:xfrm>
+      </p:grpSpPr>
+      <p:sp>
+        <p:nvSpPr>
+          <p:cNvPr id="3" name="Tartalom helye 2"/>
+          <p:cNvSpPr>
+            <a:spLocks noGrp="1"/>
+          </p:cNvSpPr>
+          <p:nvPr>
+            <p:ph idx="1"/>
+          </p:nvPr>
+        </p:nvSpPr>
+        <p:spPr>
+          <a:xfrm>
+            <a:off x="556054" y="420130"/>
+            <a:ext cx="9493799" cy="5667631"/>
+          </a:xfrm>
+        </p:spPr>
+        <p:txBody>
+          <a:bodyPr/>
+          <a:lstStyle/>
+          <a:p>
+            <a:r>
+              <a:rPr lang="en-US" dirty="0" err="1" smtClean="0"/>
+              <a:t>Az</a:t>
+            </a:r>
+            <a:r>
+              <a:rPr lang="en-US" dirty="0" smtClean="0"/>
+              <a:t> </a:t>
+            </a:r>
+            <a:r>
+              <a:rPr lang="en-US" dirty="0" err="1" smtClean="0"/>
+              <a:t>utasításokat</a:t>
+            </a:r>
+            <a:r>
+              <a:rPr lang="en-US" dirty="0" smtClean="0"/>
+              <a:t> a </a:t>
+            </a:r>
+            <a:r>
+              <a:rPr lang="en-US" dirty="0" err="1" smtClean="0"/>
+              <a:t>relációkkal</a:t>
+            </a:r>
+            <a:r>
+              <a:rPr lang="en-US" dirty="0" smtClean="0"/>
+              <a:t> </a:t>
+            </a:r>
+            <a:r>
+              <a:rPr lang="en-US" dirty="0" err="1" smtClean="0"/>
+              <a:t>egy</a:t>
+            </a:r>
+            <a:r>
+              <a:rPr lang="en-US" dirty="0" smtClean="0"/>
+              <a:t> </a:t>
+            </a:r>
+            <a:r>
+              <a:rPr lang="en-US" dirty="0" err="1" smtClean="0"/>
+              <a:t>struktúrába</a:t>
+            </a:r>
+            <a:r>
+              <a:rPr lang="en-US" dirty="0" smtClean="0"/>
+              <a:t> </a:t>
+            </a:r>
+            <a:r>
+              <a:rPr lang="en-US" dirty="0" err="1" smtClean="0"/>
+              <a:t>helyezi</a:t>
+            </a:r>
+            <a:endParaRPr lang="en-US" dirty="0" smtClean="0"/>
+          </a:p>
+          <a:p>
+            <a:r>
+              <a:rPr lang="en-US" dirty="0" err="1" smtClean="0"/>
+              <a:t>Így</a:t>
+            </a:r>
+            <a:r>
+              <a:rPr lang="en-US" dirty="0" smtClean="0"/>
+              <a:t> </a:t>
+            </a:r>
+            <a:r>
+              <a:rPr lang="en-US" dirty="0" err="1" smtClean="0"/>
+              <a:t>egy</a:t>
+            </a:r>
+            <a:r>
+              <a:rPr lang="en-US" dirty="0" smtClean="0"/>
+              <a:t> </a:t>
+            </a:r>
+            <a:r>
+              <a:rPr lang="en-US" dirty="0" err="1" smtClean="0"/>
+              <a:t>függvényről</a:t>
+            </a:r>
+            <a:r>
+              <a:rPr lang="en-US" dirty="0" smtClean="0"/>
+              <a:t> </a:t>
+            </a:r>
+            <a:r>
+              <a:rPr lang="en-US" dirty="0" err="1" smtClean="0"/>
+              <a:t>lehet</a:t>
+            </a:r>
+            <a:r>
+              <a:rPr lang="en-US" dirty="0" smtClean="0"/>
+              <a:t> </a:t>
+            </a:r>
+            <a:r>
+              <a:rPr lang="en-US" dirty="0" err="1" smtClean="0"/>
+              <a:t>beszélni</a:t>
+            </a:r>
+            <a:r>
+              <a:rPr lang="en-US" dirty="0"/>
+              <a:t> </a:t>
+            </a:r>
+            <a:r>
+              <a:rPr lang="en-US" dirty="0" err="1" smtClean="0"/>
+              <a:t>úgy</a:t>
+            </a:r>
+            <a:r>
+              <a:rPr lang="en-US" dirty="0" smtClean="0"/>
+              <a:t>, mint </a:t>
+            </a:r>
+            <a:r>
+              <a:rPr lang="en-US" dirty="0" err="1" smtClean="0"/>
+              <a:t>egy</a:t>
+            </a:r>
+            <a:r>
+              <a:rPr lang="en-US" dirty="0" smtClean="0"/>
+              <a:t> </a:t>
+            </a:r>
+            <a:r>
+              <a:rPr lang="en-US" dirty="0" err="1" smtClean="0"/>
+              <a:t>szekvencia</a:t>
+            </a:r>
+            <a:r>
+              <a:rPr lang="en-US" dirty="0" smtClean="0"/>
+              <a:t> </a:t>
+            </a:r>
+            <a:r>
+              <a:rPr lang="en-US" dirty="0" err="1" smtClean="0"/>
+              <a:t>utasításról</a:t>
+            </a:r>
+            <a:endParaRPr lang="en-US" dirty="0"/>
+          </a:p>
+          <a:p>
+            <a:r>
+              <a:rPr lang="en-US" dirty="0" smtClean="0"/>
+              <a:t>A slice-</a:t>
+            </a:r>
+            <a:r>
+              <a:rPr lang="en-US" dirty="0" err="1" smtClean="0"/>
+              <a:t>ot</a:t>
+            </a:r>
+            <a:r>
+              <a:rPr lang="en-US" dirty="0" smtClean="0"/>
+              <a:t> </a:t>
+            </a:r>
+            <a:r>
+              <a:rPr lang="en-US" dirty="0" err="1" smtClean="0"/>
+              <a:t>ennek</a:t>
+            </a:r>
+            <a:r>
+              <a:rPr lang="en-US" dirty="0" smtClean="0"/>
+              <a:t> </a:t>
+            </a:r>
+            <a:r>
+              <a:rPr lang="en-US" dirty="0" err="1" smtClean="0"/>
+              <a:t>egy</a:t>
+            </a:r>
+            <a:r>
+              <a:rPr lang="en-US" dirty="0" smtClean="0"/>
+              <a:t> </a:t>
+            </a:r>
+            <a:r>
+              <a:rPr lang="en-US" dirty="0" err="1" smtClean="0"/>
+              <a:t>rész-utasításaként</a:t>
+            </a:r>
+            <a:r>
+              <a:rPr lang="en-US" dirty="0" smtClean="0"/>
+              <a:t> </a:t>
+            </a:r>
+            <a:r>
+              <a:rPr lang="en-US" dirty="0" err="1" smtClean="0"/>
+              <a:t>definiálja</a:t>
+            </a:r>
+            <a:r>
+              <a:rPr lang="en-US" dirty="0" smtClean="0"/>
+              <a:t>:</a:t>
+            </a:r>
+          </a:p>
+        </p:txBody>
+      </p:sp>
+      <p:pic>
+        <p:nvPicPr>
+          <p:cNvPr id="4" name="Kép 3"/>
+          <p:cNvPicPr>
+            <a:picLocks noChangeAspect="1"/>
+          </p:cNvPicPr>
+          <p:nvPr/>
+        </p:nvPicPr>
+        <p:blipFill>
+          <a:blip r:embed="rId2">
+            <a:extLst>
+              <a:ext uri="{28A0092B-C50C-407E-A947-70E740481C1C}">
+                <a14:useLocalDpi xmlns:a14="http://schemas.microsoft.com/office/drawing/2010/main" val="0"/>
+              </a:ext>
+            </a:extLst>
+          </a:blip>
+          <a:stretch>
+            <a:fillRect/>
+          </a:stretch>
+        </p:blipFill>
+        <p:spPr>
+          <a:xfrm>
+            <a:off x="3357161" y="1766985"/>
+            <a:ext cx="3519500" cy="778508"/>
+          </a:xfrm>
+          <a:prstGeom prst="rect">
+            <a:avLst/>
+          </a:prstGeom>
+        </p:spPr>
+      </p:pic>
+    </p:spTree>
+    <p:extLst>
+      <p:ext uri="{BB962C8B-B14F-4D97-AF65-F5344CB8AC3E}">
+        <p14:creationId xmlns:p14="http://schemas.microsoft.com/office/powerpoint/2010/main" val="1766033092"/>
+      </p:ext>
+    </p:extLst>
+  </p:cSld>
+  <p:clrMapOvr>
+    <a:masterClrMapping/>
+  </p:clrMapOvr>
+</p:sld>
+</file>
+
+<file path=ppt/slides/slide17.xml><?xml version="1.0" encoding="utf-8"?>
+<p:sld xmlns:a="http://schemas.openxmlformats.org/drawingml/2006/main" xmlns:r="http://schemas.openxmlformats.org/officeDocument/2006/relationships" xmlns:p="http://schemas.openxmlformats.org/presentationml/2006/main">
+  <p:cSld>
+    <p:spTree>
+      <p:nvGrpSpPr>
+        <p:cNvPr id="1" name=""/>
+        <p:cNvGrpSpPr/>
+        <p:nvPr/>
+      </p:nvGrpSpPr>
+      <p:grpSpPr>
+        <a:xfrm>
+          <a:off x="0" y="0"/>
+          <a:ext cx="0" cy="0"/>
+          <a:chOff x="0" y="0"/>
+          <a:chExt cx="0" cy="0"/>
+        </a:xfrm>
+      </p:grpSpPr>
+      <p:sp>
+        <p:nvSpPr>
+          <p:cNvPr id="2" name="Cím 1"/>
+          <p:cNvSpPr>
+            <a:spLocks noGrp="1"/>
+          </p:cNvSpPr>
+          <p:nvPr>
+            <p:ph type="title"/>
+          </p:nvPr>
+        </p:nvSpPr>
+        <p:spPr>
+          <a:xfrm>
+            <a:off x="704335" y="452718"/>
+            <a:ext cx="9346499" cy="807671"/>
+          </a:xfrm>
+        </p:spPr>
+        <p:txBody>
+          <a:bodyPr/>
+          <a:lstStyle/>
+          <a:p>
+            <a:r>
+              <a:rPr lang="en-US" dirty="0" err="1" smtClean="0"/>
+              <a:t>Hatékonyság</a:t>
+            </a:r>
+            <a:endParaRPr lang="en-US" dirty="0"/>
+          </a:p>
+        </p:txBody>
+      </p:sp>
+      <p:sp>
+        <p:nvSpPr>
+          <p:cNvPr id="3" name="Tartalom helye 2"/>
+          <p:cNvSpPr>
+            <a:spLocks noGrp="1"/>
+          </p:cNvSpPr>
+          <p:nvPr>
+            <p:ph idx="1"/>
+          </p:nvPr>
+        </p:nvSpPr>
+        <p:spPr>
+          <a:xfrm>
+            <a:off x="790832" y="1482812"/>
+            <a:ext cx="9259021" cy="4765588"/>
+          </a:xfrm>
+        </p:spPr>
+        <p:txBody>
+          <a:bodyPr/>
+          <a:lstStyle/>
+          <a:p>
+            <a:r>
+              <a:rPr lang="en-US" dirty="0" err="1" smtClean="0"/>
+              <a:t>Az</a:t>
+            </a:r>
+            <a:r>
+              <a:rPr lang="en-US" dirty="0" smtClean="0"/>
+              <a:t> </a:t>
+            </a:r>
+            <a:r>
+              <a:rPr lang="en-US" dirty="0" err="1" smtClean="0"/>
+              <a:t>algoritmus</a:t>
+            </a:r>
+            <a:r>
+              <a:rPr lang="en-US" dirty="0" smtClean="0"/>
+              <a:t> a </a:t>
+            </a:r>
+            <a:r>
+              <a:rPr lang="en-US" dirty="0" err="1" smtClean="0"/>
+              <a:t>relációkból</a:t>
+            </a:r>
+            <a:r>
+              <a:rPr lang="en-US" dirty="0" smtClean="0"/>
+              <a:t> </a:t>
+            </a:r>
+            <a:r>
+              <a:rPr lang="en-US" dirty="0" err="1" smtClean="0"/>
+              <a:t>épül</a:t>
+            </a:r>
+            <a:r>
+              <a:rPr lang="en-US" dirty="0" smtClean="0"/>
+              <a:t> </a:t>
+            </a:r>
+            <a:r>
+              <a:rPr lang="en-US" dirty="0" err="1" smtClean="0"/>
+              <a:t>fel</a:t>
+            </a:r>
+            <a:endParaRPr lang="en-US" dirty="0" smtClean="0"/>
+          </a:p>
+          <a:p>
+            <a:r>
+              <a:rPr lang="en-US" dirty="0" err="1" smtClean="0"/>
+              <a:t>Utasításonként</a:t>
+            </a:r>
+            <a:r>
+              <a:rPr lang="en-US" dirty="0" smtClean="0"/>
+              <a:t> </a:t>
+            </a:r>
+            <a:r>
+              <a:rPr lang="el-GR" dirty="0" smtClean="0"/>
+              <a:t>ρ</a:t>
+            </a:r>
+            <a:r>
+              <a:rPr lang="en-US" baseline="-25000" dirty="0"/>
+              <a:t>s </a:t>
+            </a:r>
+            <a:r>
+              <a:rPr lang="en-US" dirty="0" smtClean="0"/>
+              <a:t>–re </a:t>
+            </a:r>
+            <a:r>
+              <a:rPr lang="en-US" dirty="0" err="1" smtClean="0"/>
+              <a:t>legrosszabb</a:t>
+            </a:r>
+            <a:r>
+              <a:rPr lang="en-US" dirty="0" smtClean="0"/>
+              <a:t> </a:t>
+            </a:r>
+            <a:r>
+              <a:rPr lang="en-US" dirty="0" err="1" smtClean="0"/>
+              <a:t>esetben</a:t>
+            </a:r>
+            <a:r>
+              <a:rPr lang="en-US" dirty="0" smtClean="0"/>
+              <a:t> O(|V|</a:t>
+            </a:r>
+            <a:r>
+              <a:rPr lang="en-US" baseline="30000" dirty="0" smtClean="0"/>
+              <a:t>3</a:t>
+            </a:r>
+            <a:r>
+              <a:rPr lang="en-US" dirty="0" smtClean="0"/>
+              <a:t>)</a:t>
+            </a:r>
+          </a:p>
+          <a:p>
+            <a:r>
+              <a:rPr lang="en-US" dirty="0" err="1" smtClean="0"/>
+              <a:t>Így</a:t>
+            </a:r>
+            <a:r>
+              <a:rPr lang="en-US" dirty="0" smtClean="0"/>
+              <a:t> </a:t>
+            </a:r>
+            <a:r>
+              <a:rPr lang="en-US" dirty="0" err="1" smtClean="0"/>
+              <a:t>az</a:t>
+            </a:r>
+            <a:r>
+              <a:rPr lang="en-US" dirty="0" smtClean="0"/>
+              <a:t> </a:t>
+            </a:r>
+            <a:r>
+              <a:rPr lang="en-US" dirty="0" err="1" smtClean="0"/>
+              <a:t>egész</a:t>
+            </a:r>
+            <a:r>
+              <a:rPr lang="en-US" dirty="0" smtClean="0"/>
+              <a:t> </a:t>
+            </a:r>
+            <a:r>
+              <a:rPr lang="en-US" dirty="0" err="1" smtClean="0"/>
+              <a:t>programra</a:t>
+            </a:r>
+            <a:r>
+              <a:rPr lang="en-US" dirty="0" smtClean="0"/>
+              <a:t>: O(|E| x |V|</a:t>
+            </a:r>
+            <a:r>
+              <a:rPr lang="en-US" baseline="30000" dirty="0"/>
+              <a:t>3</a:t>
+            </a:r>
+            <a:r>
+              <a:rPr lang="en-US" dirty="0" smtClean="0"/>
+              <a:t>)</a:t>
+            </a:r>
+          </a:p>
+          <a:p>
+            <a:r>
+              <a:rPr lang="en-US" dirty="0" smtClean="0"/>
+              <a:t>A </a:t>
+            </a:r>
+            <a:r>
+              <a:rPr lang="en-US" dirty="0" err="1" smtClean="0"/>
+              <a:t>másik</a:t>
+            </a:r>
+            <a:r>
+              <a:rPr lang="en-US" dirty="0" smtClean="0"/>
+              <a:t> </a:t>
+            </a:r>
+            <a:r>
+              <a:rPr lang="en-US" dirty="0" err="1" smtClean="0"/>
+              <a:t>két</a:t>
+            </a:r>
+            <a:r>
+              <a:rPr lang="en-US" dirty="0" smtClean="0"/>
+              <a:t> </a:t>
+            </a:r>
+            <a:r>
+              <a:rPr lang="en-US" dirty="0" err="1" smtClean="0"/>
+              <a:t>relációra</a:t>
+            </a:r>
+            <a:r>
+              <a:rPr lang="en-US" dirty="0" smtClean="0"/>
+              <a:t> </a:t>
+            </a:r>
+            <a:r>
+              <a:rPr lang="en-US" dirty="0" err="1" smtClean="0"/>
+              <a:t>utasításonként</a:t>
+            </a:r>
+            <a:r>
+              <a:rPr lang="en-US" dirty="0" smtClean="0"/>
+              <a:t> </a:t>
+            </a:r>
+            <a:r>
+              <a:rPr lang="en-US" dirty="0"/>
+              <a:t>O(|E| x |</a:t>
+            </a:r>
+            <a:r>
+              <a:rPr lang="en-US" dirty="0" smtClean="0"/>
+              <a:t>V|</a:t>
+            </a:r>
+            <a:r>
+              <a:rPr lang="en-US" baseline="30000" dirty="0" smtClean="0"/>
+              <a:t>2</a:t>
+            </a:r>
+            <a:r>
+              <a:rPr lang="en-US" dirty="0" smtClean="0"/>
+              <a:t>)</a:t>
+            </a:r>
+          </a:p>
+          <a:p>
+            <a:r>
+              <a:rPr lang="en-US" dirty="0" err="1" smtClean="0"/>
+              <a:t>Hátrányok</a:t>
+            </a:r>
+            <a:r>
+              <a:rPr lang="en-US" dirty="0" smtClean="0"/>
+              <a:t>:</a:t>
+            </a:r>
+          </a:p>
+          <a:p>
+            <a:pPr lvl="1"/>
+            <a:r>
+              <a:rPr lang="en-US" dirty="0" smtClean="0"/>
+              <a:t>Nagy </a:t>
+            </a:r>
+            <a:r>
+              <a:rPr lang="en-US" dirty="0" err="1" smtClean="0"/>
+              <a:t>számítási</a:t>
+            </a:r>
+            <a:r>
+              <a:rPr lang="en-US" dirty="0" smtClean="0"/>
+              <a:t> </a:t>
+            </a:r>
+            <a:r>
+              <a:rPr lang="en-US" dirty="0" err="1" smtClean="0"/>
+              <a:t>komplexitás</a:t>
+            </a:r>
+            <a:endParaRPr lang="en-US" dirty="0" smtClean="0"/>
+          </a:p>
+          <a:p>
+            <a:r>
+              <a:rPr lang="en-US" dirty="0" err="1" smtClean="0"/>
+              <a:t>Előnyök</a:t>
+            </a:r>
+            <a:r>
+              <a:rPr lang="en-US" dirty="0" smtClean="0"/>
+              <a:t>:</a:t>
+            </a:r>
+          </a:p>
+          <a:p>
+            <a:pPr lvl="1"/>
+            <a:r>
+              <a:rPr lang="en-US" dirty="0" smtClean="0"/>
+              <a:t>A </a:t>
+            </a:r>
+            <a:r>
+              <a:rPr lang="en-US" dirty="0" err="1" smtClean="0"/>
+              <a:t>relációk</a:t>
+            </a:r>
+            <a:r>
+              <a:rPr lang="en-US" dirty="0" smtClean="0"/>
+              <a:t> </a:t>
+            </a:r>
+            <a:r>
+              <a:rPr lang="en-US" dirty="0" err="1" smtClean="0"/>
+              <a:t>eredményei</a:t>
+            </a:r>
+            <a:r>
+              <a:rPr lang="en-US" dirty="0" smtClean="0"/>
+              <a:t> </a:t>
+            </a:r>
+            <a:r>
+              <a:rPr lang="en-US" dirty="0" err="1" smtClean="0"/>
+              <a:t>újrahasznosíthatóak</a:t>
+            </a:r>
+            <a:r>
+              <a:rPr lang="en-US" dirty="0" smtClean="0"/>
+              <a:t> </a:t>
+            </a:r>
+            <a:r>
+              <a:rPr lang="en-US" dirty="0" err="1" smtClean="0"/>
+              <a:t>más</a:t>
+            </a:r>
+            <a:r>
+              <a:rPr lang="en-US" dirty="0" smtClean="0"/>
+              <a:t> slicing </a:t>
+            </a:r>
+            <a:r>
+              <a:rPr lang="en-US" dirty="0" err="1" smtClean="0"/>
+              <a:t>kritériumra</a:t>
+            </a:r>
+            <a:endParaRPr lang="en-US" dirty="0"/>
+          </a:p>
+          <a:p>
+            <a:pPr lvl="1"/>
+            <a:r>
+              <a:rPr lang="en-US" dirty="0" smtClean="0"/>
+              <a:t>A </a:t>
+            </a:r>
+            <a:r>
+              <a:rPr lang="en-US" dirty="0" err="1" smtClean="0"/>
+              <a:t>komplexitás</a:t>
+            </a:r>
+            <a:r>
+              <a:rPr lang="en-US" dirty="0" smtClean="0"/>
+              <a:t> real-life </a:t>
+            </a:r>
+            <a:r>
+              <a:rPr lang="en-US" dirty="0" err="1" smtClean="0"/>
+              <a:t>szituációkban</a:t>
+            </a:r>
+            <a:r>
+              <a:rPr lang="en-US" dirty="0" smtClean="0"/>
+              <a:t> </a:t>
+            </a:r>
+            <a:r>
+              <a:rPr lang="en-US" dirty="0" err="1" smtClean="0"/>
+              <a:t>nem</a:t>
+            </a:r>
+            <a:r>
+              <a:rPr lang="en-US" dirty="0" smtClean="0"/>
+              <a:t> </a:t>
+            </a:r>
+            <a:r>
+              <a:rPr lang="en-US" dirty="0" err="1" smtClean="0"/>
+              <a:t>jelent</a:t>
+            </a:r>
+            <a:r>
+              <a:rPr lang="en-US" dirty="0" smtClean="0"/>
+              <a:t> </a:t>
+            </a:r>
+            <a:r>
+              <a:rPr lang="en-US" dirty="0" err="1" smtClean="0"/>
+              <a:t>jelentős</a:t>
+            </a:r>
+            <a:r>
+              <a:rPr lang="en-US" dirty="0" smtClean="0"/>
+              <a:t> </a:t>
+            </a:r>
+            <a:r>
+              <a:rPr lang="en-US" dirty="0" err="1" smtClean="0"/>
+              <a:t>lassulást</a:t>
+            </a:r>
+            <a:endParaRPr lang="en-US" dirty="0"/>
+          </a:p>
+          <a:p>
+            <a:endParaRPr lang="en-US" dirty="0"/>
+          </a:p>
+        </p:txBody>
+      </p:sp>
+    </p:spTree>
+    <p:extLst>
+      <p:ext uri="{BB962C8B-B14F-4D97-AF65-F5344CB8AC3E}">
+        <p14:creationId xmlns:p14="http://schemas.microsoft.com/office/powerpoint/2010/main" val="541129792"/>
+      </p:ext>
+    </p:extLst>
+  </p:cSld>
+  <p:clrMapOvr>
+    <a:masterClrMapping/>
+  </p:clrMapOvr>
+</p:sld>
+</file>
+
+<file path=ppt/slides/slide18.xml><?xml version="1.0" encoding="utf-8"?>
+<p:sld xmlns:a="http://schemas.openxmlformats.org/drawingml/2006/main" xmlns:r="http://schemas.openxmlformats.org/officeDocument/2006/relationships" xmlns:p="http://schemas.openxmlformats.org/presentationml/2006/main">
+  <p:cSld>
+    <p:spTree>
+      <p:nvGrpSpPr>
+        <p:cNvPr id="1" name=""/>
+        <p:cNvGrpSpPr/>
+        <p:nvPr/>
+      </p:nvGrpSpPr>
+      <p:grpSpPr>
+        <a:xfrm>
+          <a:off x="0" y="0"/>
+          <a:ext cx="0" cy="0"/>
+          <a:chOff x="0" y="0"/>
+          <a:chExt cx="0" cy="0"/>
+        </a:xfrm>
+      </p:grpSpPr>
+      <p:sp>
+        <p:nvSpPr>
+          <p:cNvPr id="2" name="Cím 1"/>
+          <p:cNvSpPr>
+            <a:spLocks noGrp="1"/>
+          </p:cNvSpPr>
+          <p:nvPr>
+            <p:ph type="title"/>
+          </p:nvPr>
+        </p:nvSpPr>
+        <p:spPr/>
+        <p:txBody>
+          <a:bodyPr/>
+          <a:lstStyle/>
+          <a:p>
+            <a:r>
+              <a:rPr lang="en-US" dirty="0" err="1" smtClean="0"/>
+              <a:t>Függőségi</a:t>
+            </a:r>
+            <a:r>
+              <a:rPr lang="en-US" dirty="0" smtClean="0"/>
+              <a:t> </a:t>
+            </a:r>
+            <a:r>
+              <a:rPr lang="en-US" dirty="0" err="1" smtClean="0"/>
+              <a:t>gráf</a:t>
+            </a:r>
+            <a:r>
+              <a:rPr lang="en-US" dirty="0" smtClean="0"/>
+              <a:t> </a:t>
+            </a:r>
+            <a:r>
+              <a:rPr lang="en-US" dirty="0" err="1" smtClean="0"/>
+              <a:t>alapú</a:t>
+            </a:r>
+            <a:r>
+              <a:rPr lang="en-US" dirty="0" smtClean="0"/>
+              <a:t> slicing</a:t>
+            </a:r>
+            <a:endParaRPr lang="en-US" dirty="0"/>
+          </a:p>
+        </p:txBody>
+      </p:sp>
+      <p:sp>
+        <p:nvSpPr>
+          <p:cNvPr id="3" name="Tartalom helye 2"/>
+          <p:cNvSpPr>
+            <a:spLocks noGrp="1"/>
+          </p:cNvSpPr>
+          <p:nvPr>
+            <p:ph idx="1"/>
+          </p:nvPr>
+        </p:nvSpPr>
+        <p:spPr/>
+        <p:txBody>
+          <a:bodyPr/>
+          <a:lstStyle/>
+          <a:p>
+            <a:r>
+              <a:rPr lang="en-US" dirty="0" err="1" smtClean="0"/>
+              <a:t>Ottenstein</a:t>
+            </a:r>
+            <a:r>
+              <a:rPr lang="en-US" dirty="0" smtClean="0"/>
+              <a:t> </a:t>
+            </a:r>
+            <a:r>
+              <a:rPr lang="en-US" dirty="0" err="1" smtClean="0"/>
+              <a:t>és</a:t>
+            </a:r>
+            <a:r>
+              <a:rPr lang="en-US" dirty="0" smtClean="0"/>
+              <a:t> </a:t>
+            </a:r>
+            <a:r>
+              <a:rPr lang="en-US" dirty="0" err="1" smtClean="0"/>
+              <a:t>Ottenstein</a:t>
+            </a:r>
+            <a:r>
+              <a:rPr lang="en-US" dirty="0"/>
+              <a:t> </a:t>
+            </a:r>
+            <a:r>
+              <a:rPr lang="en-US" dirty="0" err="1" smtClean="0"/>
+              <a:t>találmánya</a:t>
+            </a:r>
+            <a:r>
+              <a:rPr lang="en-US" dirty="0" smtClean="0"/>
+              <a:t>, </a:t>
+            </a:r>
+            <a:r>
+              <a:rPr lang="en-US" dirty="0" err="1" smtClean="0"/>
+              <a:t>amit</a:t>
+            </a:r>
+            <a:r>
+              <a:rPr lang="en-US" dirty="0" smtClean="0"/>
+              <a:t> Susan </a:t>
+            </a:r>
+            <a:r>
+              <a:rPr lang="en-US" dirty="0" err="1" smtClean="0"/>
+              <a:t>Horwitz</a:t>
+            </a:r>
+            <a:r>
+              <a:rPr lang="en-US" dirty="0" smtClean="0"/>
+              <a:t> </a:t>
+            </a:r>
+            <a:r>
+              <a:rPr lang="en-US" dirty="0" err="1" smtClean="0"/>
+              <a:t>fejlesztett</a:t>
+            </a:r>
+            <a:r>
+              <a:rPr lang="en-US" dirty="0" smtClean="0"/>
+              <a:t> </a:t>
+            </a:r>
+            <a:r>
+              <a:rPr lang="en-US" dirty="0" err="1" smtClean="0"/>
+              <a:t>tovább</a:t>
+            </a:r>
+            <a:endParaRPr lang="en-US" dirty="0" smtClean="0"/>
+          </a:p>
+          <a:p>
+            <a:r>
+              <a:rPr lang="en-US" dirty="0" err="1" smtClean="0"/>
+              <a:t>Egy</a:t>
+            </a:r>
+            <a:r>
+              <a:rPr lang="en-US" dirty="0" smtClean="0"/>
+              <a:t>, Program Dependence Graph </a:t>
+            </a:r>
+            <a:r>
+              <a:rPr lang="en-US" dirty="0" err="1" smtClean="0"/>
+              <a:t>nevű</a:t>
+            </a:r>
+            <a:r>
+              <a:rPr lang="en-US" dirty="0" smtClean="0"/>
+              <a:t> </a:t>
+            </a:r>
+            <a:r>
+              <a:rPr lang="en-US" dirty="0" err="1" smtClean="0"/>
+              <a:t>struktúrát</a:t>
+            </a:r>
+            <a:r>
+              <a:rPr lang="en-US" dirty="0" smtClean="0"/>
+              <a:t> </a:t>
+            </a:r>
+            <a:r>
+              <a:rPr lang="en-US" dirty="0" err="1" smtClean="0"/>
+              <a:t>használ</a:t>
+            </a:r>
+            <a:endParaRPr lang="en-US" dirty="0" smtClean="0"/>
+          </a:p>
+          <a:p>
+            <a:r>
+              <a:rPr lang="en-US" dirty="0" smtClean="0"/>
+              <a:t>A PDG </a:t>
+            </a:r>
+            <a:r>
+              <a:rPr lang="en-US" dirty="0" err="1" smtClean="0"/>
+              <a:t>része</a:t>
+            </a:r>
+            <a:r>
+              <a:rPr lang="en-US" dirty="0" smtClean="0"/>
+              <a:t> </a:t>
+            </a:r>
+            <a:r>
+              <a:rPr lang="en-US" dirty="0" err="1" smtClean="0"/>
+              <a:t>az</a:t>
+            </a:r>
+            <a:r>
+              <a:rPr lang="en-US" dirty="0" smtClean="0"/>
+              <a:t> </a:t>
+            </a:r>
+            <a:r>
+              <a:rPr lang="en-US" dirty="0" err="1" smtClean="0"/>
+              <a:t>adatfüggőségi</a:t>
+            </a:r>
+            <a:r>
+              <a:rPr lang="en-US" dirty="0" smtClean="0"/>
+              <a:t> </a:t>
+            </a:r>
+            <a:r>
+              <a:rPr lang="en-US" dirty="0" err="1" smtClean="0"/>
+              <a:t>és</a:t>
+            </a:r>
+            <a:r>
+              <a:rPr lang="en-US" dirty="0" smtClean="0"/>
+              <a:t> </a:t>
+            </a:r>
+            <a:r>
+              <a:rPr lang="en-US" dirty="0" err="1" smtClean="0"/>
+              <a:t>kontroll</a:t>
+            </a:r>
+            <a:r>
+              <a:rPr lang="en-US" dirty="0" smtClean="0"/>
+              <a:t> </a:t>
+            </a:r>
+            <a:r>
+              <a:rPr lang="en-US" dirty="0" err="1" smtClean="0"/>
+              <a:t>függőségi</a:t>
+            </a:r>
+            <a:r>
+              <a:rPr lang="en-US" dirty="0" smtClean="0"/>
+              <a:t> </a:t>
+            </a:r>
+            <a:r>
+              <a:rPr lang="en-US" dirty="0" err="1" smtClean="0"/>
+              <a:t>részgráf</a:t>
+            </a:r>
+            <a:endParaRPr lang="en-US" dirty="0" smtClean="0"/>
+          </a:p>
+          <a:p>
+            <a:r>
+              <a:rPr lang="en-US" dirty="0" smtClean="0"/>
+              <a:t>A slice-</a:t>
+            </a:r>
+            <a:r>
+              <a:rPr lang="en-US" dirty="0" err="1" smtClean="0"/>
+              <a:t>ot</a:t>
+            </a:r>
+            <a:r>
+              <a:rPr lang="en-US" dirty="0" smtClean="0"/>
+              <a:t> </a:t>
+            </a:r>
+            <a:r>
+              <a:rPr lang="en-US" dirty="0" err="1" smtClean="0"/>
+              <a:t>egy</a:t>
+            </a:r>
+            <a:r>
+              <a:rPr lang="en-US" dirty="0" smtClean="0"/>
+              <a:t>, a PDG-n </a:t>
+            </a:r>
+            <a:r>
+              <a:rPr lang="en-US" dirty="0" err="1" smtClean="0"/>
+              <a:t>értelmezett</a:t>
+            </a:r>
+            <a:r>
+              <a:rPr lang="en-US" dirty="0" smtClean="0"/>
+              <a:t> </a:t>
+            </a:r>
+            <a:r>
+              <a:rPr lang="en-US" dirty="0" err="1" smtClean="0"/>
+              <a:t>elérhetőségi</a:t>
+            </a:r>
+            <a:r>
+              <a:rPr lang="en-US" dirty="0" smtClean="0"/>
+              <a:t> </a:t>
+            </a:r>
+            <a:r>
+              <a:rPr lang="en-US" dirty="0" err="1" smtClean="0"/>
+              <a:t>problémaként</a:t>
+            </a:r>
+            <a:r>
+              <a:rPr lang="en-US" dirty="0" smtClean="0"/>
+              <a:t> </a:t>
+            </a:r>
+            <a:r>
+              <a:rPr lang="en-US" dirty="0" err="1" smtClean="0"/>
+              <a:t>fogalmazza</a:t>
+            </a:r>
+            <a:r>
+              <a:rPr lang="en-US" dirty="0" smtClean="0"/>
+              <a:t> meg.</a:t>
+            </a:r>
+            <a:endParaRPr lang="en-US" dirty="0"/>
+          </a:p>
+        </p:txBody>
+      </p:sp>
+    </p:spTree>
+    <p:extLst>
+      <p:ext uri="{BB962C8B-B14F-4D97-AF65-F5344CB8AC3E}">
+        <p14:creationId xmlns:p14="http://schemas.microsoft.com/office/powerpoint/2010/main" val="2035189000"/>
+      </p:ext>
+    </p:extLst>
+  </p:cSld>
+  <p:clrMapOvr>
+    <a:masterClrMapping/>
+  </p:clrMapOvr>
+</p:sld>
+</file>
+
+<file path=ppt/slides/slide19.xml><?xml version="1.0" encoding="utf-8"?>
+<p:sld xmlns:a="http://schemas.openxmlformats.org/drawingml/2006/main" xmlns:r="http://schemas.openxmlformats.org/officeDocument/2006/relationships" xmlns:p="http://schemas.openxmlformats.org/presentationml/2006/main">
+  <p:cSld>
+    <p:spTree>
+      <p:nvGrpSpPr>
+        <p:cNvPr id="1" name=""/>
+        <p:cNvGrpSpPr/>
+        <p:nvPr/>
+      </p:nvGrpSpPr>
+      <p:grpSpPr>
+        <a:xfrm>
+          <a:off x="0" y="0"/>
+          <a:ext cx="0" cy="0"/>
+          <a:chOff x="0" y="0"/>
+          <a:chExt cx="0" cy="0"/>
+        </a:xfrm>
+      </p:grpSpPr>
+      <p:sp>
+        <p:nvSpPr>
+          <p:cNvPr id="3" name="Tartalom helye 2"/>
+          <p:cNvSpPr>
+            <a:spLocks noGrp="1"/>
+          </p:cNvSpPr>
+          <p:nvPr>
+            <p:ph idx="1"/>
+          </p:nvPr>
+        </p:nvSpPr>
+        <p:spPr>
+          <a:xfrm>
+            <a:off x="864974" y="160638"/>
+            <a:ext cx="9184880" cy="6087761"/>
+          </a:xfrm>
+        </p:spPr>
+        <p:txBody>
+          <a:bodyPr/>
+          <a:lstStyle/>
+          <a:p>
+            <a:r>
+              <a:rPr lang="en-US" dirty="0" err="1" smtClean="0"/>
+              <a:t>Az</a:t>
+            </a:r>
+            <a:r>
+              <a:rPr lang="en-US" dirty="0" smtClean="0"/>
+              <a:t> </a:t>
+            </a:r>
+            <a:r>
+              <a:rPr lang="en-US" dirty="0" err="1" smtClean="0"/>
+              <a:t>algoritmus</a:t>
+            </a:r>
+            <a:r>
+              <a:rPr lang="en-US" dirty="0" smtClean="0"/>
+              <a:t> </a:t>
+            </a:r>
+            <a:r>
+              <a:rPr lang="en-US" dirty="0" err="1" smtClean="0"/>
+              <a:t>két</a:t>
+            </a:r>
+            <a:r>
+              <a:rPr lang="en-US" dirty="0" smtClean="0"/>
+              <a:t> </a:t>
+            </a:r>
+            <a:r>
+              <a:rPr lang="en-US" dirty="0" err="1" smtClean="0"/>
+              <a:t>lépésből</a:t>
+            </a:r>
+            <a:r>
+              <a:rPr lang="en-US" dirty="0" smtClean="0"/>
+              <a:t> </a:t>
+            </a:r>
+            <a:r>
+              <a:rPr lang="en-US" dirty="0" err="1" smtClean="0"/>
+              <a:t>áll</a:t>
+            </a:r>
+            <a:r>
+              <a:rPr lang="en-US" dirty="0" smtClean="0"/>
+              <a:t>:</a:t>
+            </a:r>
+          </a:p>
+          <a:p>
+            <a:r>
+              <a:rPr lang="en-US" dirty="0" err="1" smtClean="0"/>
+              <a:t>Először</a:t>
+            </a:r>
+            <a:r>
+              <a:rPr lang="en-US" dirty="0" smtClean="0"/>
+              <a:t> a </a:t>
+            </a:r>
+            <a:r>
+              <a:rPr lang="en-US" dirty="0" err="1" smtClean="0"/>
+              <a:t>kontroll</a:t>
+            </a:r>
+            <a:r>
+              <a:rPr lang="en-US" dirty="0" smtClean="0"/>
+              <a:t> </a:t>
+            </a:r>
+            <a:r>
+              <a:rPr lang="en-US" dirty="0" err="1" smtClean="0"/>
+              <a:t>függőségi</a:t>
+            </a:r>
+            <a:r>
+              <a:rPr lang="en-US" dirty="0" smtClean="0"/>
+              <a:t> </a:t>
+            </a:r>
+            <a:r>
+              <a:rPr lang="en-US" dirty="0" err="1" smtClean="0"/>
+              <a:t>részgráfot</a:t>
+            </a:r>
+            <a:r>
+              <a:rPr lang="en-US" dirty="0" smtClean="0"/>
+              <a:t> </a:t>
+            </a:r>
+            <a:r>
+              <a:rPr lang="en-US" dirty="0" err="1" smtClean="0"/>
+              <a:t>építi</a:t>
+            </a:r>
+            <a:r>
+              <a:rPr lang="en-US" dirty="0" smtClean="0"/>
+              <a:t> </a:t>
+            </a:r>
+            <a:r>
+              <a:rPr lang="en-US" dirty="0" err="1" smtClean="0"/>
+              <a:t>fel</a:t>
+            </a:r>
+            <a:endParaRPr lang="en-US" dirty="0" smtClean="0"/>
+          </a:p>
+          <a:p>
+            <a:r>
+              <a:rPr lang="en-US" dirty="0" err="1" smtClean="0"/>
+              <a:t>Aztán</a:t>
+            </a:r>
+            <a:r>
+              <a:rPr lang="en-US" dirty="0" smtClean="0"/>
+              <a:t> </a:t>
+            </a:r>
+            <a:r>
+              <a:rPr lang="en-US" dirty="0" err="1" smtClean="0"/>
+              <a:t>ebbe</a:t>
+            </a:r>
+            <a:r>
+              <a:rPr lang="en-US" dirty="0" smtClean="0"/>
+              <a:t> </a:t>
+            </a:r>
+            <a:r>
+              <a:rPr lang="en-US" dirty="0" err="1" smtClean="0"/>
+              <a:t>húzza</a:t>
+            </a:r>
+            <a:r>
+              <a:rPr lang="en-US" dirty="0" smtClean="0"/>
+              <a:t> </a:t>
+            </a:r>
+            <a:r>
+              <a:rPr lang="en-US" dirty="0" err="1" smtClean="0"/>
+              <a:t>bele</a:t>
+            </a:r>
+            <a:r>
+              <a:rPr lang="en-US" dirty="0" smtClean="0"/>
+              <a:t> </a:t>
+            </a:r>
+            <a:r>
+              <a:rPr lang="en-US" dirty="0" err="1" smtClean="0"/>
+              <a:t>az</a:t>
+            </a:r>
+            <a:r>
+              <a:rPr lang="en-US" dirty="0" smtClean="0"/>
+              <a:t> </a:t>
+            </a:r>
+            <a:r>
+              <a:rPr lang="en-US" dirty="0" err="1" smtClean="0"/>
+              <a:t>adatfüggőségi</a:t>
+            </a:r>
+            <a:r>
+              <a:rPr lang="en-US" dirty="0" smtClean="0"/>
+              <a:t> </a:t>
+            </a:r>
+            <a:r>
+              <a:rPr lang="en-US" dirty="0" err="1" smtClean="0"/>
+              <a:t>éleket</a:t>
+            </a:r>
+            <a:endParaRPr lang="en-US" dirty="0" smtClean="0"/>
+          </a:p>
+          <a:p>
+            <a:r>
+              <a:rPr lang="en-US" dirty="0" err="1" smtClean="0"/>
+              <a:t>Az</a:t>
+            </a:r>
+            <a:r>
+              <a:rPr lang="en-US" dirty="0" smtClean="0"/>
+              <a:t> </a:t>
+            </a:r>
+            <a:r>
+              <a:rPr lang="en-US" dirty="0" err="1" smtClean="0"/>
+              <a:t>algoritmus</a:t>
+            </a:r>
+            <a:r>
+              <a:rPr lang="en-US" dirty="0" smtClean="0"/>
+              <a:t> </a:t>
+            </a:r>
+            <a:r>
+              <a:rPr lang="en-US" dirty="0" err="1" smtClean="0"/>
+              <a:t>inputja</a:t>
+            </a:r>
+            <a:r>
+              <a:rPr lang="en-US" dirty="0" smtClean="0"/>
+              <a:t> </a:t>
+            </a:r>
+            <a:r>
+              <a:rPr lang="en-US" dirty="0" err="1" smtClean="0"/>
+              <a:t>lehet</a:t>
+            </a:r>
+            <a:r>
+              <a:rPr lang="en-US" dirty="0" smtClean="0"/>
+              <a:t> CFG, </a:t>
+            </a:r>
+            <a:r>
+              <a:rPr lang="en-US" dirty="0" err="1" smtClean="0"/>
+              <a:t>vagy</a:t>
+            </a:r>
+            <a:r>
+              <a:rPr lang="en-US" dirty="0" smtClean="0"/>
+              <a:t> AST (</a:t>
+            </a:r>
+            <a:r>
+              <a:rPr lang="en-US" dirty="0" err="1" smtClean="0"/>
+              <a:t>absztrakt</a:t>
+            </a:r>
+            <a:r>
+              <a:rPr lang="en-US" dirty="0" smtClean="0"/>
+              <a:t> </a:t>
+            </a:r>
+            <a:r>
+              <a:rPr lang="en-US" dirty="0" err="1" smtClean="0"/>
+              <a:t>szintaxisfa</a:t>
+            </a:r>
+            <a:r>
+              <a:rPr lang="en-US" dirty="0" smtClean="0"/>
+              <a:t>)</a:t>
+            </a:r>
+          </a:p>
+          <a:p>
+            <a:r>
+              <a:rPr lang="en-US" dirty="0" smtClean="0"/>
+              <a:t>A </a:t>
+            </a:r>
+            <a:r>
+              <a:rPr lang="en-US" dirty="0" err="1" smtClean="0"/>
+              <a:t>kontroll</a:t>
+            </a:r>
+            <a:r>
+              <a:rPr lang="en-US" dirty="0" smtClean="0"/>
+              <a:t> </a:t>
+            </a:r>
+            <a:r>
+              <a:rPr lang="en-US" dirty="0" err="1" smtClean="0"/>
+              <a:t>függőségi</a:t>
+            </a:r>
+            <a:r>
+              <a:rPr lang="en-US" dirty="0" smtClean="0"/>
+              <a:t> </a:t>
+            </a:r>
+            <a:r>
+              <a:rPr lang="en-US" dirty="0" err="1" smtClean="0"/>
+              <a:t>élek</a:t>
+            </a:r>
+            <a:r>
+              <a:rPr lang="en-US" dirty="0" smtClean="0"/>
+              <a:t> </a:t>
+            </a:r>
+            <a:r>
+              <a:rPr lang="en-US" dirty="0" err="1" smtClean="0"/>
+              <a:t>címkéi</a:t>
+            </a:r>
+            <a:r>
+              <a:rPr lang="en-US" dirty="0" smtClean="0"/>
+              <a:t> </a:t>
+            </a:r>
+            <a:r>
+              <a:rPr lang="en-US" dirty="0" err="1" smtClean="0"/>
+              <a:t>igazak</a:t>
+            </a:r>
+            <a:r>
+              <a:rPr lang="en-US" dirty="0" smtClean="0"/>
+              <a:t>, </a:t>
+            </a:r>
+            <a:r>
+              <a:rPr lang="en-US" dirty="0" err="1" smtClean="0"/>
+              <a:t>vagy</a:t>
+            </a:r>
+            <a:r>
+              <a:rPr lang="en-US" dirty="0" smtClean="0"/>
+              <a:t> </a:t>
+            </a:r>
+            <a:r>
+              <a:rPr lang="en-US" dirty="0" err="1" smtClean="0"/>
+              <a:t>hamisak</a:t>
+            </a:r>
+            <a:endParaRPr lang="en-US" dirty="0" smtClean="0"/>
+          </a:p>
+          <a:p>
+            <a:endParaRPr lang="en-US" dirty="0"/>
+          </a:p>
+        </p:txBody>
+      </p:sp>
+    </p:spTree>
+    <p:extLst>
+      <p:ext uri="{BB962C8B-B14F-4D97-AF65-F5344CB8AC3E}">
+        <p14:creationId xmlns:p14="http://schemas.microsoft.com/office/powerpoint/2010/main" val="19169956"/>
+      </p:ext>
+    </p:extLst>
+  </p:cSld>
+  <p:clrMapOvr>
+    <a:masterClrMapping/>
+  </p:clrMapOvr>
+</p:sld>
+</file>
+
 <file path=ppt/slides/slide2.xml><?xml version="1.0" encoding="utf-8"?>
 <p:sld xmlns:a="http://schemas.openxmlformats.org/drawingml/2006/main" xmlns:r="http://schemas.openxmlformats.org/officeDocument/2006/relationships" xmlns:p="http://schemas.openxmlformats.org/presentationml/2006/main">
   <p:cSld>
@@ -6383,6 +9582,2638 @@
     <p:extLst>
       <p:ext uri="{BB962C8B-B14F-4D97-AF65-F5344CB8AC3E}">
         <p14:creationId xmlns:p14="http://schemas.microsoft.com/office/powerpoint/2010/main" val="2559605084"/>
+      </p:ext>
+    </p:extLst>
+  </p:cSld>
+  <p:clrMapOvr>
+    <a:masterClrMapping/>
+  </p:clrMapOvr>
+  <p:timing>
+    <p:tnLst>
+      <p:par>
+        <p:cTn id="1" dur="indefinite" restart="never" nodeType="tmRoot"/>
+      </p:par>
+    </p:tnLst>
+  </p:timing>
+</p:sld>
+</file>
+
+<file path=ppt/slides/slide20.xml><?xml version="1.0" encoding="utf-8"?>
+<p:sld xmlns:a="http://schemas.openxmlformats.org/drawingml/2006/main" xmlns:r="http://schemas.openxmlformats.org/officeDocument/2006/relationships" xmlns:p="http://schemas.openxmlformats.org/presentationml/2006/main">
+  <p:cSld>
+    <p:spTree>
+      <p:nvGrpSpPr>
+        <p:cNvPr id="1" name=""/>
+        <p:cNvGrpSpPr/>
+        <p:nvPr/>
+      </p:nvGrpSpPr>
+      <p:grpSpPr>
+        <a:xfrm>
+          <a:off x="0" y="0"/>
+          <a:ext cx="0" cy="0"/>
+          <a:chOff x="0" y="0"/>
+          <a:chExt cx="0" cy="0"/>
+        </a:xfrm>
+      </p:grpSpPr>
+      <p:pic>
+        <p:nvPicPr>
+          <p:cNvPr id="4" name="Kép 3"/>
+          <p:cNvPicPr>
+            <a:picLocks noChangeAspect="1"/>
+          </p:cNvPicPr>
+          <p:nvPr/>
+        </p:nvPicPr>
+        <p:blipFill>
+          <a:blip r:embed="rId2">
+            <a:extLst>
+              <a:ext uri="{28A0092B-C50C-407E-A947-70E740481C1C}">
+                <a14:useLocalDpi xmlns:a14="http://schemas.microsoft.com/office/drawing/2010/main" val="0"/>
+              </a:ext>
+            </a:extLst>
+          </a:blip>
+          <a:stretch>
+            <a:fillRect/>
+          </a:stretch>
+        </p:blipFill>
+        <p:spPr>
+          <a:xfrm>
+            <a:off x="447460" y="403959"/>
+            <a:ext cx="3730935" cy="3661414"/>
+          </a:xfrm>
+          <a:prstGeom prst="rect">
+            <a:avLst/>
+          </a:prstGeom>
+        </p:spPr>
+      </p:pic>
+      <p:pic>
+        <p:nvPicPr>
+          <p:cNvPr id="5" name="Kép 4"/>
+          <p:cNvPicPr>
+            <a:picLocks noChangeAspect="1"/>
+          </p:cNvPicPr>
+          <p:nvPr/>
+        </p:nvPicPr>
+        <p:blipFill>
+          <a:blip r:embed="rId3">
+            <a:extLst>
+              <a:ext uri="{28A0092B-C50C-407E-A947-70E740481C1C}">
+                <a14:useLocalDpi xmlns:a14="http://schemas.microsoft.com/office/drawing/2010/main" val="0"/>
+              </a:ext>
+            </a:extLst>
+          </a:blip>
+          <a:stretch>
+            <a:fillRect/>
+          </a:stretch>
+        </p:blipFill>
+        <p:spPr>
+          <a:xfrm>
+            <a:off x="4440580" y="403959"/>
+            <a:ext cx="5114925" cy="6086475"/>
+          </a:xfrm>
+          <a:prstGeom prst="rect">
+            <a:avLst/>
+          </a:prstGeom>
+        </p:spPr>
+      </p:pic>
+    </p:spTree>
+    <p:extLst>
+      <p:ext uri="{BB962C8B-B14F-4D97-AF65-F5344CB8AC3E}">
+        <p14:creationId xmlns:p14="http://schemas.microsoft.com/office/powerpoint/2010/main" val="1983121"/>
+      </p:ext>
+    </p:extLst>
+  </p:cSld>
+  <p:clrMapOvr>
+    <a:masterClrMapping/>
+  </p:clrMapOvr>
+  <p:timing>
+    <p:tnLst>
+      <p:par>
+        <p:cTn id="1" dur="indefinite" restart="never" nodeType="tmRoot"/>
+      </p:par>
+    </p:tnLst>
+  </p:timing>
+</p:sld>
+</file>
+
+<file path=ppt/slides/slide21.xml><?xml version="1.0" encoding="utf-8"?>
+<p:sld xmlns:a="http://schemas.openxmlformats.org/drawingml/2006/main" xmlns:r="http://schemas.openxmlformats.org/officeDocument/2006/relationships" xmlns:p="http://schemas.openxmlformats.org/presentationml/2006/main">
+  <p:cSld>
+    <p:spTree>
+      <p:nvGrpSpPr>
+        <p:cNvPr id="1" name=""/>
+        <p:cNvGrpSpPr/>
+        <p:nvPr/>
+      </p:nvGrpSpPr>
+      <p:grpSpPr>
+        <a:xfrm>
+          <a:off x="0" y="0"/>
+          <a:ext cx="0" cy="0"/>
+          <a:chOff x="0" y="0"/>
+          <a:chExt cx="0" cy="0"/>
+        </a:xfrm>
+      </p:grpSpPr>
+      <p:sp>
+        <p:nvSpPr>
+          <p:cNvPr id="3" name="Tartalom helye 2"/>
+          <p:cNvSpPr>
+            <a:spLocks noGrp="1"/>
+          </p:cNvSpPr>
+          <p:nvPr>
+            <p:ph idx="1"/>
+          </p:nvPr>
+        </p:nvSpPr>
+        <p:spPr>
+          <a:xfrm>
+            <a:off x="658468" y="432488"/>
+            <a:ext cx="2665499" cy="4567880"/>
+          </a:xfrm>
+        </p:spPr>
+        <p:txBody>
+          <a:bodyPr/>
+          <a:lstStyle/>
+          <a:p>
+            <a:pPr marL="0" indent="0">
+              <a:buNone/>
+            </a:pPr>
+            <a:r>
+              <a:rPr lang="en-US" dirty="0" smtClean="0"/>
+              <a:t>A </a:t>
+            </a:r>
+            <a:r>
+              <a:rPr lang="en-US" dirty="0"/>
+              <a:t>9. </a:t>
+            </a:r>
+            <a:r>
+              <a:rPr lang="en-US" dirty="0" err="1" smtClean="0"/>
+              <a:t>sorra</a:t>
+            </a:r>
+            <a:r>
+              <a:rPr lang="en-US" dirty="0" smtClean="0"/>
+              <a:t> </a:t>
+            </a:r>
+            <a:r>
+              <a:rPr lang="en-US" dirty="0" err="1" smtClean="0"/>
+              <a:t>vonatkozó</a:t>
+            </a:r>
+            <a:r>
+              <a:rPr lang="en-US" dirty="0" smtClean="0"/>
+              <a:t> backward slice.</a:t>
+            </a:r>
+          </a:p>
+          <a:p>
+            <a:pPr marL="0" indent="0">
+              <a:buNone/>
+            </a:pPr>
+            <a:endParaRPr lang="en-US" dirty="0"/>
+          </a:p>
+          <a:p>
+            <a:pPr marL="0" indent="0">
+              <a:buNone/>
+            </a:pPr>
+            <a:endParaRPr lang="en-US" dirty="0" smtClean="0"/>
+          </a:p>
+          <a:p>
+            <a:pPr marL="0" indent="0">
+              <a:buNone/>
+            </a:pPr>
+            <a:endParaRPr lang="en-US" dirty="0"/>
+          </a:p>
+          <a:p>
+            <a:pPr marL="0" indent="0">
+              <a:buNone/>
+            </a:pPr>
+            <a:r>
+              <a:rPr lang="en-US" dirty="0" err="1" smtClean="0"/>
+              <a:t>Hatékonyságról</a:t>
+            </a:r>
+            <a:r>
+              <a:rPr lang="en-US" dirty="0" smtClean="0"/>
+              <a:t> </a:t>
+            </a:r>
+            <a:r>
+              <a:rPr lang="en-US" dirty="0" err="1" smtClean="0"/>
+              <a:t>később</a:t>
+            </a:r>
+            <a:r>
+              <a:rPr lang="en-US" dirty="0"/>
+              <a:t> </a:t>
+            </a:r>
+            <a:r>
+              <a:rPr lang="en-US" dirty="0" err="1" smtClean="0"/>
+              <a:t>esik</a:t>
+            </a:r>
+            <a:r>
+              <a:rPr lang="en-US" dirty="0" smtClean="0"/>
+              <a:t> </a:t>
+            </a:r>
+            <a:r>
+              <a:rPr lang="en-US" dirty="0" err="1" smtClean="0"/>
+              <a:t>szó</a:t>
+            </a:r>
+            <a:r>
+              <a:rPr lang="en-US" dirty="0" smtClean="0"/>
+              <a:t>.</a:t>
+            </a:r>
+          </a:p>
+        </p:txBody>
+      </p:sp>
+      <p:pic>
+        <p:nvPicPr>
+          <p:cNvPr id="7" name="Kép 6"/>
+          <p:cNvPicPr>
+            <a:picLocks noChangeAspect="1"/>
+          </p:cNvPicPr>
+          <p:nvPr/>
+        </p:nvPicPr>
+        <p:blipFill>
+          <a:blip r:embed="rId2">
+            <a:extLst>
+              <a:ext uri="{28A0092B-C50C-407E-A947-70E740481C1C}">
+                <a14:useLocalDpi xmlns:a14="http://schemas.microsoft.com/office/drawing/2010/main" val="0"/>
+              </a:ext>
+            </a:extLst>
+          </a:blip>
+          <a:stretch>
+            <a:fillRect/>
+          </a:stretch>
+        </p:blipFill>
+        <p:spPr>
+          <a:xfrm>
+            <a:off x="3538537" y="385762"/>
+            <a:ext cx="5114925" cy="6086475"/>
+          </a:xfrm>
+          <a:prstGeom prst="rect">
+            <a:avLst/>
+          </a:prstGeom>
+        </p:spPr>
+      </p:pic>
+    </p:spTree>
+    <p:extLst>
+      <p:ext uri="{BB962C8B-B14F-4D97-AF65-F5344CB8AC3E}">
+        <p14:creationId xmlns:p14="http://schemas.microsoft.com/office/powerpoint/2010/main" val="2614987737"/>
+      </p:ext>
+    </p:extLst>
+  </p:cSld>
+  <p:clrMapOvr>
+    <a:masterClrMapping/>
+  </p:clrMapOvr>
+</p:sld>
+</file>
+
+<file path=ppt/slides/slide22.xml><?xml version="1.0" encoding="utf-8"?>
+<p:sld xmlns:a="http://schemas.openxmlformats.org/drawingml/2006/main" xmlns:r="http://schemas.openxmlformats.org/officeDocument/2006/relationships" xmlns:p="http://schemas.openxmlformats.org/presentationml/2006/main">
+  <p:cSld>
+    <p:spTree>
+      <p:nvGrpSpPr>
+        <p:cNvPr id="1" name=""/>
+        <p:cNvGrpSpPr/>
+        <p:nvPr/>
+      </p:nvGrpSpPr>
+      <p:grpSpPr>
+        <a:xfrm>
+          <a:off x="0" y="0"/>
+          <a:ext cx="0" cy="0"/>
+          <a:chOff x="0" y="0"/>
+          <a:chExt cx="0" cy="0"/>
+        </a:xfrm>
+      </p:grpSpPr>
+      <p:sp>
+        <p:nvSpPr>
+          <p:cNvPr id="2" name="Cím 1"/>
+          <p:cNvSpPr>
+            <a:spLocks noGrp="1"/>
+          </p:cNvSpPr>
+          <p:nvPr>
+            <p:ph type="title"/>
+          </p:nvPr>
+        </p:nvSpPr>
+        <p:spPr>
+          <a:xfrm>
+            <a:off x="580769" y="452718"/>
+            <a:ext cx="9470066" cy="820028"/>
+          </a:xfrm>
+        </p:spPr>
+        <p:txBody>
+          <a:bodyPr/>
+          <a:lstStyle/>
+          <a:p>
+            <a:r>
+              <a:rPr lang="en-US" dirty="0" smtClean="0"/>
+              <a:t>LLVM/Clang</a:t>
+            </a:r>
+            <a:endParaRPr lang="en-US" dirty="0"/>
+          </a:p>
+        </p:txBody>
+      </p:sp>
+      <p:sp>
+        <p:nvSpPr>
+          <p:cNvPr id="3" name="Tartalom helye 2"/>
+          <p:cNvSpPr>
+            <a:spLocks noGrp="1"/>
+          </p:cNvSpPr>
+          <p:nvPr>
+            <p:ph idx="1"/>
+          </p:nvPr>
+        </p:nvSpPr>
+        <p:spPr/>
+        <p:txBody>
+          <a:bodyPr/>
+          <a:lstStyle/>
+          <a:p>
+            <a:r>
+              <a:rPr lang="en-US" dirty="0" smtClean="0"/>
+              <a:t>A </a:t>
+            </a:r>
+            <a:r>
+              <a:rPr lang="en-US" dirty="0" err="1" smtClean="0"/>
+              <a:t>felsorolt</a:t>
+            </a:r>
+            <a:r>
+              <a:rPr lang="en-US" dirty="0" smtClean="0"/>
+              <a:t> </a:t>
+            </a:r>
+            <a:r>
+              <a:rPr lang="en-US" dirty="0" err="1" smtClean="0"/>
+              <a:t>módszerek</a:t>
+            </a:r>
+            <a:r>
+              <a:rPr lang="en-US" dirty="0" smtClean="0"/>
+              <a:t> </a:t>
+            </a:r>
+            <a:r>
+              <a:rPr lang="en-US" dirty="0" err="1" smtClean="0"/>
+              <a:t>közül</a:t>
+            </a:r>
+            <a:r>
+              <a:rPr lang="en-US" dirty="0" smtClean="0"/>
+              <a:t> a </a:t>
+            </a:r>
+            <a:r>
+              <a:rPr lang="en-US" dirty="0" err="1" smtClean="0"/>
+              <a:t>függőségi</a:t>
+            </a:r>
+            <a:r>
+              <a:rPr lang="en-US" dirty="0" smtClean="0"/>
+              <a:t> </a:t>
+            </a:r>
+            <a:r>
+              <a:rPr lang="en-US" dirty="0" err="1" smtClean="0"/>
+              <a:t>gráf</a:t>
+            </a:r>
+            <a:r>
+              <a:rPr lang="en-US" dirty="0" smtClean="0"/>
+              <a:t> </a:t>
+            </a:r>
+            <a:r>
+              <a:rPr lang="en-US" dirty="0" err="1" smtClean="0"/>
+              <a:t>alapút</a:t>
+            </a:r>
+            <a:r>
+              <a:rPr lang="en-US" dirty="0" smtClean="0"/>
+              <a:t> </a:t>
+            </a:r>
+            <a:r>
+              <a:rPr lang="en-US" dirty="0" err="1" smtClean="0"/>
+              <a:t>találtam</a:t>
+            </a:r>
+            <a:r>
+              <a:rPr lang="en-US" dirty="0" smtClean="0"/>
+              <a:t> a </a:t>
+            </a:r>
+            <a:r>
+              <a:rPr lang="en-US" dirty="0" err="1" smtClean="0"/>
+              <a:t>legjobbnak</a:t>
+            </a:r>
+            <a:r>
+              <a:rPr lang="en-US" dirty="0" smtClean="0"/>
+              <a:t> </a:t>
+            </a:r>
+            <a:r>
+              <a:rPr lang="en-US" dirty="0" err="1" smtClean="0"/>
+              <a:t>összességében</a:t>
+            </a:r>
+            <a:r>
+              <a:rPr lang="en-US" dirty="0" smtClean="0"/>
+              <a:t>.</a:t>
+            </a:r>
+          </a:p>
+          <a:p>
+            <a:r>
+              <a:rPr lang="en-US" dirty="0" err="1" smtClean="0"/>
+              <a:t>Ennek</a:t>
+            </a:r>
+            <a:r>
+              <a:rPr lang="en-US" dirty="0" smtClean="0"/>
+              <a:t> </a:t>
+            </a:r>
+            <a:r>
+              <a:rPr lang="en-US" dirty="0" err="1" smtClean="0"/>
+              <a:t>implementációjához</a:t>
+            </a:r>
+            <a:r>
+              <a:rPr lang="en-US" dirty="0" smtClean="0"/>
+              <a:t> </a:t>
+            </a:r>
+            <a:r>
+              <a:rPr lang="en-US" dirty="0" err="1" smtClean="0"/>
+              <a:t>az</a:t>
+            </a:r>
+            <a:r>
+              <a:rPr lang="en-US" dirty="0" smtClean="0"/>
+              <a:t> LLVM/Clang </a:t>
+            </a:r>
+            <a:r>
+              <a:rPr lang="en-US" dirty="0" err="1" smtClean="0"/>
+              <a:t>fordító-infrastruktúra</a:t>
+            </a:r>
+            <a:r>
+              <a:rPr lang="en-US" dirty="0" smtClean="0"/>
+              <a:t> tooling </a:t>
+            </a:r>
+            <a:r>
+              <a:rPr lang="en-US" dirty="0" err="1" smtClean="0"/>
+              <a:t>függvénykönyvtárát</a:t>
+            </a:r>
+            <a:r>
+              <a:rPr lang="en-US" dirty="0" smtClean="0"/>
+              <a:t> </a:t>
+            </a:r>
+            <a:r>
+              <a:rPr lang="en-US" dirty="0" err="1" smtClean="0"/>
+              <a:t>használtam</a:t>
+            </a:r>
+            <a:r>
+              <a:rPr lang="en-US" dirty="0" smtClean="0"/>
+              <a:t>.</a:t>
+            </a:r>
+          </a:p>
+          <a:p>
+            <a:r>
+              <a:rPr lang="en-US" dirty="0" smtClean="0"/>
+              <a:t>A Clang </a:t>
+            </a:r>
+            <a:r>
+              <a:rPr lang="en-US" dirty="0" err="1" smtClean="0"/>
+              <a:t>elérhetővé</a:t>
+            </a:r>
+            <a:r>
+              <a:rPr lang="en-US" dirty="0" smtClean="0"/>
+              <a:t> </a:t>
+            </a:r>
+            <a:r>
+              <a:rPr lang="en-US" dirty="0" err="1" smtClean="0"/>
+              <a:t>teszi</a:t>
+            </a:r>
+            <a:r>
+              <a:rPr lang="en-US" dirty="0" smtClean="0"/>
+              <a:t> </a:t>
+            </a:r>
+            <a:r>
+              <a:rPr lang="en-US" dirty="0" err="1" smtClean="0"/>
+              <a:t>fordítás</a:t>
+            </a:r>
+            <a:r>
+              <a:rPr lang="en-US" dirty="0" smtClean="0"/>
+              <a:t> </a:t>
+            </a:r>
+            <a:r>
+              <a:rPr lang="en-US" dirty="0" err="1" smtClean="0"/>
+              <a:t>során</a:t>
+            </a:r>
+            <a:r>
+              <a:rPr lang="en-US" dirty="0" smtClean="0"/>
+              <a:t> a </a:t>
+            </a:r>
+            <a:r>
+              <a:rPr lang="en-US" dirty="0" err="1" smtClean="0"/>
+              <a:t>programból</a:t>
+            </a:r>
+            <a:r>
+              <a:rPr lang="en-US" dirty="0" smtClean="0"/>
+              <a:t> </a:t>
+            </a:r>
+            <a:r>
+              <a:rPr lang="en-US" dirty="0" err="1" smtClean="0"/>
+              <a:t>általa</a:t>
+            </a:r>
+            <a:r>
+              <a:rPr lang="en-US" dirty="0" smtClean="0"/>
+              <a:t> </a:t>
+            </a:r>
+            <a:r>
+              <a:rPr lang="en-US" dirty="0" err="1" smtClean="0"/>
+              <a:t>épített</a:t>
+            </a:r>
+            <a:r>
+              <a:rPr lang="en-US" dirty="0" smtClean="0"/>
+              <a:t> </a:t>
+            </a:r>
+            <a:r>
+              <a:rPr lang="en-US" dirty="0" err="1" smtClean="0"/>
+              <a:t>szintaxisfát</a:t>
+            </a:r>
+            <a:r>
+              <a:rPr lang="en-US" dirty="0" smtClean="0"/>
+              <a:t>, </a:t>
+            </a:r>
+            <a:r>
+              <a:rPr lang="en-US" dirty="0" err="1" smtClean="0"/>
+              <a:t>aminek</a:t>
+            </a:r>
+            <a:r>
+              <a:rPr lang="en-US" dirty="0"/>
+              <a:t> </a:t>
+            </a:r>
+            <a:r>
+              <a:rPr lang="en-US" dirty="0" err="1" smtClean="0"/>
+              <a:t>használatához</a:t>
+            </a:r>
+            <a:r>
+              <a:rPr lang="en-US" dirty="0" smtClean="0"/>
+              <a:t> </a:t>
+            </a:r>
+            <a:r>
+              <a:rPr lang="en-US" dirty="0" err="1" smtClean="0"/>
+              <a:t>egy</a:t>
+            </a:r>
+            <a:r>
+              <a:rPr lang="en-US" dirty="0" smtClean="0"/>
+              <a:t> </a:t>
+            </a:r>
+            <a:r>
+              <a:rPr lang="en-US" dirty="0" err="1" smtClean="0"/>
+              <a:t>hatékony</a:t>
+            </a:r>
+            <a:r>
+              <a:rPr lang="en-US" dirty="0" smtClean="0"/>
+              <a:t> </a:t>
+            </a:r>
+            <a:r>
+              <a:rPr lang="en-US" dirty="0" err="1" smtClean="0"/>
+              <a:t>és</a:t>
+            </a:r>
+            <a:r>
+              <a:rPr lang="en-US" dirty="0" smtClean="0"/>
+              <a:t> </a:t>
+            </a:r>
+            <a:r>
+              <a:rPr lang="en-US" dirty="0" err="1" smtClean="0"/>
+              <a:t>kézenfekvő</a:t>
+            </a:r>
+            <a:r>
+              <a:rPr lang="en-US" dirty="0" smtClean="0"/>
+              <a:t> </a:t>
+            </a:r>
+            <a:r>
+              <a:rPr lang="en-US" dirty="0" err="1" smtClean="0"/>
+              <a:t>interfészt</a:t>
+            </a:r>
+            <a:r>
+              <a:rPr lang="en-US" dirty="0" smtClean="0"/>
+              <a:t> ad.</a:t>
+            </a:r>
+            <a:endParaRPr lang="en-US" dirty="0"/>
+          </a:p>
+        </p:txBody>
+      </p:sp>
+    </p:spTree>
+    <p:extLst>
+      <p:ext uri="{BB962C8B-B14F-4D97-AF65-F5344CB8AC3E}">
+        <p14:creationId xmlns:p14="http://schemas.microsoft.com/office/powerpoint/2010/main" val="2658503944"/>
+      </p:ext>
+    </p:extLst>
+  </p:cSld>
+  <p:clrMapOvr>
+    <a:masterClrMapping/>
+  </p:clrMapOvr>
+</p:sld>
+</file>
+
+<file path=ppt/slides/slide23.xml><?xml version="1.0" encoding="utf-8"?>
+<p:sld xmlns:a="http://schemas.openxmlformats.org/drawingml/2006/main" xmlns:r="http://schemas.openxmlformats.org/officeDocument/2006/relationships" xmlns:p="http://schemas.openxmlformats.org/presentationml/2006/main">
+  <p:cSld>
+    <p:spTree>
+      <p:nvGrpSpPr>
+        <p:cNvPr id="1" name=""/>
+        <p:cNvGrpSpPr/>
+        <p:nvPr/>
+      </p:nvGrpSpPr>
+      <p:grpSpPr>
+        <a:xfrm>
+          <a:off x="0" y="0"/>
+          <a:ext cx="0" cy="0"/>
+          <a:chOff x="0" y="0"/>
+          <a:chExt cx="0" cy="0"/>
+        </a:xfrm>
+      </p:grpSpPr>
+      <p:pic>
+        <p:nvPicPr>
+          <p:cNvPr id="4" name="Kép 3"/>
+          <p:cNvPicPr>
+            <a:picLocks noChangeAspect="1"/>
+          </p:cNvPicPr>
+          <p:nvPr/>
+        </p:nvPicPr>
+        <p:blipFill>
+          <a:blip r:embed="rId2">
+            <a:extLst>
+              <a:ext uri="{28A0092B-C50C-407E-A947-70E740481C1C}">
+                <a14:useLocalDpi xmlns:a14="http://schemas.microsoft.com/office/drawing/2010/main" val="0"/>
+              </a:ext>
+            </a:extLst>
+          </a:blip>
+          <a:stretch>
+            <a:fillRect/>
+          </a:stretch>
+        </p:blipFill>
+        <p:spPr>
+          <a:xfrm>
+            <a:off x="563635" y="1379445"/>
+            <a:ext cx="2222344" cy="2117517"/>
+          </a:xfrm>
+          <a:prstGeom prst="rect">
+            <a:avLst/>
+          </a:prstGeom>
+        </p:spPr>
+      </p:pic>
+      <p:pic>
+        <p:nvPicPr>
+          <p:cNvPr id="5" name="Kép 4"/>
+          <p:cNvPicPr>
+            <a:picLocks noChangeAspect="1"/>
+          </p:cNvPicPr>
+          <p:nvPr/>
+        </p:nvPicPr>
+        <p:blipFill>
+          <a:blip r:embed="rId3">
+            <a:extLst>
+              <a:ext uri="{28A0092B-C50C-407E-A947-70E740481C1C}">
+                <a14:useLocalDpi xmlns:a14="http://schemas.microsoft.com/office/drawing/2010/main" val="0"/>
+              </a:ext>
+            </a:extLst>
+          </a:blip>
+          <a:stretch>
+            <a:fillRect/>
+          </a:stretch>
+        </p:blipFill>
+        <p:spPr>
+          <a:xfrm>
+            <a:off x="3420568" y="261631"/>
+            <a:ext cx="8316486" cy="6211167"/>
+          </a:xfrm>
+          <a:prstGeom prst="rect">
+            <a:avLst/>
+          </a:prstGeom>
+        </p:spPr>
+      </p:pic>
+      <p:sp>
+        <p:nvSpPr>
+          <p:cNvPr id="6" name="Szövegdoboz 5"/>
+          <p:cNvSpPr txBox="1"/>
+          <p:nvPr/>
+        </p:nvSpPr>
+        <p:spPr>
+          <a:xfrm>
+            <a:off x="457666" y="568409"/>
+            <a:ext cx="2434282" cy="461665"/>
+          </a:xfrm>
+          <a:prstGeom prst="rect">
+            <a:avLst/>
+          </a:prstGeom>
+          <a:noFill/>
+        </p:spPr>
+        <p:txBody>
+          <a:bodyPr wrap="square" rtlCol="0">
+            <a:spAutoFit/>
+          </a:bodyPr>
+          <a:lstStyle/>
+          <a:p>
+            <a:r>
+              <a:rPr lang="en-US" sz="2400" dirty="0" smtClean="0"/>
+              <a:t>A Clang AST</a:t>
+            </a:r>
+            <a:endParaRPr lang="en-US" sz="2400" dirty="0"/>
+          </a:p>
+        </p:txBody>
+      </p:sp>
+    </p:spTree>
+    <p:extLst>
+      <p:ext uri="{BB962C8B-B14F-4D97-AF65-F5344CB8AC3E}">
+        <p14:creationId xmlns:p14="http://schemas.microsoft.com/office/powerpoint/2010/main" val="1218058795"/>
+      </p:ext>
+    </p:extLst>
+  </p:cSld>
+  <p:clrMapOvr>
+    <a:masterClrMapping/>
+  </p:clrMapOvr>
+  <p:timing>
+    <p:tnLst>
+      <p:par>
+        <p:cTn id="1" dur="indefinite" restart="never" nodeType="tmRoot"/>
+      </p:par>
+    </p:tnLst>
+  </p:timing>
+</p:sld>
+</file>
+
+<file path=ppt/slides/slide24.xml><?xml version="1.0" encoding="utf-8"?>
+<p:sld xmlns:a="http://schemas.openxmlformats.org/drawingml/2006/main" xmlns:r="http://schemas.openxmlformats.org/officeDocument/2006/relationships" xmlns:p="http://schemas.openxmlformats.org/presentationml/2006/main">
+  <p:cSld>
+    <p:spTree>
+      <p:nvGrpSpPr>
+        <p:cNvPr id="1" name=""/>
+        <p:cNvGrpSpPr/>
+        <p:nvPr/>
+      </p:nvGrpSpPr>
+      <p:grpSpPr>
+        <a:xfrm>
+          <a:off x="0" y="0"/>
+          <a:ext cx="0" cy="0"/>
+          <a:chOff x="0" y="0"/>
+          <a:chExt cx="0" cy="0"/>
+        </a:xfrm>
+      </p:grpSpPr>
+      <p:sp>
+        <p:nvSpPr>
+          <p:cNvPr id="2" name="Cím 1"/>
+          <p:cNvSpPr>
+            <a:spLocks noGrp="1"/>
+          </p:cNvSpPr>
+          <p:nvPr>
+            <p:ph type="title"/>
+          </p:nvPr>
+        </p:nvSpPr>
+        <p:spPr>
+          <a:xfrm>
+            <a:off x="543697" y="452718"/>
+            <a:ext cx="9507137" cy="795314"/>
+          </a:xfrm>
+        </p:spPr>
+        <p:txBody>
+          <a:bodyPr/>
+          <a:lstStyle/>
+          <a:p>
+            <a:r>
+              <a:rPr lang="en-US" dirty="0" smtClean="0"/>
+              <a:t>AST Matchers</a:t>
+            </a:r>
+            <a:endParaRPr lang="en-US" dirty="0"/>
+          </a:p>
+        </p:txBody>
+      </p:sp>
+      <p:sp>
+        <p:nvSpPr>
+          <p:cNvPr id="3" name="Tartalom helye 2"/>
+          <p:cNvSpPr>
+            <a:spLocks noGrp="1"/>
+          </p:cNvSpPr>
+          <p:nvPr>
+            <p:ph idx="1"/>
+          </p:nvPr>
+        </p:nvSpPr>
+        <p:spPr>
+          <a:xfrm>
+            <a:off x="679622" y="1248033"/>
+            <a:ext cx="9860692" cy="1433384"/>
+          </a:xfrm>
+        </p:spPr>
+        <p:txBody>
+          <a:bodyPr/>
+          <a:lstStyle/>
+          <a:p>
+            <a:r>
+              <a:rPr lang="en-US" dirty="0" err="1" smtClean="0"/>
+              <a:t>Az</a:t>
+            </a:r>
+            <a:r>
+              <a:rPr lang="en-US" dirty="0" smtClean="0"/>
+              <a:t> AST </a:t>
+            </a:r>
+            <a:r>
+              <a:rPr lang="en-US" dirty="0" err="1" smtClean="0"/>
+              <a:t>bejárásához</a:t>
+            </a:r>
+            <a:r>
+              <a:rPr lang="en-US" dirty="0" smtClean="0"/>
+              <a:t> </a:t>
+            </a:r>
+            <a:r>
+              <a:rPr lang="en-US" dirty="0" err="1" smtClean="0"/>
+              <a:t>egy</a:t>
+            </a:r>
+            <a:r>
+              <a:rPr lang="en-US" dirty="0" smtClean="0"/>
+              <a:t> </a:t>
+            </a:r>
+            <a:r>
+              <a:rPr lang="en-US" dirty="0" err="1" smtClean="0"/>
+              <a:t>ún</a:t>
+            </a:r>
+            <a:r>
+              <a:rPr lang="en-US" dirty="0" smtClean="0"/>
+              <a:t>. AST Matchers </a:t>
+            </a:r>
+            <a:r>
+              <a:rPr lang="en-US" dirty="0" err="1" smtClean="0"/>
+              <a:t>könyvtárat</a:t>
+            </a:r>
+            <a:r>
+              <a:rPr lang="en-US" dirty="0" smtClean="0"/>
+              <a:t> </a:t>
+            </a:r>
+            <a:r>
+              <a:rPr lang="en-US" dirty="0" err="1" smtClean="0"/>
+              <a:t>szolgáltat</a:t>
+            </a:r>
+            <a:r>
+              <a:rPr lang="en-US" dirty="0" smtClean="0"/>
+              <a:t> a Clang</a:t>
+            </a:r>
+          </a:p>
+          <a:p>
+            <a:r>
+              <a:rPr lang="en-US" dirty="0" err="1" smtClean="0"/>
+              <a:t>Deklaratív</a:t>
+            </a:r>
+            <a:r>
+              <a:rPr lang="en-US" dirty="0" smtClean="0"/>
+              <a:t> </a:t>
+            </a:r>
+            <a:r>
+              <a:rPr lang="en-US" dirty="0" err="1" smtClean="0"/>
+              <a:t>szintaxisával</a:t>
+            </a:r>
+            <a:r>
+              <a:rPr lang="en-US" dirty="0" smtClean="0"/>
+              <a:t> </a:t>
+            </a:r>
+            <a:r>
+              <a:rPr lang="en-US" dirty="0" err="1" smtClean="0"/>
+              <a:t>könnyedén</a:t>
+            </a:r>
+            <a:r>
+              <a:rPr lang="en-US" dirty="0" smtClean="0"/>
+              <a:t> </a:t>
+            </a:r>
+            <a:r>
+              <a:rPr lang="en-US" dirty="0" err="1" smtClean="0"/>
+              <a:t>gyűjthető</a:t>
+            </a:r>
+            <a:r>
+              <a:rPr lang="en-US" dirty="0" smtClean="0"/>
+              <a:t> a </a:t>
+            </a:r>
+            <a:r>
+              <a:rPr lang="en-US" dirty="0" err="1" smtClean="0"/>
+              <a:t>szükséges</a:t>
+            </a:r>
+            <a:r>
+              <a:rPr lang="en-US" dirty="0" smtClean="0"/>
+              <a:t> </a:t>
+            </a:r>
+            <a:r>
+              <a:rPr lang="en-US" dirty="0" err="1" smtClean="0"/>
+              <a:t>információ</a:t>
+            </a:r>
+            <a:endParaRPr lang="en-US" dirty="0" smtClean="0"/>
+          </a:p>
+          <a:p>
+            <a:pPr marL="0" indent="0">
+              <a:buNone/>
+            </a:pPr>
+            <a:endParaRPr lang="en-US" dirty="0"/>
+          </a:p>
+        </p:txBody>
+      </p:sp>
+      <p:pic>
+        <p:nvPicPr>
+          <p:cNvPr id="4" name="Kép 3"/>
+          <p:cNvPicPr>
+            <a:picLocks noChangeAspect="1"/>
+          </p:cNvPicPr>
+          <p:nvPr/>
+        </p:nvPicPr>
+        <p:blipFill>
+          <a:blip r:embed="rId2">
+            <a:extLst>
+              <a:ext uri="{28A0092B-C50C-407E-A947-70E740481C1C}">
+                <a14:useLocalDpi xmlns:a14="http://schemas.microsoft.com/office/drawing/2010/main" val="0"/>
+              </a:ext>
+            </a:extLst>
+          </a:blip>
+          <a:stretch>
+            <a:fillRect/>
+          </a:stretch>
+        </p:blipFill>
+        <p:spPr>
+          <a:xfrm>
+            <a:off x="778476" y="2943335"/>
+            <a:ext cx="9272358" cy="2214295"/>
+          </a:xfrm>
+          <a:prstGeom prst="rect">
+            <a:avLst/>
+          </a:prstGeom>
+        </p:spPr>
+      </p:pic>
+    </p:spTree>
+    <p:extLst>
+      <p:ext uri="{BB962C8B-B14F-4D97-AF65-F5344CB8AC3E}">
+        <p14:creationId xmlns:p14="http://schemas.microsoft.com/office/powerpoint/2010/main" val="2057350650"/>
+      </p:ext>
+    </p:extLst>
+  </p:cSld>
+  <p:clrMapOvr>
+    <a:masterClrMapping/>
+  </p:clrMapOvr>
+  <p:timing>
+    <p:tnLst>
+      <p:par>
+        <p:cTn id="1" dur="indefinite" restart="never" nodeType="tmRoot"/>
+      </p:par>
+    </p:tnLst>
+  </p:timing>
+</p:sld>
+</file>
+
+<file path=ppt/slides/slide25.xml><?xml version="1.0" encoding="utf-8"?>
+<p:sld xmlns:a="http://schemas.openxmlformats.org/drawingml/2006/main" xmlns:r="http://schemas.openxmlformats.org/officeDocument/2006/relationships" xmlns:p="http://schemas.openxmlformats.org/presentationml/2006/main">
+  <p:cSld>
+    <p:spTree>
+      <p:nvGrpSpPr>
+        <p:cNvPr id="1" name=""/>
+        <p:cNvGrpSpPr/>
+        <p:nvPr/>
+      </p:nvGrpSpPr>
+      <p:grpSpPr>
+        <a:xfrm>
+          <a:off x="0" y="0"/>
+          <a:ext cx="0" cy="0"/>
+          <a:chOff x="0" y="0"/>
+          <a:chExt cx="0" cy="0"/>
+        </a:xfrm>
+      </p:grpSpPr>
+      <p:sp>
+        <p:nvSpPr>
+          <p:cNvPr id="2" name="Cím 1"/>
+          <p:cNvSpPr>
+            <a:spLocks noGrp="1"/>
+          </p:cNvSpPr>
+          <p:nvPr>
+            <p:ph type="title"/>
+          </p:nvPr>
+        </p:nvSpPr>
+        <p:spPr>
+          <a:xfrm>
+            <a:off x="630195" y="452718"/>
+            <a:ext cx="9420639" cy="869455"/>
+          </a:xfrm>
+        </p:spPr>
+        <p:txBody>
+          <a:bodyPr/>
+          <a:lstStyle/>
+          <a:p>
+            <a:r>
+              <a:rPr lang="en-US" dirty="0" err="1" smtClean="0"/>
+              <a:t>Implementáció</a:t>
+            </a:r>
+            <a:endParaRPr lang="en-US" dirty="0"/>
+          </a:p>
+        </p:txBody>
+      </p:sp>
+      <p:sp>
+        <p:nvSpPr>
+          <p:cNvPr id="3" name="Tartalom helye 2"/>
+          <p:cNvSpPr>
+            <a:spLocks noGrp="1"/>
+          </p:cNvSpPr>
+          <p:nvPr>
+            <p:ph idx="1"/>
+          </p:nvPr>
+        </p:nvSpPr>
+        <p:spPr/>
+        <p:txBody>
+          <a:bodyPr/>
+          <a:lstStyle/>
+          <a:p>
+            <a:r>
+              <a:rPr lang="en-US" dirty="0" err="1" smtClean="0"/>
+              <a:t>Az</a:t>
+            </a:r>
+            <a:r>
+              <a:rPr lang="en-US" dirty="0" smtClean="0"/>
+              <a:t> </a:t>
+            </a:r>
+            <a:r>
+              <a:rPr lang="en-US" dirty="0" err="1" smtClean="0"/>
+              <a:t>algoritmus</a:t>
+            </a:r>
+            <a:r>
+              <a:rPr lang="en-US" dirty="0" smtClean="0"/>
+              <a:t> </a:t>
+            </a:r>
+            <a:r>
+              <a:rPr lang="en-US" dirty="0" err="1" smtClean="0"/>
+              <a:t>inputja</a:t>
+            </a:r>
+            <a:r>
+              <a:rPr lang="en-US" dirty="0" smtClean="0"/>
+              <a:t> </a:t>
+            </a:r>
+            <a:r>
+              <a:rPr lang="en-US" dirty="0" err="1" smtClean="0"/>
+              <a:t>egy</a:t>
+            </a:r>
+            <a:r>
+              <a:rPr lang="en-US" dirty="0" smtClean="0"/>
+              <a:t> </a:t>
+            </a:r>
+            <a:r>
+              <a:rPr lang="en-US" dirty="0" err="1" smtClean="0"/>
+              <a:t>függvény</a:t>
+            </a:r>
+            <a:r>
+              <a:rPr lang="en-US" dirty="0" smtClean="0"/>
+              <a:t>, </a:t>
+            </a:r>
+            <a:r>
+              <a:rPr lang="en-US" dirty="0" err="1" smtClean="0"/>
+              <a:t>és</a:t>
+            </a:r>
+            <a:r>
+              <a:rPr lang="en-US" dirty="0" smtClean="0"/>
+              <a:t> </a:t>
+            </a:r>
+            <a:r>
+              <a:rPr lang="en-US" dirty="0" err="1" smtClean="0"/>
+              <a:t>annak</a:t>
+            </a:r>
+            <a:r>
+              <a:rPr lang="en-US" dirty="0" smtClean="0"/>
+              <a:t> </a:t>
+            </a:r>
+            <a:r>
+              <a:rPr lang="en-US" dirty="0" err="1" smtClean="0"/>
+              <a:t>egy</a:t>
+            </a:r>
+            <a:r>
+              <a:rPr lang="en-US" dirty="0" smtClean="0"/>
+              <a:t> </a:t>
+            </a:r>
+            <a:r>
+              <a:rPr lang="en-US" dirty="0" err="1" smtClean="0"/>
+              <a:t>utasításában</a:t>
+            </a:r>
+            <a:r>
+              <a:rPr lang="en-US" dirty="0" smtClean="0"/>
+              <a:t> </a:t>
+            </a:r>
+            <a:r>
+              <a:rPr lang="en-US" dirty="0" err="1" smtClean="0"/>
+              <a:t>szereplő</a:t>
+            </a:r>
+            <a:r>
+              <a:rPr lang="en-US" dirty="0" smtClean="0"/>
+              <a:t> </a:t>
+            </a:r>
+            <a:r>
+              <a:rPr lang="en-US" dirty="0" err="1" smtClean="0"/>
+              <a:t>változó</a:t>
+            </a:r>
+            <a:r>
+              <a:rPr lang="en-US" dirty="0" smtClean="0"/>
+              <a:t> </a:t>
+            </a:r>
+            <a:r>
+              <a:rPr lang="en-US" dirty="0" err="1" smtClean="0"/>
+              <a:t>kódsor</a:t>
+            </a:r>
+            <a:r>
+              <a:rPr lang="en-US" dirty="0" smtClean="0"/>
+              <a:t> </a:t>
+            </a:r>
+            <a:r>
+              <a:rPr lang="en-US" dirty="0" err="1" smtClean="0"/>
+              <a:t>és</a:t>
+            </a:r>
+            <a:r>
+              <a:rPr lang="en-US" dirty="0" smtClean="0"/>
+              <a:t> </a:t>
+            </a:r>
+            <a:r>
+              <a:rPr lang="en-US" dirty="0" err="1" smtClean="0"/>
+              <a:t>oszlop</a:t>
+            </a:r>
+            <a:r>
+              <a:rPr lang="en-US" dirty="0" smtClean="0"/>
+              <a:t> </a:t>
+            </a:r>
+            <a:r>
+              <a:rPr lang="en-US" dirty="0" err="1" smtClean="0"/>
+              <a:t>formájában</a:t>
+            </a:r>
+            <a:endParaRPr lang="en-US" dirty="0" smtClean="0"/>
+          </a:p>
+          <a:p>
+            <a:r>
+              <a:rPr lang="en-US" dirty="0" err="1" smtClean="0"/>
+              <a:t>Outputja</a:t>
+            </a:r>
+            <a:r>
+              <a:rPr lang="en-US" dirty="0" smtClean="0"/>
+              <a:t> a </a:t>
+            </a:r>
+            <a:r>
+              <a:rPr lang="en-US" dirty="0" err="1" smtClean="0"/>
+              <a:t>függvény</a:t>
+            </a:r>
+            <a:r>
+              <a:rPr lang="en-US" dirty="0" smtClean="0"/>
+              <a:t> backward </a:t>
+            </a:r>
+            <a:r>
+              <a:rPr lang="en-US" dirty="0" err="1" smtClean="0"/>
+              <a:t>és</a:t>
+            </a:r>
+            <a:r>
+              <a:rPr lang="en-US" dirty="0" smtClean="0"/>
+              <a:t> forward slice-</a:t>
+            </a:r>
+            <a:r>
+              <a:rPr lang="en-US" dirty="0" err="1" smtClean="0"/>
+              <a:t>ja</a:t>
+            </a:r>
+            <a:r>
+              <a:rPr lang="en-US" dirty="0" smtClean="0"/>
+              <a:t> a </a:t>
+            </a:r>
+            <a:r>
+              <a:rPr lang="en-US" dirty="0" err="1" smtClean="0"/>
+              <a:t>változóra</a:t>
+            </a:r>
+            <a:r>
+              <a:rPr lang="en-US" dirty="0" smtClean="0"/>
+              <a:t> </a:t>
+            </a:r>
+            <a:r>
+              <a:rPr lang="en-US" dirty="0" err="1" smtClean="0"/>
+              <a:t>nézve</a:t>
+            </a:r>
+            <a:r>
+              <a:rPr lang="en-US" dirty="0" smtClean="0"/>
+              <a:t>.</a:t>
+            </a:r>
+          </a:p>
+          <a:p>
+            <a:r>
+              <a:rPr lang="en-US" dirty="0" err="1" smtClean="0"/>
+              <a:t>Az</a:t>
+            </a:r>
+            <a:r>
+              <a:rPr lang="en-US" dirty="0" smtClean="0"/>
+              <a:t> </a:t>
+            </a:r>
+            <a:r>
+              <a:rPr lang="en-US" dirty="0" err="1" smtClean="0"/>
+              <a:t>algoritmus</a:t>
+            </a:r>
+            <a:r>
+              <a:rPr lang="en-US" dirty="0" smtClean="0"/>
+              <a:t> 4 </a:t>
+            </a:r>
+            <a:r>
+              <a:rPr lang="en-US" dirty="0" err="1" smtClean="0"/>
+              <a:t>fő</a:t>
+            </a:r>
+            <a:r>
+              <a:rPr lang="en-US" dirty="0" smtClean="0"/>
+              <a:t> </a:t>
+            </a:r>
+            <a:r>
+              <a:rPr lang="en-US" dirty="0" err="1" smtClean="0"/>
+              <a:t>részből</a:t>
+            </a:r>
+            <a:r>
+              <a:rPr lang="en-US" dirty="0" smtClean="0"/>
+              <a:t> </a:t>
+            </a:r>
+            <a:r>
+              <a:rPr lang="en-US" dirty="0" err="1" smtClean="0"/>
+              <a:t>áll</a:t>
+            </a:r>
+            <a:r>
+              <a:rPr lang="en-US" dirty="0" smtClean="0"/>
+              <a:t>:</a:t>
+            </a:r>
+          </a:p>
+          <a:p>
+            <a:pPr lvl="1"/>
+            <a:r>
+              <a:rPr lang="en-US" dirty="0" smtClean="0"/>
+              <a:t>AST </a:t>
+            </a:r>
+            <a:r>
+              <a:rPr lang="en-US" dirty="0" err="1" smtClean="0"/>
+              <a:t>Matcherekkel</a:t>
+            </a:r>
+            <a:r>
+              <a:rPr lang="en-US" dirty="0" smtClean="0"/>
+              <a:t> </a:t>
+            </a:r>
+            <a:r>
+              <a:rPr lang="en-US" dirty="0" err="1" smtClean="0"/>
+              <a:t>kigyűjti</a:t>
+            </a:r>
+            <a:r>
+              <a:rPr lang="en-US" dirty="0" smtClean="0"/>
+              <a:t> </a:t>
+            </a:r>
+            <a:r>
+              <a:rPr lang="en-US" dirty="0" err="1" smtClean="0"/>
+              <a:t>az</a:t>
+            </a:r>
+            <a:r>
+              <a:rPr lang="en-US" dirty="0" smtClean="0"/>
+              <a:t> </a:t>
+            </a:r>
+            <a:r>
+              <a:rPr lang="en-US" dirty="0" err="1" smtClean="0"/>
+              <a:t>ASTből</a:t>
+            </a:r>
+            <a:r>
+              <a:rPr lang="en-US" dirty="0" smtClean="0"/>
+              <a:t> a </a:t>
+            </a:r>
+            <a:r>
+              <a:rPr lang="en-US" dirty="0" err="1" smtClean="0"/>
+              <a:t>számunkra</a:t>
+            </a:r>
+            <a:r>
+              <a:rPr lang="en-US" dirty="0" smtClean="0"/>
+              <a:t> </a:t>
+            </a:r>
+            <a:r>
+              <a:rPr lang="en-US" dirty="0" err="1" smtClean="0"/>
+              <a:t>fontos</a:t>
+            </a:r>
+            <a:r>
+              <a:rPr lang="en-US" dirty="0" smtClean="0"/>
+              <a:t> </a:t>
+            </a:r>
+            <a:r>
+              <a:rPr lang="en-US" dirty="0" err="1" smtClean="0"/>
+              <a:t>információt</a:t>
+            </a:r>
+            <a:endParaRPr lang="en-US" dirty="0" smtClean="0"/>
+          </a:p>
+          <a:p>
+            <a:pPr lvl="1"/>
+            <a:r>
+              <a:rPr lang="en-US" dirty="0" err="1" smtClean="0"/>
+              <a:t>Feldolgozza</a:t>
+            </a:r>
+            <a:r>
+              <a:rPr lang="en-US" dirty="0" smtClean="0"/>
+              <a:t> </a:t>
+            </a:r>
+            <a:r>
+              <a:rPr lang="en-US" dirty="0" err="1" smtClean="0"/>
+              <a:t>azokat</a:t>
+            </a:r>
+            <a:r>
+              <a:rPr lang="en-US" dirty="0" smtClean="0"/>
+              <a:t>, </a:t>
+            </a:r>
+            <a:r>
+              <a:rPr lang="en-US" dirty="0" err="1" smtClean="0"/>
+              <a:t>ezzel</a:t>
+            </a:r>
+            <a:r>
+              <a:rPr lang="en-US" dirty="0" smtClean="0"/>
+              <a:t> </a:t>
+            </a:r>
+            <a:r>
+              <a:rPr lang="en-US" dirty="0" err="1" smtClean="0"/>
+              <a:t>felépítve</a:t>
+            </a:r>
+            <a:r>
+              <a:rPr lang="en-US" dirty="0" smtClean="0"/>
+              <a:t> a </a:t>
+            </a:r>
+            <a:r>
+              <a:rPr lang="en-US" dirty="0" err="1" smtClean="0"/>
+              <a:t>Kontroll</a:t>
+            </a:r>
+            <a:r>
+              <a:rPr lang="en-US" dirty="0" smtClean="0"/>
+              <a:t> </a:t>
+            </a:r>
+            <a:r>
+              <a:rPr lang="en-US" dirty="0" err="1" smtClean="0"/>
+              <a:t>függőségi</a:t>
+            </a:r>
+            <a:r>
+              <a:rPr lang="en-US" dirty="0" smtClean="0"/>
+              <a:t> </a:t>
+            </a:r>
+            <a:r>
+              <a:rPr lang="en-US" dirty="0" err="1" smtClean="0"/>
+              <a:t>részgráfot</a:t>
+            </a:r>
+            <a:r>
+              <a:rPr lang="en-US" dirty="0" smtClean="0"/>
+              <a:t>, </a:t>
+            </a:r>
+            <a:r>
+              <a:rPr lang="en-US" dirty="0" err="1" smtClean="0"/>
+              <a:t>és</a:t>
+            </a:r>
+            <a:r>
+              <a:rPr lang="en-US" dirty="0" smtClean="0"/>
+              <a:t> </a:t>
+            </a:r>
+            <a:r>
+              <a:rPr lang="en-US" dirty="0" err="1" smtClean="0"/>
+              <a:t>meghatározva</a:t>
+            </a:r>
+            <a:r>
+              <a:rPr lang="en-US" dirty="0" smtClean="0"/>
+              <a:t> </a:t>
+            </a:r>
+            <a:r>
+              <a:rPr lang="en-US" dirty="0" err="1" smtClean="0"/>
+              <a:t>minden</a:t>
+            </a:r>
+            <a:r>
+              <a:rPr lang="en-US" dirty="0" smtClean="0"/>
+              <a:t> </a:t>
+            </a:r>
+            <a:r>
+              <a:rPr lang="en-US" dirty="0" err="1" smtClean="0"/>
+              <a:t>utasításra</a:t>
+            </a:r>
+            <a:r>
+              <a:rPr lang="en-US" dirty="0" smtClean="0"/>
+              <a:t> a define </a:t>
+            </a:r>
+            <a:r>
+              <a:rPr lang="en-US" dirty="0" err="1" smtClean="0"/>
+              <a:t>és</a:t>
+            </a:r>
+            <a:r>
+              <a:rPr lang="en-US" dirty="0" smtClean="0"/>
+              <a:t> uses </a:t>
+            </a:r>
+            <a:r>
+              <a:rPr lang="en-US" dirty="0" err="1" smtClean="0"/>
+              <a:t>halmazát</a:t>
+            </a:r>
+            <a:endParaRPr lang="en-US" dirty="0" smtClean="0"/>
+          </a:p>
+          <a:p>
+            <a:pPr lvl="1"/>
+            <a:r>
+              <a:rPr lang="en-US" dirty="0" err="1" smtClean="0"/>
+              <a:t>Ebbe</a:t>
+            </a:r>
+            <a:r>
+              <a:rPr lang="en-US" dirty="0" smtClean="0"/>
+              <a:t> </a:t>
+            </a:r>
+            <a:r>
+              <a:rPr lang="en-US" dirty="0" err="1" smtClean="0"/>
+              <a:t>belehúzza</a:t>
+            </a:r>
+            <a:r>
+              <a:rPr lang="en-US" dirty="0" smtClean="0"/>
+              <a:t> </a:t>
+            </a:r>
+            <a:r>
+              <a:rPr lang="en-US" dirty="0" err="1" smtClean="0"/>
+              <a:t>az</a:t>
+            </a:r>
+            <a:r>
+              <a:rPr lang="en-US" dirty="0" smtClean="0"/>
+              <a:t> </a:t>
+            </a:r>
+            <a:r>
+              <a:rPr lang="en-US" dirty="0" err="1" smtClean="0"/>
+              <a:t>adatfüggőségi</a:t>
+            </a:r>
+            <a:r>
+              <a:rPr lang="en-US" dirty="0" smtClean="0"/>
+              <a:t> </a:t>
+            </a:r>
+            <a:r>
+              <a:rPr lang="en-US" dirty="0" err="1" smtClean="0"/>
+              <a:t>éleket</a:t>
+            </a:r>
+            <a:endParaRPr lang="en-US" dirty="0" smtClean="0"/>
+          </a:p>
+          <a:p>
+            <a:pPr lvl="1"/>
+            <a:r>
+              <a:rPr lang="en-US" dirty="0" smtClean="0"/>
+              <a:t>A slicing </a:t>
+            </a:r>
+            <a:r>
+              <a:rPr lang="en-US" dirty="0" err="1" smtClean="0"/>
+              <a:t>kritériumból</a:t>
+            </a:r>
+            <a:r>
+              <a:rPr lang="en-US" dirty="0" smtClean="0"/>
+              <a:t> </a:t>
+            </a:r>
+            <a:r>
+              <a:rPr lang="en-US" dirty="0" err="1" smtClean="0"/>
+              <a:t>kiindulva</a:t>
+            </a:r>
+            <a:r>
+              <a:rPr lang="en-US" dirty="0" smtClean="0"/>
+              <a:t> </a:t>
+            </a:r>
+            <a:r>
+              <a:rPr lang="en-US" dirty="0" err="1"/>
+              <a:t>s</a:t>
+            </a:r>
+            <a:r>
+              <a:rPr lang="en-US" dirty="0" err="1" smtClean="0"/>
+              <a:t>zélességi</a:t>
+            </a:r>
+            <a:r>
+              <a:rPr lang="en-US" dirty="0" smtClean="0"/>
+              <a:t> </a:t>
+            </a:r>
+            <a:r>
+              <a:rPr lang="en-US" dirty="0" err="1" smtClean="0"/>
+              <a:t>bejárással</a:t>
+            </a:r>
+            <a:r>
+              <a:rPr lang="en-US" dirty="0" smtClean="0"/>
+              <a:t> </a:t>
+            </a:r>
+            <a:r>
+              <a:rPr lang="en-US" dirty="0" err="1" smtClean="0"/>
+              <a:t>meghatározza</a:t>
+            </a:r>
+            <a:r>
+              <a:rPr lang="en-US" dirty="0" smtClean="0"/>
+              <a:t> a forward </a:t>
+            </a:r>
+            <a:r>
+              <a:rPr lang="en-US" dirty="0" err="1" smtClean="0"/>
+              <a:t>és</a:t>
+            </a:r>
+            <a:r>
+              <a:rPr lang="en-US" dirty="0" smtClean="0"/>
+              <a:t> backward </a:t>
+            </a:r>
+            <a:r>
+              <a:rPr lang="en-US" dirty="0" err="1" smtClean="0"/>
+              <a:t>sliceot</a:t>
+            </a:r>
+            <a:r>
+              <a:rPr lang="en-US" dirty="0" smtClean="0"/>
+              <a:t>.</a:t>
+            </a:r>
+            <a:endParaRPr lang="en-US" dirty="0"/>
+          </a:p>
+        </p:txBody>
+      </p:sp>
+    </p:spTree>
+    <p:extLst>
+      <p:ext uri="{BB962C8B-B14F-4D97-AF65-F5344CB8AC3E}">
+        <p14:creationId xmlns:p14="http://schemas.microsoft.com/office/powerpoint/2010/main" val="698595934"/>
+      </p:ext>
+    </p:extLst>
+  </p:cSld>
+  <p:clrMapOvr>
+    <a:masterClrMapping/>
+  </p:clrMapOvr>
+  <p:timing>
+    <p:tnLst>
+      <p:par>
+        <p:cTn id="1" dur="indefinite" restart="never" nodeType="tmRoot"/>
+      </p:par>
+    </p:tnLst>
+  </p:timing>
+</p:sld>
+</file>
+
+<file path=ppt/slides/slide26.xml><?xml version="1.0" encoding="utf-8"?>
+<p:sld xmlns:a="http://schemas.openxmlformats.org/drawingml/2006/main" xmlns:r="http://schemas.openxmlformats.org/officeDocument/2006/relationships" xmlns:p="http://schemas.openxmlformats.org/presentationml/2006/main">
+  <p:cSld>
+    <p:spTree>
+      <p:nvGrpSpPr>
+        <p:cNvPr id="1" name=""/>
+        <p:cNvGrpSpPr/>
+        <p:nvPr/>
+      </p:nvGrpSpPr>
+      <p:grpSpPr>
+        <a:xfrm>
+          <a:off x="0" y="0"/>
+          <a:ext cx="0" cy="0"/>
+          <a:chOff x="0" y="0"/>
+          <a:chExt cx="0" cy="0"/>
+        </a:xfrm>
+      </p:grpSpPr>
+      <p:sp>
+        <p:nvSpPr>
+          <p:cNvPr id="3" name="Tartalom helye 2"/>
+          <p:cNvSpPr>
+            <a:spLocks noGrp="1"/>
+          </p:cNvSpPr>
+          <p:nvPr>
+            <p:ph idx="1"/>
+          </p:nvPr>
+        </p:nvSpPr>
+        <p:spPr>
+          <a:xfrm>
+            <a:off x="518984" y="321276"/>
+            <a:ext cx="9530869" cy="5927123"/>
+          </a:xfrm>
+        </p:spPr>
+        <p:txBody>
+          <a:bodyPr/>
+          <a:lstStyle/>
+          <a:p>
+            <a:r>
+              <a:rPr lang="en-US" dirty="0" err="1" smtClean="0"/>
+              <a:t>Az</a:t>
+            </a:r>
+            <a:r>
+              <a:rPr lang="en-US" dirty="0" smtClean="0"/>
+              <a:t> </a:t>
+            </a:r>
+            <a:r>
+              <a:rPr lang="en-US" dirty="0" err="1" smtClean="0"/>
+              <a:t>utasításokat</a:t>
+            </a:r>
+            <a:r>
+              <a:rPr lang="en-US" dirty="0" smtClean="0"/>
+              <a:t> </a:t>
+            </a:r>
+            <a:r>
+              <a:rPr lang="en-US" dirty="0" err="1" smtClean="0"/>
+              <a:t>négy</a:t>
+            </a:r>
+            <a:r>
+              <a:rPr lang="en-US" dirty="0" smtClean="0"/>
+              <a:t> </a:t>
+            </a:r>
+            <a:r>
+              <a:rPr lang="en-US" dirty="0" err="1" smtClean="0"/>
+              <a:t>osztályba</a:t>
+            </a:r>
+            <a:r>
+              <a:rPr lang="en-US" dirty="0" smtClean="0"/>
+              <a:t> </a:t>
+            </a:r>
+            <a:r>
+              <a:rPr lang="en-US" dirty="0" err="1" smtClean="0"/>
+              <a:t>soroltam</a:t>
+            </a:r>
+            <a:r>
+              <a:rPr lang="en-US" dirty="0" smtClean="0"/>
+              <a:t>: Assign, Compound, Branch </a:t>
+            </a:r>
+            <a:r>
+              <a:rPr lang="en-US" dirty="0" err="1" smtClean="0"/>
+              <a:t>és</a:t>
+            </a:r>
+            <a:r>
+              <a:rPr lang="en-US" dirty="0" smtClean="0"/>
+              <a:t> Loop</a:t>
+            </a:r>
+          </a:p>
+          <a:p>
+            <a:r>
+              <a:rPr lang="en-US" dirty="0" smtClean="0"/>
+              <a:t>A </a:t>
+            </a:r>
+            <a:r>
+              <a:rPr lang="en-US" dirty="0" err="1" smtClean="0"/>
+              <a:t>kontroll</a:t>
+            </a:r>
+            <a:r>
+              <a:rPr lang="en-US" dirty="0" smtClean="0"/>
+              <a:t> </a:t>
+            </a:r>
+            <a:r>
+              <a:rPr lang="en-US" dirty="0" err="1" smtClean="0"/>
+              <a:t>függőségek</a:t>
+            </a:r>
+            <a:r>
+              <a:rPr lang="en-US" dirty="0" smtClean="0"/>
+              <a:t> </a:t>
+            </a:r>
+            <a:r>
+              <a:rPr lang="en-US" dirty="0" err="1" smtClean="0"/>
+              <a:t>az</a:t>
+            </a:r>
+            <a:r>
+              <a:rPr lang="en-US" dirty="0" smtClean="0"/>
+              <a:t> </a:t>
+            </a:r>
+            <a:r>
+              <a:rPr lang="en-US" dirty="0" err="1" smtClean="0"/>
+              <a:t>ASTből</a:t>
+            </a:r>
+            <a:r>
+              <a:rPr lang="en-US" dirty="0" smtClean="0"/>
+              <a:t> </a:t>
+            </a:r>
+            <a:r>
+              <a:rPr lang="en-US" dirty="0" err="1" smtClean="0"/>
+              <a:t>egyértelműen</a:t>
+            </a:r>
+            <a:r>
+              <a:rPr lang="en-US" dirty="0" smtClean="0"/>
+              <a:t> </a:t>
+            </a:r>
+            <a:r>
+              <a:rPr lang="en-US" dirty="0" err="1" smtClean="0"/>
+              <a:t>kiolvashatóak</a:t>
+            </a:r>
+            <a:endParaRPr lang="en-US" dirty="0" smtClean="0"/>
+          </a:p>
+          <a:p>
+            <a:r>
+              <a:rPr lang="en-US" dirty="0" smtClean="0"/>
+              <a:t>Minden </a:t>
+            </a:r>
+            <a:r>
+              <a:rPr lang="en-US" dirty="0" err="1" smtClean="0"/>
+              <a:t>utasításhoz</a:t>
+            </a:r>
+            <a:r>
+              <a:rPr lang="en-US" dirty="0" smtClean="0"/>
+              <a:t> a </a:t>
+            </a:r>
+            <a:r>
+              <a:rPr lang="en-US" dirty="0" err="1" smtClean="0"/>
+              <a:t>következő</a:t>
+            </a:r>
+            <a:r>
+              <a:rPr lang="en-US" dirty="0" smtClean="0"/>
+              <a:t> </a:t>
+            </a:r>
+            <a:r>
+              <a:rPr lang="en-US" dirty="0" err="1" smtClean="0"/>
+              <a:t>négy</a:t>
+            </a:r>
+            <a:r>
+              <a:rPr lang="en-US" dirty="0" smtClean="0"/>
+              <a:t> </a:t>
+            </a:r>
+            <a:r>
+              <a:rPr lang="en-US" dirty="0" err="1" smtClean="0"/>
+              <a:t>halmazt</a:t>
+            </a:r>
+            <a:r>
+              <a:rPr lang="en-US" dirty="0" smtClean="0"/>
+              <a:t> </a:t>
+            </a:r>
+            <a:r>
+              <a:rPr lang="en-US" dirty="0" err="1" smtClean="0"/>
+              <a:t>határoztam</a:t>
+            </a:r>
+            <a:r>
+              <a:rPr lang="en-US" dirty="0" smtClean="0"/>
+              <a:t> meg:</a:t>
+            </a:r>
+          </a:p>
+          <a:p>
+            <a:pPr lvl="1"/>
+            <a:r>
+              <a:rPr lang="en-US" dirty="0" smtClean="0"/>
+              <a:t>A </a:t>
+            </a:r>
+            <a:r>
+              <a:rPr lang="en-US" dirty="0" err="1" smtClean="0"/>
+              <a:t>tőle</a:t>
+            </a:r>
+            <a:r>
+              <a:rPr lang="en-US" dirty="0" smtClean="0"/>
+              <a:t> </a:t>
+            </a:r>
+            <a:r>
+              <a:rPr lang="en-US" dirty="0" err="1" smtClean="0"/>
+              <a:t>kontroll</a:t>
+            </a:r>
+            <a:r>
+              <a:rPr lang="en-US" dirty="0" smtClean="0"/>
+              <a:t> </a:t>
+            </a:r>
+            <a:r>
+              <a:rPr lang="en-US" dirty="0" err="1" smtClean="0"/>
+              <a:t>függő</a:t>
+            </a:r>
+            <a:r>
+              <a:rPr lang="en-US" dirty="0" smtClean="0"/>
+              <a:t> </a:t>
+            </a:r>
+            <a:r>
+              <a:rPr lang="en-US" dirty="0" err="1" smtClean="0"/>
+              <a:t>utasításokat</a:t>
+            </a:r>
+            <a:endParaRPr lang="en-US" dirty="0" smtClean="0"/>
+          </a:p>
+          <a:p>
+            <a:pPr lvl="1"/>
+            <a:r>
+              <a:rPr lang="en-US" dirty="0" smtClean="0"/>
+              <a:t>A </a:t>
+            </a:r>
+            <a:r>
+              <a:rPr lang="en-US" dirty="0" err="1" smtClean="0"/>
+              <a:t>tőle</a:t>
+            </a:r>
+            <a:r>
+              <a:rPr lang="en-US" dirty="0" smtClean="0"/>
+              <a:t> </a:t>
+            </a:r>
+            <a:r>
+              <a:rPr lang="en-US" dirty="0" err="1" smtClean="0"/>
+              <a:t>adatfüggő</a:t>
+            </a:r>
+            <a:r>
+              <a:rPr lang="en-US" dirty="0" smtClean="0"/>
+              <a:t> </a:t>
+            </a:r>
+            <a:r>
+              <a:rPr lang="en-US" dirty="0" err="1" smtClean="0"/>
+              <a:t>utasításokat</a:t>
+            </a:r>
+            <a:endParaRPr lang="en-US" dirty="0" smtClean="0"/>
+          </a:p>
+          <a:p>
+            <a:pPr lvl="1"/>
+            <a:r>
+              <a:rPr lang="en-US" dirty="0" err="1" smtClean="0"/>
+              <a:t>Azokat</a:t>
+            </a:r>
+            <a:r>
+              <a:rPr lang="en-US" dirty="0" smtClean="0"/>
+              <a:t> a </a:t>
+            </a:r>
+            <a:r>
+              <a:rPr lang="en-US" dirty="0" err="1" smtClean="0"/>
+              <a:t>változókat</a:t>
+            </a:r>
+            <a:r>
+              <a:rPr lang="en-US" dirty="0" smtClean="0"/>
+              <a:t>, </a:t>
+            </a:r>
+            <a:r>
+              <a:rPr lang="en-US" dirty="0" err="1" smtClean="0"/>
+              <a:t>amiket</a:t>
+            </a:r>
+            <a:r>
+              <a:rPr lang="en-US" dirty="0" smtClean="0"/>
+              <a:t> </a:t>
+            </a:r>
+            <a:r>
+              <a:rPr lang="en-US" dirty="0" err="1" smtClean="0"/>
+              <a:t>az</a:t>
+            </a:r>
+            <a:r>
+              <a:rPr lang="en-US" dirty="0" smtClean="0"/>
+              <a:t> </a:t>
+            </a:r>
+            <a:r>
+              <a:rPr lang="en-US" dirty="0" err="1" smtClean="0"/>
+              <a:t>utasítás</a:t>
+            </a:r>
+            <a:r>
+              <a:rPr lang="en-US" dirty="0" smtClean="0"/>
+              <a:t> </a:t>
+            </a:r>
+            <a:r>
+              <a:rPr lang="en-US" dirty="0" err="1" smtClean="0"/>
+              <a:t>definiál</a:t>
+            </a:r>
+            <a:endParaRPr lang="en-US" dirty="0" smtClean="0"/>
+          </a:p>
+          <a:p>
+            <a:pPr lvl="1"/>
+            <a:r>
+              <a:rPr lang="en-US" dirty="0" err="1" smtClean="0"/>
+              <a:t>Azokat</a:t>
+            </a:r>
+            <a:r>
+              <a:rPr lang="en-US" dirty="0"/>
+              <a:t> </a:t>
+            </a:r>
+            <a:r>
+              <a:rPr lang="en-US" dirty="0" smtClean="0"/>
+              <a:t>a </a:t>
+            </a:r>
+            <a:r>
+              <a:rPr lang="en-US" dirty="0" err="1" smtClean="0"/>
+              <a:t>változókat</a:t>
+            </a:r>
+            <a:r>
+              <a:rPr lang="en-US" dirty="0" smtClean="0"/>
+              <a:t>, </a:t>
+            </a:r>
+            <a:r>
+              <a:rPr lang="en-US" dirty="0" err="1" smtClean="0"/>
+              <a:t>amiket</a:t>
+            </a:r>
+            <a:r>
+              <a:rPr lang="en-US" dirty="0" smtClean="0"/>
+              <a:t> </a:t>
+            </a:r>
+            <a:r>
+              <a:rPr lang="en-US" dirty="0" err="1" smtClean="0"/>
+              <a:t>az</a:t>
+            </a:r>
+            <a:r>
+              <a:rPr lang="en-US" dirty="0" smtClean="0"/>
+              <a:t> </a:t>
+            </a:r>
+            <a:r>
+              <a:rPr lang="en-US" dirty="0" err="1" smtClean="0"/>
+              <a:t>utasítás</a:t>
+            </a:r>
+            <a:r>
+              <a:rPr lang="en-US" dirty="0" smtClean="0"/>
+              <a:t> </a:t>
+            </a:r>
+            <a:r>
+              <a:rPr lang="en-US" dirty="0" err="1" smtClean="0"/>
+              <a:t>használ</a:t>
+            </a:r>
+            <a:r>
+              <a:rPr lang="en-US" dirty="0" smtClean="0"/>
+              <a:t>.</a:t>
+            </a:r>
+          </a:p>
+          <a:p>
+            <a:r>
+              <a:rPr lang="en-US" dirty="0" err="1" smtClean="0"/>
+              <a:t>Kihagyva</a:t>
+            </a:r>
+            <a:r>
+              <a:rPr lang="en-US" dirty="0" smtClean="0"/>
+              <a:t> </a:t>
+            </a:r>
+            <a:r>
+              <a:rPr lang="en-US" dirty="0" err="1" smtClean="0"/>
+              <a:t>az</a:t>
+            </a:r>
+            <a:r>
+              <a:rPr lang="en-US" dirty="0" smtClean="0"/>
+              <a:t> </a:t>
+            </a:r>
+            <a:r>
+              <a:rPr lang="en-US" dirty="0" err="1" smtClean="0"/>
+              <a:t>ugró</a:t>
+            </a:r>
+            <a:r>
+              <a:rPr lang="en-US" dirty="0" smtClean="0"/>
+              <a:t> </a:t>
+            </a:r>
+            <a:r>
+              <a:rPr lang="en-US" dirty="0" err="1" smtClean="0"/>
+              <a:t>utasításokat</a:t>
+            </a:r>
+            <a:r>
+              <a:rPr lang="en-US" dirty="0" smtClean="0"/>
+              <a:t>, a </a:t>
+            </a:r>
+            <a:r>
+              <a:rPr lang="en-US" dirty="0" err="1" smtClean="0"/>
+              <a:t>kontroll</a:t>
+            </a:r>
+            <a:r>
+              <a:rPr lang="en-US" dirty="0" smtClean="0"/>
+              <a:t> </a:t>
+            </a:r>
+            <a:r>
+              <a:rPr lang="en-US" dirty="0" err="1" smtClean="0"/>
+              <a:t>függőségi</a:t>
+            </a:r>
+            <a:r>
+              <a:rPr lang="en-US" dirty="0" smtClean="0"/>
+              <a:t> </a:t>
+            </a:r>
+            <a:r>
+              <a:rPr lang="en-US" dirty="0" err="1" smtClean="0"/>
+              <a:t>gráf</a:t>
+            </a:r>
+            <a:r>
+              <a:rPr lang="en-US" dirty="0" smtClean="0"/>
+              <a:t> </a:t>
+            </a:r>
+            <a:r>
+              <a:rPr lang="en-US" dirty="0" err="1" smtClean="0"/>
+              <a:t>egy</a:t>
+            </a:r>
+            <a:r>
+              <a:rPr lang="en-US" dirty="0" smtClean="0"/>
+              <a:t> </a:t>
+            </a:r>
+            <a:r>
+              <a:rPr lang="en-US" dirty="0" err="1" smtClean="0"/>
+              <a:t>fa</a:t>
+            </a:r>
+            <a:r>
+              <a:rPr lang="en-US" dirty="0" smtClean="0"/>
+              <a:t> </a:t>
+            </a:r>
+            <a:r>
+              <a:rPr lang="en-US" dirty="0" err="1" smtClean="0"/>
+              <a:t>lesz</a:t>
+            </a:r>
+            <a:endParaRPr lang="en-US" dirty="0" smtClean="0"/>
+          </a:p>
+          <a:p>
+            <a:r>
+              <a:rPr lang="en-US" dirty="0" smtClean="0"/>
+              <a:t>A </a:t>
+            </a:r>
+            <a:r>
+              <a:rPr lang="en-US" dirty="0" err="1" smtClean="0"/>
+              <a:t>kontroll</a:t>
+            </a:r>
+            <a:r>
+              <a:rPr lang="en-US" dirty="0" smtClean="0"/>
+              <a:t> </a:t>
+            </a:r>
+            <a:r>
+              <a:rPr lang="en-US" dirty="0" err="1" smtClean="0"/>
+              <a:t>függőségi</a:t>
+            </a:r>
+            <a:r>
+              <a:rPr lang="en-US" dirty="0" smtClean="0"/>
+              <a:t> </a:t>
+            </a:r>
+            <a:r>
+              <a:rPr lang="en-US" dirty="0" err="1" smtClean="0"/>
+              <a:t>gráf</a:t>
+            </a:r>
+            <a:r>
+              <a:rPr lang="en-US" dirty="0" smtClean="0"/>
+              <a:t> </a:t>
+            </a:r>
+            <a:r>
+              <a:rPr lang="en-US" dirty="0" err="1" smtClean="0"/>
+              <a:t>nagyban</a:t>
+            </a:r>
+            <a:r>
+              <a:rPr lang="en-US" dirty="0" smtClean="0"/>
+              <a:t> </a:t>
+            </a:r>
+            <a:r>
+              <a:rPr lang="en-US" dirty="0" err="1" smtClean="0"/>
+              <a:t>hasonlít</a:t>
+            </a:r>
+            <a:r>
+              <a:rPr lang="en-US" dirty="0" smtClean="0"/>
+              <a:t> </a:t>
+            </a:r>
+            <a:r>
+              <a:rPr lang="en-US" dirty="0" err="1" smtClean="0"/>
+              <a:t>az</a:t>
+            </a:r>
+            <a:r>
+              <a:rPr lang="en-US" dirty="0" smtClean="0"/>
+              <a:t> </a:t>
+            </a:r>
+            <a:r>
+              <a:rPr lang="en-US" dirty="0" err="1" smtClean="0"/>
+              <a:t>ASTre</a:t>
+            </a:r>
+            <a:endParaRPr lang="en-US" dirty="0"/>
+          </a:p>
+        </p:txBody>
+      </p:sp>
+    </p:spTree>
+    <p:extLst>
+      <p:ext uri="{BB962C8B-B14F-4D97-AF65-F5344CB8AC3E}">
+        <p14:creationId xmlns:p14="http://schemas.microsoft.com/office/powerpoint/2010/main" val="3426108852"/>
+      </p:ext>
+    </p:extLst>
+  </p:cSld>
+  <p:clrMapOvr>
+    <a:masterClrMapping/>
+  </p:clrMapOvr>
+  <p:timing>
+    <p:tnLst>
+      <p:par>
+        <p:cTn id="1" dur="indefinite" restart="never" nodeType="tmRoot"/>
+      </p:par>
+    </p:tnLst>
+  </p:timing>
+</p:sld>
+</file>
+
+<file path=ppt/slides/slide27.xml><?xml version="1.0" encoding="utf-8"?>
+<p:sld xmlns:a="http://schemas.openxmlformats.org/drawingml/2006/main" xmlns:r="http://schemas.openxmlformats.org/officeDocument/2006/relationships" xmlns:p="http://schemas.openxmlformats.org/presentationml/2006/main">
+  <p:cSld>
+    <p:spTree>
+      <p:nvGrpSpPr>
+        <p:cNvPr id="1" name=""/>
+        <p:cNvGrpSpPr/>
+        <p:nvPr/>
+      </p:nvGrpSpPr>
+      <p:grpSpPr>
+        <a:xfrm>
+          <a:off x="0" y="0"/>
+          <a:ext cx="0" cy="0"/>
+          <a:chOff x="0" y="0"/>
+          <a:chExt cx="0" cy="0"/>
+        </a:xfrm>
+      </p:grpSpPr>
+      <p:sp>
+        <p:nvSpPr>
+          <p:cNvPr id="3" name="Tartalom helye 2"/>
+          <p:cNvSpPr>
+            <a:spLocks noGrp="1"/>
+          </p:cNvSpPr>
+          <p:nvPr>
+            <p:ph idx="1"/>
+          </p:nvPr>
+        </p:nvSpPr>
+        <p:spPr>
+          <a:xfrm>
+            <a:off x="654909" y="247136"/>
+            <a:ext cx="4176583" cy="5758248"/>
+          </a:xfrm>
+        </p:spPr>
+        <p:txBody>
+          <a:bodyPr/>
+          <a:lstStyle/>
+          <a:p>
+            <a:r>
+              <a:rPr lang="en-US" dirty="0" err="1" smtClean="0"/>
+              <a:t>Az</a:t>
+            </a:r>
+            <a:r>
+              <a:rPr lang="en-US" dirty="0" smtClean="0"/>
+              <a:t> </a:t>
+            </a:r>
+            <a:r>
+              <a:rPr lang="en-US" dirty="0" err="1" smtClean="0"/>
+              <a:t>adatfüggőségek</a:t>
+            </a:r>
+            <a:r>
+              <a:rPr lang="en-US" dirty="0" smtClean="0"/>
+              <a:t> </a:t>
+            </a:r>
+            <a:r>
+              <a:rPr lang="en-US" dirty="0" err="1" smtClean="0"/>
+              <a:t>meghatározásához</a:t>
+            </a:r>
+            <a:r>
+              <a:rPr lang="en-US" dirty="0" smtClean="0"/>
+              <a:t> </a:t>
+            </a:r>
+            <a:r>
+              <a:rPr lang="en-US" dirty="0" err="1" smtClean="0"/>
+              <a:t>speciális</a:t>
+            </a:r>
+            <a:r>
+              <a:rPr lang="en-US" dirty="0" smtClean="0"/>
+              <a:t> </a:t>
+            </a:r>
+            <a:r>
+              <a:rPr lang="en-US" dirty="0" err="1" smtClean="0"/>
+              <a:t>algoritmust</a:t>
+            </a:r>
+            <a:r>
+              <a:rPr lang="en-US" dirty="0" smtClean="0"/>
+              <a:t> </a:t>
+            </a:r>
+            <a:r>
+              <a:rPr lang="en-US" dirty="0" err="1" smtClean="0"/>
+              <a:t>kellett</a:t>
+            </a:r>
+            <a:r>
+              <a:rPr lang="en-US" dirty="0" smtClean="0"/>
+              <a:t> </a:t>
+            </a:r>
+            <a:r>
+              <a:rPr lang="en-US" dirty="0" err="1" smtClean="0"/>
+              <a:t>készíteni</a:t>
+            </a:r>
+            <a:r>
+              <a:rPr lang="en-US" dirty="0" smtClean="0"/>
+              <a:t>, </a:t>
+            </a:r>
+            <a:r>
+              <a:rPr lang="en-US" dirty="0" err="1" smtClean="0"/>
+              <a:t>ami</a:t>
+            </a:r>
+            <a:r>
+              <a:rPr lang="en-US" dirty="0" smtClean="0"/>
+              <a:t> </a:t>
+            </a:r>
+            <a:r>
+              <a:rPr lang="en-US" dirty="0" err="1" smtClean="0"/>
+              <a:t>egy</a:t>
+            </a:r>
+            <a:r>
+              <a:rPr lang="en-US" dirty="0" smtClean="0"/>
+              <a:t> </a:t>
+            </a:r>
+            <a:r>
+              <a:rPr lang="en-US" dirty="0" err="1" smtClean="0"/>
+              <a:t>speciális</a:t>
+            </a:r>
+            <a:r>
+              <a:rPr lang="en-US" dirty="0" smtClean="0"/>
+              <a:t> </a:t>
+            </a:r>
+            <a:r>
+              <a:rPr lang="en-US" dirty="0" err="1" smtClean="0"/>
+              <a:t>rekurzív</a:t>
+            </a:r>
+            <a:r>
+              <a:rPr lang="en-US" dirty="0" smtClean="0"/>
+              <a:t> </a:t>
+            </a:r>
+            <a:r>
+              <a:rPr lang="en-US" dirty="0" err="1" smtClean="0"/>
+              <a:t>mélységi</a:t>
+            </a:r>
+            <a:r>
+              <a:rPr lang="en-US" dirty="0" smtClean="0"/>
+              <a:t> </a:t>
+            </a:r>
+            <a:r>
+              <a:rPr lang="en-US" dirty="0" err="1" smtClean="0"/>
+              <a:t>bejárás</a:t>
+            </a:r>
+            <a:r>
+              <a:rPr lang="en-US" dirty="0" smtClean="0"/>
+              <a:t>.</a:t>
+            </a:r>
+          </a:p>
+          <a:p>
+            <a:endParaRPr lang="en-US" dirty="0"/>
+          </a:p>
+        </p:txBody>
+      </p:sp>
+      <p:pic>
+        <p:nvPicPr>
+          <p:cNvPr id="4" name="Kép 3"/>
+          <p:cNvPicPr>
+            <a:picLocks noChangeAspect="1"/>
+          </p:cNvPicPr>
+          <p:nvPr/>
+        </p:nvPicPr>
+        <p:blipFill>
+          <a:blip r:embed="rId2">
+            <a:extLst>
+              <a:ext uri="{28A0092B-C50C-407E-A947-70E740481C1C}">
+                <a14:useLocalDpi xmlns:a14="http://schemas.microsoft.com/office/drawing/2010/main" val="0"/>
+              </a:ext>
+            </a:extLst>
+          </a:blip>
+          <a:stretch>
+            <a:fillRect/>
+          </a:stretch>
+        </p:blipFill>
+        <p:spPr>
+          <a:xfrm>
+            <a:off x="5517530" y="49151"/>
+            <a:ext cx="3675898" cy="6808849"/>
+          </a:xfrm>
+          <a:prstGeom prst="rect">
+            <a:avLst/>
+          </a:prstGeom>
+        </p:spPr>
+      </p:pic>
+    </p:spTree>
+    <p:extLst>
+      <p:ext uri="{BB962C8B-B14F-4D97-AF65-F5344CB8AC3E}">
+        <p14:creationId xmlns:p14="http://schemas.microsoft.com/office/powerpoint/2010/main" val="4064415691"/>
+      </p:ext>
+    </p:extLst>
+  </p:cSld>
+  <p:clrMapOvr>
+    <a:masterClrMapping/>
+  </p:clrMapOvr>
+  <p:timing>
+    <p:tnLst>
+      <p:par>
+        <p:cTn id="1" dur="indefinite" restart="never" nodeType="tmRoot"/>
+      </p:par>
+    </p:tnLst>
+  </p:timing>
+</p:sld>
+</file>
+
+<file path=ppt/slides/slide28.xml><?xml version="1.0" encoding="utf-8"?>
+<p:sld xmlns:a="http://schemas.openxmlformats.org/drawingml/2006/main" xmlns:r="http://schemas.openxmlformats.org/officeDocument/2006/relationships" xmlns:p="http://schemas.openxmlformats.org/presentationml/2006/main">
+  <p:cSld>
+    <p:spTree>
+      <p:nvGrpSpPr>
+        <p:cNvPr id="1" name=""/>
+        <p:cNvGrpSpPr/>
+        <p:nvPr/>
+      </p:nvGrpSpPr>
+      <p:grpSpPr>
+        <a:xfrm>
+          <a:off x="0" y="0"/>
+          <a:ext cx="0" cy="0"/>
+          <a:chOff x="0" y="0"/>
+          <a:chExt cx="0" cy="0"/>
+        </a:xfrm>
+      </p:grpSpPr>
+      <p:sp>
+        <p:nvSpPr>
+          <p:cNvPr id="3" name="Tartalom helye 2"/>
+          <p:cNvSpPr>
+            <a:spLocks noGrp="1"/>
+          </p:cNvSpPr>
+          <p:nvPr>
+            <p:ph idx="1"/>
+          </p:nvPr>
+        </p:nvSpPr>
+        <p:spPr>
+          <a:xfrm>
+            <a:off x="444843" y="397113"/>
+            <a:ext cx="3694671" cy="3235773"/>
+          </a:xfrm>
+        </p:spPr>
+        <p:txBody>
+          <a:bodyPr>
+            <a:normAutofit/>
+          </a:bodyPr>
+          <a:lstStyle/>
+          <a:p>
+            <a:r>
+              <a:rPr lang="en-US" dirty="0" err="1" smtClean="0"/>
+              <a:t>Az</a:t>
+            </a:r>
+            <a:r>
+              <a:rPr lang="en-US" dirty="0" smtClean="0"/>
+              <a:t> </a:t>
+            </a:r>
+            <a:r>
+              <a:rPr lang="en-US" dirty="0" err="1" smtClean="0"/>
+              <a:t>algoritmus</a:t>
+            </a:r>
+            <a:r>
+              <a:rPr lang="en-US" dirty="0" smtClean="0"/>
+              <a:t> </a:t>
+            </a:r>
+            <a:r>
+              <a:rPr lang="en-US" dirty="0" err="1" smtClean="0"/>
+              <a:t>rögzíti</a:t>
+            </a:r>
+            <a:r>
+              <a:rPr lang="en-US" dirty="0" smtClean="0"/>
+              <a:t> </a:t>
+            </a:r>
+            <a:r>
+              <a:rPr lang="en-US" dirty="0" err="1" smtClean="0"/>
+              <a:t>egy</a:t>
+            </a:r>
+            <a:r>
+              <a:rPr lang="en-US" dirty="0" smtClean="0"/>
+              <a:t> </a:t>
+            </a:r>
+            <a:r>
+              <a:rPr lang="en-US" dirty="0" err="1" smtClean="0"/>
+              <a:t>listában</a:t>
+            </a:r>
+            <a:r>
+              <a:rPr lang="en-US" dirty="0"/>
+              <a:t> </a:t>
+            </a:r>
+            <a:r>
+              <a:rPr lang="en-US" dirty="0" smtClean="0"/>
+              <a:t>a </a:t>
+            </a:r>
+            <a:r>
+              <a:rPr lang="en-US" dirty="0" err="1" smtClean="0"/>
+              <a:t>ciklusfeltételeket</a:t>
+            </a:r>
+            <a:endParaRPr lang="en-US" dirty="0"/>
+          </a:p>
+          <a:p>
+            <a:r>
+              <a:rPr lang="en-US" dirty="0" err="1" smtClean="0"/>
+              <a:t>Így</a:t>
+            </a:r>
+            <a:r>
+              <a:rPr lang="en-US" dirty="0" smtClean="0"/>
+              <a:t> </a:t>
+            </a:r>
+            <a:r>
+              <a:rPr lang="en-US" dirty="0" err="1" smtClean="0"/>
+              <a:t>deríti</a:t>
+            </a:r>
+            <a:r>
+              <a:rPr lang="en-US" dirty="0" smtClean="0"/>
+              <a:t> </a:t>
+            </a:r>
+            <a:r>
+              <a:rPr lang="en-US" dirty="0" err="1" smtClean="0"/>
+              <a:t>fel</a:t>
+            </a:r>
+            <a:r>
+              <a:rPr lang="en-US" dirty="0" smtClean="0"/>
+              <a:t> a </a:t>
+            </a:r>
+            <a:r>
+              <a:rPr lang="en-US" dirty="0" err="1" smtClean="0"/>
+              <a:t>visszaéleket</a:t>
+            </a:r>
+            <a:endParaRPr lang="en-US" dirty="0"/>
+          </a:p>
+        </p:txBody>
+      </p:sp>
+      <p:pic>
+        <p:nvPicPr>
+          <p:cNvPr id="4" name="Kép 3"/>
+          <p:cNvPicPr>
+            <a:picLocks noChangeAspect="1"/>
+          </p:cNvPicPr>
+          <p:nvPr/>
+        </p:nvPicPr>
+        <p:blipFill>
+          <a:blip r:embed="rId2">
+            <a:extLst>
+              <a:ext uri="{28A0092B-C50C-407E-A947-70E740481C1C}">
+                <a14:useLocalDpi xmlns:a14="http://schemas.microsoft.com/office/drawing/2010/main" val="0"/>
+              </a:ext>
+            </a:extLst>
+          </a:blip>
+          <a:stretch>
+            <a:fillRect/>
+          </a:stretch>
+        </p:blipFill>
+        <p:spPr>
+          <a:xfrm>
+            <a:off x="444843" y="4098282"/>
+            <a:ext cx="2476846" cy="2467319"/>
+          </a:xfrm>
+          <a:prstGeom prst="rect">
+            <a:avLst/>
+          </a:prstGeom>
+        </p:spPr>
+      </p:pic>
+      <p:pic>
+        <p:nvPicPr>
+          <p:cNvPr id="5" name="Kép 4"/>
+          <p:cNvPicPr>
+            <a:picLocks noChangeAspect="1"/>
+          </p:cNvPicPr>
+          <p:nvPr/>
+        </p:nvPicPr>
+        <p:blipFill>
+          <a:blip r:embed="rId3">
+            <a:extLst>
+              <a:ext uri="{28A0092B-C50C-407E-A947-70E740481C1C}">
+                <a14:useLocalDpi xmlns:a14="http://schemas.microsoft.com/office/drawing/2010/main" val="0"/>
+              </a:ext>
+            </a:extLst>
+          </a:blip>
+          <a:stretch>
+            <a:fillRect/>
+          </a:stretch>
+        </p:blipFill>
+        <p:spPr>
+          <a:xfrm>
+            <a:off x="4638107" y="0"/>
+            <a:ext cx="2915785" cy="6858000"/>
+          </a:xfrm>
+          <a:prstGeom prst="rect">
+            <a:avLst/>
+          </a:prstGeom>
+        </p:spPr>
+      </p:pic>
+    </p:spTree>
+    <p:extLst>
+      <p:ext uri="{BB962C8B-B14F-4D97-AF65-F5344CB8AC3E}">
+        <p14:creationId xmlns:p14="http://schemas.microsoft.com/office/powerpoint/2010/main" val="3578264518"/>
+      </p:ext>
+    </p:extLst>
+  </p:cSld>
+  <p:clrMapOvr>
+    <a:masterClrMapping/>
+  </p:clrMapOvr>
+  <p:timing>
+    <p:tnLst>
+      <p:par>
+        <p:cTn id="1" dur="indefinite" restart="never" nodeType="tmRoot"/>
+      </p:par>
+    </p:tnLst>
+  </p:timing>
+</p:sld>
+</file>
+
+<file path=ppt/slides/slide29.xml><?xml version="1.0" encoding="utf-8"?>
+<p:sld xmlns:a="http://schemas.openxmlformats.org/drawingml/2006/main" xmlns:r="http://schemas.openxmlformats.org/officeDocument/2006/relationships" xmlns:p="http://schemas.openxmlformats.org/presentationml/2006/main">
+  <p:cSld>
+    <p:spTree>
+      <p:nvGrpSpPr>
+        <p:cNvPr id="1" name=""/>
+        <p:cNvGrpSpPr/>
+        <p:nvPr/>
+      </p:nvGrpSpPr>
+      <p:grpSpPr>
+        <a:xfrm>
+          <a:off x="0" y="0"/>
+          <a:ext cx="0" cy="0"/>
+          <a:chOff x="0" y="0"/>
+          <a:chExt cx="0" cy="0"/>
+        </a:xfrm>
+      </p:grpSpPr>
+      <p:pic>
+        <p:nvPicPr>
+          <p:cNvPr id="4" name="Kép 3"/>
+          <p:cNvPicPr>
+            <a:picLocks noChangeAspect="1"/>
+          </p:cNvPicPr>
+          <p:nvPr/>
+        </p:nvPicPr>
+        <p:blipFill>
+          <a:blip r:embed="rId2">
+            <a:extLst>
+              <a:ext uri="{28A0092B-C50C-407E-A947-70E740481C1C}">
+                <a14:useLocalDpi xmlns:a14="http://schemas.microsoft.com/office/drawing/2010/main" val="0"/>
+              </a:ext>
+            </a:extLst>
+          </a:blip>
+          <a:stretch>
+            <a:fillRect/>
+          </a:stretch>
+        </p:blipFill>
+        <p:spPr>
+          <a:xfrm>
+            <a:off x="613370" y="2829020"/>
+            <a:ext cx="3730935" cy="3661414"/>
+          </a:xfrm>
+          <a:prstGeom prst="rect">
+            <a:avLst/>
+          </a:prstGeom>
+        </p:spPr>
+      </p:pic>
+      <p:pic>
+        <p:nvPicPr>
+          <p:cNvPr id="5" name="Kép 4"/>
+          <p:cNvPicPr>
+            <a:picLocks noChangeAspect="1"/>
+          </p:cNvPicPr>
+          <p:nvPr/>
+        </p:nvPicPr>
+        <p:blipFill>
+          <a:blip r:embed="rId3">
+            <a:extLst>
+              <a:ext uri="{28A0092B-C50C-407E-A947-70E740481C1C}">
+                <a14:useLocalDpi xmlns:a14="http://schemas.microsoft.com/office/drawing/2010/main" val="0"/>
+              </a:ext>
+            </a:extLst>
+          </a:blip>
+          <a:stretch>
+            <a:fillRect/>
+          </a:stretch>
+        </p:blipFill>
+        <p:spPr>
+          <a:xfrm>
+            <a:off x="5070774" y="403959"/>
+            <a:ext cx="5114925" cy="6086475"/>
+          </a:xfrm>
+          <a:prstGeom prst="rect">
+            <a:avLst/>
+          </a:prstGeom>
+        </p:spPr>
+      </p:pic>
+      <p:sp>
+        <p:nvSpPr>
+          <p:cNvPr id="2" name="Szövegdoboz 1"/>
+          <p:cNvSpPr txBox="1"/>
+          <p:nvPr/>
+        </p:nvSpPr>
+        <p:spPr>
+          <a:xfrm>
+            <a:off x="447460" y="556054"/>
+            <a:ext cx="4062756" cy="1200329"/>
+          </a:xfrm>
+          <a:prstGeom prst="rect">
+            <a:avLst/>
+          </a:prstGeom>
+          <a:noFill/>
+        </p:spPr>
+        <p:txBody>
+          <a:bodyPr wrap="square" rtlCol="0">
+            <a:spAutoFit/>
+          </a:bodyPr>
+          <a:lstStyle/>
+          <a:p>
+            <a:r>
+              <a:rPr lang="en-US" dirty="0" err="1" smtClean="0"/>
+              <a:t>Az</a:t>
+            </a:r>
+            <a:r>
+              <a:rPr lang="en-US" dirty="0" smtClean="0"/>
+              <a:t> </a:t>
+            </a:r>
+            <a:r>
+              <a:rPr lang="en-US" dirty="0" err="1" smtClean="0"/>
+              <a:t>algoritmus</a:t>
+            </a:r>
+            <a:r>
+              <a:rPr lang="en-US" dirty="0" smtClean="0"/>
+              <a:t> </a:t>
+            </a:r>
+            <a:r>
+              <a:rPr lang="en-US" dirty="0" err="1" smtClean="0"/>
+              <a:t>kétszer</a:t>
+            </a:r>
+            <a:r>
+              <a:rPr lang="en-US" dirty="0" smtClean="0"/>
+              <a:t> </a:t>
+            </a:r>
+            <a:r>
+              <a:rPr lang="en-US" dirty="0" err="1" smtClean="0"/>
+              <a:t>megy</a:t>
+            </a:r>
+            <a:r>
+              <a:rPr lang="en-US" dirty="0" smtClean="0"/>
+              <a:t> </a:t>
+            </a:r>
+            <a:r>
+              <a:rPr lang="en-US" dirty="0" err="1" smtClean="0"/>
+              <a:t>végig</a:t>
+            </a:r>
+            <a:r>
+              <a:rPr lang="en-US" dirty="0" smtClean="0"/>
+              <a:t> </a:t>
+            </a:r>
+            <a:r>
+              <a:rPr lang="en-US" dirty="0" err="1" smtClean="0"/>
+              <a:t>minden</a:t>
+            </a:r>
+            <a:r>
+              <a:rPr lang="en-US" dirty="0" smtClean="0"/>
+              <a:t> </a:t>
+            </a:r>
+            <a:r>
+              <a:rPr lang="en-US" dirty="0" err="1" smtClean="0"/>
+              <a:t>cikluson</a:t>
+            </a:r>
+            <a:endParaRPr lang="en-US" dirty="0" smtClean="0"/>
+          </a:p>
+          <a:p>
+            <a:r>
+              <a:rPr lang="en-US" dirty="0" err="1"/>
+              <a:t>Így</a:t>
+            </a:r>
+            <a:r>
+              <a:rPr lang="en-US" dirty="0"/>
+              <a:t> </a:t>
+            </a:r>
+            <a:r>
+              <a:rPr lang="en-US" dirty="0" err="1"/>
+              <a:t>deríti</a:t>
+            </a:r>
+            <a:r>
+              <a:rPr lang="en-US" dirty="0"/>
+              <a:t> </a:t>
+            </a:r>
+            <a:r>
+              <a:rPr lang="en-US" dirty="0" err="1"/>
+              <a:t>fel</a:t>
+            </a:r>
+            <a:r>
+              <a:rPr lang="en-US" dirty="0"/>
+              <a:t> a </a:t>
+            </a:r>
+            <a:r>
+              <a:rPr lang="en-US" dirty="0" err="1" smtClean="0"/>
+              <a:t>ciklus-vivő</a:t>
+            </a:r>
+            <a:r>
+              <a:rPr lang="en-US" dirty="0" smtClean="0"/>
+              <a:t> </a:t>
+            </a:r>
+            <a:r>
+              <a:rPr lang="en-US" dirty="0"/>
+              <a:t>(loop-carried</a:t>
+            </a:r>
+            <a:r>
+              <a:rPr lang="en-US" dirty="0" smtClean="0"/>
+              <a:t>) </a:t>
+            </a:r>
+            <a:r>
+              <a:rPr lang="en-US" dirty="0" err="1" smtClean="0"/>
+              <a:t>függőségeket</a:t>
+            </a:r>
+            <a:endParaRPr lang="en-US" dirty="0"/>
+          </a:p>
+        </p:txBody>
+      </p:sp>
+    </p:spTree>
+    <p:extLst>
+      <p:ext uri="{BB962C8B-B14F-4D97-AF65-F5344CB8AC3E}">
+        <p14:creationId xmlns:p14="http://schemas.microsoft.com/office/powerpoint/2010/main" val="2089854840"/>
       </p:ext>
     </p:extLst>
   </p:cSld>
@@ -6549,63 +12380,15 @@
             </a:r>
             <a:r>
               <a:rPr lang="en-US" dirty="0" err="1" smtClean="0"/>
-              <a:t>utasításánál</a:t>
-            </a:r>
-            <a:r>
-              <a:rPr lang="en-US" dirty="0" smtClean="0"/>
-              <a:t> </a:t>
-            </a:r>
-            <a:r>
-              <a:rPr lang="en-US" dirty="0" err="1" smtClean="0"/>
-              <a:t>milyen</a:t>
-            </a:r>
-            <a:r>
-              <a:rPr lang="en-US" dirty="0" smtClean="0"/>
-              <a:t> </a:t>
-            </a:r>
-            <a:r>
-              <a:rPr lang="en-US" dirty="0" err="1" smtClean="0"/>
-              <a:t>egyéb</a:t>
-            </a:r>
-            <a:r>
-              <a:rPr lang="en-US" dirty="0" smtClean="0"/>
-              <a:t>, </a:t>
-            </a:r>
-            <a:r>
-              <a:rPr lang="en-US" dirty="0" err="1" smtClean="0"/>
-              <a:t>előtte</a:t>
-            </a:r>
-            <a:r>
-              <a:rPr lang="en-US" dirty="0" smtClean="0"/>
-              <a:t> </a:t>
-            </a:r>
-            <a:r>
-              <a:rPr lang="en-US" dirty="0" err="1" smtClean="0"/>
-              <a:t>levő</a:t>
-            </a:r>
-            <a:r>
-              <a:rPr lang="en-US" dirty="0" smtClean="0"/>
-              <a:t> </a:t>
-            </a:r>
-            <a:r>
-              <a:rPr lang="en-US" dirty="0" err="1" smtClean="0"/>
-              <a:t>vagy</a:t>
-            </a:r>
-            <a:r>
-              <a:rPr lang="en-US" dirty="0" smtClean="0"/>
-              <a:t> </a:t>
-            </a:r>
-            <a:r>
-              <a:rPr lang="en-US" dirty="0" err="1" smtClean="0"/>
-              <a:t>utána</a:t>
-            </a:r>
-            <a:r>
-              <a:rPr lang="en-US" dirty="0" smtClean="0"/>
-              <a:t> </a:t>
-            </a:r>
-            <a:r>
-              <a:rPr lang="en-US" dirty="0" err="1" smtClean="0"/>
-              <a:t>következő</a:t>
+              <a:t>pontjában</a:t>
+            </a:r>
+            <a:r>
+              <a:rPr lang="en-US" dirty="0" smtClean="0"/>
+              <a:t> </a:t>
+            </a:r>
+            <a:r>
+              <a:rPr lang="en-US" dirty="0" err="1" smtClean="0"/>
+              <a:t>mely</a:t>
             </a:r>
             <a:r>
               <a:rPr lang="en-US" dirty="0" smtClean="0"/>
@@ -6663,11 +12446,15 @@
             </a:r>
             <a:r>
               <a:rPr lang="en-US" dirty="0" err="1" smtClean="0"/>
-              <a:t>fajtája</a:t>
-            </a:r>
-            <a:r>
-              <a:rPr lang="en-US" dirty="0" smtClean="0"/>
-              <a:t> van: </a:t>
+              <a:t>típusa</a:t>
+            </a:r>
+            <a:r>
+              <a:rPr lang="en-US" dirty="0" smtClean="0"/>
+              <a:t> </a:t>
+            </a:r>
+            <a:r>
+              <a:rPr lang="en-US" dirty="0" smtClean="0"/>
+              <a:t>van: </a:t>
             </a:r>
             <a:r>
               <a:rPr lang="en-US" dirty="0" err="1" smtClean="0"/>
@@ -6817,6 +12604,65 @@
             <a:r>
               <a:rPr lang="en-US" dirty="0" err="1" smtClean="0"/>
               <a:t>foglalkozik</a:t>
+            </a:r>
+            <a:endParaRPr lang="en-US" dirty="0" smtClean="0"/>
+          </a:p>
+          <a:p>
+            <a:r>
+              <a:rPr lang="en-US" dirty="0" err="1" smtClean="0"/>
+              <a:t>Hatás</a:t>
+            </a:r>
+            <a:r>
+              <a:rPr lang="en-US" dirty="0" err="1"/>
+              <a:t>e</a:t>
+            </a:r>
+            <a:r>
+              <a:rPr lang="en-US" dirty="0" err="1" smtClean="0"/>
+              <a:t>lemzési</a:t>
+            </a:r>
+            <a:r>
+              <a:rPr lang="en-US" dirty="0" smtClean="0"/>
+              <a:t> </a:t>
+            </a:r>
+            <a:r>
+              <a:rPr lang="en-US" dirty="0" err="1" smtClean="0"/>
+              <a:t>irány</a:t>
+            </a:r>
+            <a:r>
+              <a:rPr lang="en-US" dirty="0" smtClean="0"/>
+              <a:t> </a:t>
+            </a:r>
+            <a:r>
+              <a:rPr lang="en-US" dirty="0" err="1" smtClean="0"/>
+              <a:t>szempontjából</a:t>
+            </a:r>
+            <a:r>
+              <a:rPr lang="en-US" dirty="0" smtClean="0"/>
+              <a:t> </a:t>
+            </a:r>
+            <a:r>
+              <a:rPr lang="en-US" dirty="0" err="1" smtClean="0"/>
+              <a:t>megkülönböztetünk</a:t>
+            </a:r>
+            <a:r>
+              <a:rPr lang="en-US" dirty="0" smtClean="0"/>
+              <a:t> backward </a:t>
+            </a:r>
+            <a:r>
+              <a:rPr lang="en-US" dirty="0" err="1" smtClean="0"/>
+              <a:t>és</a:t>
+            </a:r>
+            <a:r>
+              <a:rPr lang="en-US" dirty="0" smtClean="0"/>
+              <a:t> forward </a:t>
+            </a:r>
+            <a:r>
+              <a:rPr lang="en-US" dirty="0" err="1" smtClean="0"/>
+              <a:t>slicingot</a:t>
+            </a:r>
+            <a:r>
+              <a:rPr lang="en-US" dirty="0" smtClean="0"/>
+              <a:t>.</a:t>
             </a:r>
             <a:endParaRPr lang="en-US" dirty="0" smtClean="0"/>
           </a:p>
@@ -6826,6 +12672,573 @@
     <p:extLst>
       <p:ext uri="{BB962C8B-B14F-4D97-AF65-F5344CB8AC3E}">
         <p14:creationId xmlns:p14="http://schemas.microsoft.com/office/powerpoint/2010/main" val="4089180690"/>
+      </p:ext>
+    </p:extLst>
+  </p:cSld>
+  <p:clrMapOvr>
+    <a:masterClrMapping/>
+  </p:clrMapOvr>
+  <p:timing>
+    <p:tnLst>
+      <p:par>
+        <p:cTn id="1" dur="indefinite" restart="never" nodeType="tmRoot"/>
+      </p:par>
+    </p:tnLst>
+  </p:timing>
+</p:sld>
+</file>
+
+<file path=ppt/slides/slide30.xml><?xml version="1.0" encoding="utf-8"?>
+<p:sld xmlns:a="http://schemas.openxmlformats.org/drawingml/2006/main" xmlns:r="http://schemas.openxmlformats.org/officeDocument/2006/relationships" xmlns:p="http://schemas.openxmlformats.org/presentationml/2006/main">
+  <p:cSld>
+    <p:spTree>
+      <p:nvGrpSpPr>
+        <p:cNvPr id="1" name=""/>
+        <p:cNvGrpSpPr/>
+        <p:nvPr/>
+      </p:nvGrpSpPr>
+      <p:grpSpPr>
+        <a:xfrm>
+          <a:off x="0" y="0"/>
+          <a:ext cx="0" cy="0"/>
+          <a:chOff x="0" y="0"/>
+          <a:chExt cx="0" cy="0"/>
+        </a:xfrm>
+      </p:grpSpPr>
+      <p:sp>
+        <p:nvSpPr>
+          <p:cNvPr id="3" name="Tartalom helye 2"/>
+          <p:cNvSpPr>
+            <a:spLocks noGrp="1"/>
+          </p:cNvSpPr>
+          <p:nvPr>
+            <p:ph idx="1"/>
+          </p:nvPr>
+        </p:nvSpPr>
+        <p:spPr>
+          <a:xfrm>
+            <a:off x="263053" y="248831"/>
+            <a:ext cx="5062709" cy="1357547"/>
+          </a:xfrm>
+        </p:spPr>
+        <p:txBody>
+          <a:bodyPr/>
+          <a:lstStyle/>
+          <a:p>
+            <a:r>
+              <a:rPr lang="en-US" dirty="0" err="1" smtClean="0"/>
+              <a:t>Elágazások</a:t>
+            </a:r>
+            <a:r>
+              <a:rPr lang="en-US" dirty="0" smtClean="0"/>
+              <a:t> </a:t>
+            </a:r>
+            <a:r>
+              <a:rPr lang="en-US" dirty="0" err="1" smtClean="0"/>
+              <a:t>esetén</a:t>
+            </a:r>
+            <a:r>
+              <a:rPr lang="en-US" dirty="0" smtClean="0"/>
+              <a:t> </a:t>
+            </a:r>
+            <a:r>
+              <a:rPr lang="en-US" dirty="0" err="1" smtClean="0"/>
+              <a:t>elmenti</a:t>
+            </a:r>
+            <a:r>
+              <a:rPr lang="en-US" dirty="0"/>
+              <a:t> </a:t>
+            </a:r>
+            <a:r>
+              <a:rPr lang="en-US" dirty="0" err="1" smtClean="0"/>
+              <a:t>az</a:t>
+            </a:r>
+            <a:r>
+              <a:rPr lang="en-US" dirty="0" smtClean="0"/>
+              <a:t> </a:t>
+            </a:r>
+            <a:r>
+              <a:rPr lang="en-US" dirty="0" err="1" smtClean="0"/>
+              <a:t>összes</a:t>
+            </a:r>
+            <a:r>
+              <a:rPr lang="en-US" dirty="0" smtClean="0"/>
+              <a:t> </a:t>
+            </a:r>
+            <a:r>
+              <a:rPr lang="en-US" dirty="0" err="1" smtClean="0"/>
+              <a:t>ágon</a:t>
+            </a:r>
+            <a:r>
+              <a:rPr lang="en-US" dirty="0" smtClean="0"/>
+              <a:t> </a:t>
+            </a:r>
+            <a:r>
+              <a:rPr lang="en-US" dirty="0" err="1" smtClean="0"/>
+              <a:t>szereplő</a:t>
+            </a:r>
+            <a:r>
+              <a:rPr lang="en-US" dirty="0" smtClean="0"/>
+              <a:t> </a:t>
+            </a:r>
+            <a:r>
+              <a:rPr lang="en-US" dirty="0" err="1" smtClean="0"/>
+              <a:t>definíciókat</a:t>
+            </a:r>
+            <a:endParaRPr lang="en-US" dirty="0"/>
+          </a:p>
+        </p:txBody>
+      </p:sp>
+      <p:pic>
+        <p:nvPicPr>
+          <p:cNvPr id="4" name="Kép 3"/>
+          <p:cNvPicPr>
+            <a:picLocks noChangeAspect="1"/>
+          </p:cNvPicPr>
+          <p:nvPr/>
+        </p:nvPicPr>
+        <p:blipFill>
+          <a:blip r:embed="rId2">
+            <a:extLst>
+              <a:ext uri="{28A0092B-C50C-407E-A947-70E740481C1C}">
+                <a14:useLocalDpi xmlns:a14="http://schemas.microsoft.com/office/drawing/2010/main" val="0"/>
+              </a:ext>
+            </a:extLst>
+          </a:blip>
+          <a:stretch>
+            <a:fillRect/>
+          </a:stretch>
+        </p:blipFill>
+        <p:spPr>
+          <a:xfrm>
+            <a:off x="453592" y="2604028"/>
+            <a:ext cx="1867161" cy="2038635"/>
+          </a:xfrm>
+          <a:prstGeom prst="rect">
+            <a:avLst/>
+          </a:prstGeom>
+        </p:spPr>
+      </p:pic>
+      <p:pic>
+        <p:nvPicPr>
+          <p:cNvPr id="5" name="Kép 4"/>
+          <p:cNvPicPr>
+            <a:picLocks noChangeAspect="1"/>
+          </p:cNvPicPr>
+          <p:nvPr/>
+        </p:nvPicPr>
+        <p:blipFill>
+          <a:blip r:embed="rId3">
+            <a:extLst>
+              <a:ext uri="{28A0092B-C50C-407E-A947-70E740481C1C}">
+                <a14:useLocalDpi xmlns:a14="http://schemas.microsoft.com/office/drawing/2010/main" val="0"/>
+              </a:ext>
+            </a:extLst>
+          </a:blip>
+          <a:stretch>
+            <a:fillRect/>
+          </a:stretch>
+        </p:blipFill>
+        <p:spPr>
+          <a:xfrm>
+            <a:off x="3256455" y="1127938"/>
+            <a:ext cx="1981200" cy="3514725"/>
+          </a:xfrm>
+          <a:prstGeom prst="rect">
+            <a:avLst/>
+          </a:prstGeom>
+        </p:spPr>
+      </p:pic>
+      <p:pic>
+        <p:nvPicPr>
+          <p:cNvPr id="6" name="Kép 5"/>
+          <p:cNvPicPr>
+            <a:picLocks noChangeAspect="1"/>
+          </p:cNvPicPr>
+          <p:nvPr/>
+        </p:nvPicPr>
+        <p:blipFill>
+          <a:blip r:embed="rId4">
+            <a:extLst>
+              <a:ext uri="{28A0092B-C50C-407E-A947-70E740481C1C}">
+                <a14:useLocalDpi xmlns:a14="http://schemas.microsoft.com/office/drawing/2010/main" val="0"/>
+              </a:ext>
+            </a:extLst>
+          </a:blip>
+          <a:stretch>
+            <a:fillRect/>
+          </a:stretch>
+        </p:blipFill>
+        <p:spPr>
+          <a:xfrm>
+            <a:off x="6524368" y="1055600"/>
+            <a:ext cx="4335419" cy="3455131"/>
+          </a:xfrm>
+          <a:prstGeom prst="rect">
+            <a:avLst/>
+          </a:prstGeom>
+        </p:spPr>
+      </p:pic>
+      <p:sp>
+        <p:nvSpPr>
+          <p:cNvPr id="7" name="Szövegdoboz 6"/>
+          <p:cNvSpPr txBox="1"/>
+          <p:nvPr/>
+        </p:nvSpPr>
+        <p:spPr>
+          <a:xfrm>
+            <a:off x="3917091" y="5078627"/>
+            <a:ext cx="1901331" cy="369332"/>
+          </a:xfrm>
+          <a:prstGeom prst="rect">
+            <a:avLst/>
+          </a:prstGeom>
+          <a:noFill/>
+        </p:spPr>
+        <p:txBody>
+          <a:bodyPr wrap="square" rtlCol="0">
+            <a:spAutoFit/>
+          </a:bodyPr>
+          <a:lstStyle/>
+          <a:p>
+            <a:r>
+              <a:rPr lang="en-US" dirty="0" smtClean="0"/>
+              <a:t>CFG</a:t>
+            </a:r>
+            <a:endParaRPr lang="en-US" dirty="0"/>
+          </a:p>
+        </p:txBody>
+      </p:sp>
+      <p:sp>
+        <p:nvSpPr>
+          <p:cNvPr id="8" name="Szövegdoboz 7"/>
+          <p:cNvSpPr txBox="1"/>
+          <p:nvPr/>
+        </p:nvSpPr>
+        <p:spPr>
+          <a:xfrm>
+            <a:off x="8266670" y="5064900"/>
+            <a:ext cx="2421924" cy="369332"/>
+          </a:xfrm>
+          <a:prstGeom prst="rect">
+            <a:avLst/>
+          </a:prstGeom>
+          <a:noFill/>
+        </p:spPr>
+        <p:txBody>
+          <a:bodyPr wrap="square" rtlCol="0">
+            <a:spAutoFit/>
+          </a:bodyPr>
+          <a:lstStyle/>
+          <a:p>
+            <a:r>
+              <a:rPr lang="en-US" dirty="0" smtClean="0"/>
+              <a:t>PDG</a:t>
+            </a:r>
+            <a:endParaRPr lang="en-US" dirty="0"/>
+          </a:p>
+        </p:txBody>
+      </p:sp>
+    </p:spTree>
+    <p:extLst>
+      <p:ext uri="{BB962C8B-B14F-4D97-AF65-F5344CB8AC3E}">
+        <p14:creationId xmlns:p14="http://schemas.microsoft.com/office/powerpoint/2010/main" val="307997481"/>
+      </p:ext>
+    </p:extLst>
+  </p:cSld>
+  <p:clrMapOvr>
+    <a:masterClrMapping/>
+  </p:clrMapOvr>
+  <p:timing>
+    <p:tnLst>
+      <p:par>
+        <p:cTn id="1" dur="indefinite" restart="never" nodeType="tmRoot"/>
+      </p:par>
+    </p:tnLst>
+  </p:timing>
+</p:sld>
+</file>
+
+<file path=ppt/slides/slide31.xml><?xml version="1.0" encoding="utf-8"?>
+<p:sld xmlns:a="http://schemas.openxmlformats.org/drawingml/2006/main" xmlns:r="http://schemas.openxmlformats.org/officeDocument/2006/relationships" xmlns:p="http://schemas.openxmlformats.org/presentationml/2006/main">
+  <p:cSld>
+    <p:spTree>
+      <p:nvGrpSpPr>
+        <p:cNvPr id="1" name=""/>
+        <p:cNvGrpSpPr/>
+        <p:nvPr/>
+      </p:nvGrpSpPr>
+      <p:grpSpPr>
+        <a:xfrm>
+          <a:off x="0" y="0"/>
+          <a:ext cx="0" cy="0"/>
+          <a:chOff x="0" y="0"/>
+          <a:chExt cx="0" cy="0"/>
+        </a:xfrm>
+      </p:grpSpPr>
+      <p:sp>
+        <p:nvSpPr>
+          <p:cNvPr id="3" name="Tartalom helye 2"/>
+          <p:cNvSpPr>
+            <a:spLocks noGrp="1"/>
+          </p:cNvSpPr>
+          <p:nvPr>
+            <p:ph idx="1"/>
+          </p:nvPr>
+        </p:nvSpPr>
+        <p:spPr>
+          <a:xfrm>
+            <a:off x="420130" y="358346"/>
+            <a:ext cx="9848335" cy="766119"/>
+          </a:xfrm>
+        </p:spPr>
+        <p:txBody>
+          <a:bodyPr/>
+          <a:lstStyle/>
+          <a:p>
+            <a:r>
+              <a:rPr lang="en-US" dirty="0" err="1" smtClean="0"/>
+              <a:t>Az</a:t>
+            </a:r>
+            <a:r>
+              <a:rPr lang="en-US" dirty="0" smtClean="0"/>
+              <a:t> </a:t>
+            </a:r>
+            <a:r>
+              <a:rPr lang="en-US" dirty="0" err="1" smtClean="0"/>
+              <a:t>algoritmus</a:t>
+            </a:r>
+            <a:r>
+              <a:rPr lang="en-US" dirty="0" smtClean="0"/>
+              <a:t> </a:t>
+            </a:r>
+            <a:r>
+              <a:rPr lang="en-US" dirty="0" err="1" smtClean="0"/>
+              <a:t>egy</a:t>
+            </a:r>
+            <a:r>
+              <a:rPr lang="en-US" dirty="0" smtClean="0"/>
+              <a:t> </a:t>
+            </a:r>
+            <a:r>
+              <a:rPr lang="en-US" dirty="0" err="1" smtClean="0"/>
+              <a:t>szélességi</a:t>
+            </a:r>
+            <a:r>
+              <a:rPr lang="en-US" dirty="0" smtClean="0"/>
+              <a:t> </a:t>
+            </a:r>
+            <a:r>
+              <a:rPr lang="en-US" dirty="0" err="1" smtClean="0"/>
+              <a:t>bejárást</a:t>
+            </a:r>
+            <a:r>
+              <a:rPr lang="en-US" dirty="0" smtClean="0"/>
+              <a:t> </a:t>
+            </a:r>
+            <a:r>
+              <a:rPr lang="en-US" dirty="0" err="1" smtClean="0"/>
+              <a:t>hajt</a:t>
+            </a:r>
+            <a:r>
+              <a:rPr lang="en-US" dirty="0" smtClean="0"/>
+              <a:t> </a:t>
+            </a:r>
+            <a:r>
+              <a:rPr lang="en-US" dirty="0" err="1" smtClean="0"/>
+              <a:t>végre</a:t>
+            </a:r>
+            <a:r>
+              <a:rPr lang="en-US" dirty="0" smtClean="0"/>
+              <a:t> a PDG-n </a:t>
+            </a:r>
+            <a:r>
+              <a:rPr lang="en-US" dirty="0" err="1" smtClean="0"/>
+              <a:t>hogy</a:t>
+            </a:r>
+            <a:r>
+              <a:rPr lang="en-US" dirty="0" smtClean="0"/>
+              <a:t> </a:t>
+            </a:r>
+            <a:r>
+              <a:rPr lang="en-US" dirty="0" err="1" smtClean="0"/>
+              <a:t>megkapja</a:t>
+            </a:r>
+            <a:r>
+              <a:rPr lang="en-US" dirty="0" smtClean="0"/>
+              <a:t> a slice-</a:t>
+            </a:r>
+            <a:r>
+              <a:rPr lang="en-US" dirty="0" err="1" smtClean="0"/>
+              <a:t>ot</a:t>
+            </a:r>
+            <a:r>
+              <a:rPr lang="en-US" dirty="0" smtClean="0"/>
+              <a:t>.</a:t>
+            </a:r>
+            <a:endParaRPr lang="en-US" dirty="0"/>
+          </a:p>
+        </p:txBody>
+      </p:sp>
+      <p:pic>
+        <p:nvPicPr>
+          <p:cNvPr id="4" name="Kép 3"/>
+          <p:cNvPicPr>
+            <a:picLocks noChangeAspect="1"/>
+          </p:cNvPicPr>
+          <p:nvPr/>
+        </p:nvPicPr>
+        <p:blipFill>
+          <a:blip r:embed="rId2">
+            <a:extLst>
+              <a:ext uri="{28A0092B-C50C-407E-A947-70E740481C1C}">
+                <a14:useLocalDpi xmlns:a14="http://schemas.microsoft.com/office/drawing/2010/main" val="0"/>
+              </a:ext>
+            </a:extLst>
+          </a:blip>
+          <a:stretch>
+            <a:fillRect/>
+          </a:stretch>
+        </p:blipFill>
+        <p:spPr>
+          <a:xfrm>
+            <a:off x="420130" y="1124465"/>
+            <a:ext cx="6895070" cy="5309707"/>
+          </a:xfrm>
+          <a:prstGeom prst="rect">
+            <a:avLst/>
+          </a:prstGeom>
+        </p:spPr>
+      </p:pic>
+    </p:spTree>
+    <p:extLst>
+      <p:ext uri="{BB962C8B-B14F-4D97-AF65-F5344CB8AC3E}">
+        <p14:creationId xmlns:p14="http://schemas.microsoft.com/office/powerpoint/2010/main" val="2162672416"/>
+      </p:ext>
+    </p:extLst>
+  </p:cSld>
+  <p:clrMapOvr>
+    <a:masterClrMapping/>
+  </p:clrMapOvr>
+  <p:timing>
+    <p:tnLst>
+      <p:par>
+        <p:cTn id="1" dur="indefinite" restart="never" nodeType="tmRoot"/>
+      </p:par>
+    </p:tnLst>
+  </p:timing>
+</p:sld>
+</file>
+
+<file path=ppt/slides/slide32.xml><?xml version="1.0" encoding="utf-8"?>
+<p:sld xmlns:a="http://schemas.openxmlformats.org/drawingml/2006/main" xmlns:r="http://schemas.openxmlformats.org/officeDocument/2006/relationships" xmlns:p="http://schemas.openxmlformats.org/presentationml/2006/main">
+  <p:cSld>
+    <p:spTree>
+      <p:nvGrpSpPr>
+        <p:cNvPr id="1" name=""/>
+        <p:cNvGrpSpPr/>
+        <p:nvPr/>
+      </p:nvGrpSpPr>
+      <p:grpSpPr>
+        <a:xfrm>
+          <a:off x="0" y="0"/>
+          <a:ext cx="0" cy="0"/>
+          <a:chOff x="0" y="0"/>
+          <a:chExt cx="0" cy="0"/>
+        </a:xfrm>
+      </p:grpSpPr>
+      <p:sp>
+        <p:nvSpPr>
+          <p:cNvPr id="3" name="Tartalom helye 2"/>
+          <p:cNvSpPr>
+            <a:spLocks noGrp="1"/>
+          </p:cNvSpPr>
+          <p:nvPr>
+            <p:ph idx="1"/>
+          </p:nvPr>
+        </p:nvSpPr>
+        <p:spPr>
+          <a:xfrm>
+            <a:off x="321277" y="259493"/>
+            <a:ext cx="9712410" cy="518984"/>
+          </a:xfrm>
+        </p:spPr>
+        <p:txBody>
+          <a:bodyPr/>
+          <a:lstStyle/>
+          <a:p>
+            <a:r>
+              <a:rPr lang="en-US" dirty="0" err="1" smtClean="0"/>
+              <a:t>Példa</a:t>
+            </a:r>
+            <a:endParaRPr lang="en-US" dirty="0"/>
+          </a:p>
+        </p:txBody>
+      </p:sp>
+      <p:pic>
+        <p:nvPicPr>
+          <p:cNvPr id="4" name="Kép 3"/>
+          <p:cNvPicPr>
+            <a:picLocks noChangeAspect="1"/>
+          </p:cNvPicPr>
+          <p:nvPr/>
+        </p:nvPicPr>
+        <p:blipFill>
+          <a:blip r:embed="rId2">
+            <a:extLst>
+              <a:ext uri="{28A0092B-C50C-407E-A947-70E740481C1C}">
+                <a14:useLocalDpi xmlns:a14="http://schemas.microsoft.com/office/drawing/2010/main" val="0"/>
+              </a:ext>
+            </a:extLst>
+          </a:blip>
+          <a:stretch>
+            <a:fillRect/>
+          </a:stretch>
+        </p:blipFill>
+        <p:spPr>
+          <a:xfrm>
+            <a:off x="141515" y="778477"/>
+            <a:ext cx="2966540" cy="4510215"/>
+          </a:xfrm>
+          <a:prstGeom prst="rect">
+            <a:avLst/>
+          </a:prstGeom>
+        </p:spPr>
+      </p:pic>
+      <p:pic>
+        <p:nvPicPr>
+          <p:cNvPr id="5" name="Kép 4"/>
+          <p:cNvPicPr>
+            <a:picLocks noChangeAspect="1"/>
+          </p:cNvPicPr>
+          <p:nvPr/>
+        </p:nvPicPr>
+        <p:blipFill>
+          <a:blip r:embed="rId3">
+            <a:extLst>
+              <a:ext uri="{28A0092B-C50C-407E-A947-70E740481C1C}">
+                <a14:useLocalDpi xmlns:a14="http://schemas.microsoft.com/office/drawing/2010/main" val="0"/>
+              </a:ext>
+            </a:extLst>
+          </a:blip>
+          <a:stretch>
+            <a:fillRect/>
+          </a:stretch>
+        </p:blipFill>
+        <p:spPr>
+          <a:xfrm>
+            <a:off x="3275460" y="1745375"/>
+            <a:ext cx="8610174" cy="3543317"/>
+          </a:xfrm>
+          <a:prstGeom prst="rect">
+            <a:avLst/>
+          </a:prstGeom>
+        </p:spPr>
+      </p:pic>
+    </p:spTree>
+    <p:extLst>
+      <p:ext uri="{BB962C8B-B14F-4D97-AF65-F5344CB8AC3E}">
+        <p14:creationId xmlns:p14="http://schemas.microsoft.com/office/powerpoint/2010/main" val="3745242422"/>
       </p:ext>
     </p:extLst>
   </p:cSld>
@@ -7240,56 +13653,6 @@
             </a:r>
             <a:endParaRPr lang="en-US" dirty="0"/>
           </a:p>
-          <a:p>
-            <a:r>
-              <a:rPr lang="en-US" dirty="0" err="1" smtClean="0"/>
-              <a:t>Ezek</a:t>
-            </a:r>
-            <a:r>
-              <a:rPr lang="en-US" dirty="0" smtClean="0"/>
-              <a:t> </a:t>
-            </a:r>
-            <a:r>
-              <a:rPr lang="en-US" dirty="0" err="1" smtClean="0"/>
-              <a:t>többek</a:t>
-            </a:r>
-            <a:r>
-              <a:rPr lang="en-US" dirty="0" smtClean="0"/>
-              <a:t> </a:t>
-            </a:r>
-            <a:r>
-              <a:rPr lang="en-US" dirty="0" err="1" smtClean="0"/>
-              <a:t>közt</a:t>
-            </a:r>
-            <a:r>
-              <a:rPr lang="en-US" dirty="0" smtClean="0"/>
-              <a:t> a Control Flow Graph-</a:t>
-            </a:r>
-            <a:r>
-              <a:rPr lang="en-US" dirty="0" err="1" smtClean="0"/>
-              <a:t>ból</a:t>
-            </a:r>
-            <a:r>
-              <a:rPr lang="en-US" dirty="0" smtClean="0"/>
-              <a:t> </a:t>
-            </a:r>
-            <a:r>
-              <a:rPr lang="en-US" dirty="0" err="1" smtClean="0"/>
-              <a:t>olvashatóak</a:t>
-            </a:r>
-            <a:r>
-              <a:rPr lang="en-US" dirty="0" smtClean="0"/>
-              <a:t> </a:t>
-            </a:r>
-            <a:r>
-              <a:rPr lang="en-US" dirty="0" err="1" smtClean="0"/>
-              <a:t>ki</a:t>
-            </a:r>
-            <a:r>
-              <a:rPr lang="en-US" dirty="0" smtClean="0"/>
-              <a:t>.</a:t>
-            </a:r>
-          </a:p>
         </p:txBody>
       </p:sp>
     </p:spTree>
@@ -7341,8 +13704,8 @@
         </p:nvSpPr>
         <p:spPr>
           <a:xfrm>
-            <a:off x="630195" y="452718"/>
-            <a:ext cx="9420639" cy="820028"/>
+            <a:off x="580769" y="452718"/>
+            <a:ext cx="9470066" cy="795314"/>
           </a:xfrm>
         </p:spPr>
         <p:txBody>
@@ -7350,8 +13713,16 @@
           <a:lstStyle/>
           <a:p>
             <a:r>
-              <a:rPr lang="en-US" dirty="0" smtClean="0"/>
-              <a:t>Control Flow Graph</a:t>
+              <a:rPr lang="en-US" dirty="0" err="1" smtClean="0"/>
+              <a:t>Kontroll</a:t>
+            </a:r>
+            <a:r>
+              <a:rPr lang="en-US" dirty="0" smtClean="0"/>
+              <a:t> </a:t>
+            </a:r>
+            <a:r>
+              <a:rPr lang="en-US" dirty="0" err="1" smtClean="0"/>
+              <a:t>függőség</a:t>
             </a:r>
             <a:endParaRPr lang="en-US" dirty="0"/>
           </a:p>
@@ -7369,8 +13740,8 @@
         </p:nvSpPr>
         <p:spPr>
           <a:xfrm>
-            <a:off x="1103313" y="2052918"/>
-            <a:ext cx="8102472" cy="4195481"/>
+            <a:off x="1050324" y="1754660"/>
+            <a:ext cx="8999529" cy="4493740"/>
           </a:xfrm>
         </p:spPr>
         <p:txBody>
@@ -7378,20 +13749,32 @@
           <a:lstStyle/>
           <a:p>
             <a:r>
-              <a:rPr lang="en-US" dirty="0" err="1" smtClean="0"/>
-              <a:t>Egy</a:t>
-            </a:r>
-            <a:r>
-              <a:rPr lang="en-US" dirty="0" smtClean="0"/>
-              <a:t> </a:t>
-            </a:r>
-            <a:r>
-              <a:rPr lang="en-US" dirty="0" err="1" smtClean="0"/>
-              <a:t>programban</a:t>
-            </a:r>
-            <a:r>
-              <a:rPr lang="en-US" dirty="0" smtClean="0"/>
-              <a:t> a </a:t>
+              <a:rPr lang="en-US" dirty="0" smtClean="0"/>
+              <a:t>I </a:t>
+            </a:r>
+            <a:r>
+              <a:rPr lang="en-US" dirty="0" err="1" smtClean="0"/>
+              <a:t>és</a:t>
+            </a:r>
+            <a:r>
+              <a:rPr lang="en-US" dirty="0" smtClean="0"/>
+              <a:t> J </a:t>
+            </a:r>
+            <a:r>
+              <a:rPr lang="en-US" dirty="0" err="1" smtClean="0"/>
+              <a:t>utasítás</a:t>
+            </a:r>
+            <a:r>
+              <a:rPr lang="en-US" dirty="0" smtClean="0"/>
+              <a:t> </a:t>
+            </a:r>
+            <a:r>
+              <a:rPr lang="en-US" dirty="0" err="1" smtClean="0"/>
+              <a:t>között</a:t>
+            </a:r>
+            <a:r>
+              <a:rPr lang="en-US" dirty="0" smtClean="0"/>
+              <a:t> </a:t>
             </a:r>
             <a:r>
               <a:rPr lang="en-US" dirty="0" err="1" smtClean="0"/>
@@ -7403,190 +13786,344 @@
             </a:r>
             <a:r>
               <a:rPr lang="en-US" dirty="0" err="1" smtClean="0"/>
-              <a:t>folyamát</a:t>
-            </a:r>
-            <a:r>
-              <a:rPr lang="en-US" dirty="0" smtClean="0"/>
-              <a:t> </a:t>
-            </a:r>
-            <a:r>
-              <a:rPr lang="en-US" dirty="0" err="1" smtClean="0"/>
-              <a:t>ábrázoló</a:t>
-            </a:r>
-            <a:r>
-              <a:rPr lang="en-US" dirty="0" smtClean="0"/>
-              <a:t> </a:t>
-            </a:r>
-            <a:r>
-              <a:rPr lang="en-US" dirty="0" err="1" smtClean="0"/>
-              <a:t>irányított</a:t>
-            </a:r>
-            <a:r>
-              <a:rPr lang="en-US" dirty="0" smtClean="0"/>
-              <a:t> </a:t>
-            </a:r>
-            <a:r>
-              <a:rPr lang="en-US" dirty="0" err="1" smtClean="0"/>
-              <a:t>gráf</a:t>
-            </a:r>
-            <a:endParaRPr lang="en-US" dirty="0" smtClean="0"/>
-          </a:p>
-          <a:p>
-            <a:r>
-              <a:rPr lang="en-US" dirty="0" err="1" smtClean="0"/>
-              <a:t>Csúcsai</a:t>
-            </a:r>
-            <a:r>
-              <a:rPr lang="en-US" dirty="0" smtClean="0"/>
-              <a:t> </a:t>
-            </a:r>
-            <a:r>
-              <a:rPr lang="en-US" dirty="0" err="1" smtClean="0"/>
+              <a:t>függőség</a:t>
+            </a:r>
+            <a:r>
+              <a:rPr lang="en-US" dirty="0" smtClean="0"/>
+              <a:t> van, ha J </a:t>
+            </a:r>
+            <a:r>
+              <a:rPr lang="en-US" dirty="0" err="1" smtClean="0"/>
+              <a:t>végrehajtása</a:t>
+            </a:r>
+            <a:r>
+              <a:rPr lang="en-US" dirty="0" smtClean="0"/>
+              <a:t> I </a:t>
+            </a:r>
+            <a:r>
+              <a:rPr lang="en-US" dirty="0" err="1" smtClean="0"/>
+              <a:t>feltételétől</a:t>
+            </a:r>
+            <a:r>
+              <a:rPr lang="en-US" dirty="0" smtClean="0"/>
+              <a:t> </a:t>
+            </a:r>
+            <a:r>
+              <a:rPr lang="en-US" dirty="0" err="1" smtClean="0"/>
+              <a:t>függ</a:t>
+            </a:r>
+            <a:r>
+              <a:rPr lang="en-US" dirty="0" smtClean="0"/>
+              <a:t>.</a:t>
+            </a:r>
+          </a:p>
+          <a:p>
+            <a:r>
+              <a:rPr lang="en-US" dirty="0" err="1" smtClean="0"/>
+              <a:t>Kontroll</a:t>
+            </a:r>
+            <a:r>
+              <a:rPr lang="en-US" dirty="0" smtClean="0"/>
+              <a:t> </a:t>
+            </a:r>
+            <a:r>
+              <a:rPr lang="en-US" dirty="0" err="1"/>
+              <a:t>függőséget</a:t>
+            </a:r>
+            <a:r>
+              <a:rPr lang="en-US" dirty="0"/>
+              <a:t> </a:t>
+            </a:r>
+            <a:r>
+              <a:rPr lang="en-US" dirty="0" err="1"/>
+              <a:t>definiálnak</a:t>
+            </a:r>
+            <a:r>
+              <a:rPr lang="en-US" dirty="0"/>
+              <a:t> </a:t>
+            </a:r>
+            <a:r>
+              <a:rPr lang="en-US" dirty="0" err="1"/>
               <a:t>az</a:t>
             </a:r>
             <a:r>
-              <a:rPr lang="en-US" dirty="0" smtClean="0"/>
-              <a:t> </a:t>
-            </a:r>
-            <a:r>
-              <a:rPr lang="en-US" dirty="0" err="1" smtClean="0"/>
+              <a:rPr lang="en-US" dirty="0"/>
+              <a:t> </a:t>
+            </a:r>
+            <a:r>
+              <a:rPr lang="en-US" dirty="0" err="1"/>
               <a:t>utasítások</a:t>
             </a:r>
-            <a:endParaRPr lang="en-US" dirty="0" smtClean="0"/>
-          </a:p>
-          <a:p>
-            <a:r>
-              <a:rPr lang="en-US" dirty="0" err="1" smtClean="0"/>
-              <a:t>Élek</a:t>
-            </a:r>
-            <a:r>
-              <a:rPr lang="en-US" dirty="0" smtClean="0"/>
-              <a:t> </a:t>
-            </a:r>
-            <a:r>
-              <a:rPr lang="en-US" dirty="0" err="1" smtClean="0"/>
+            <a:r>
+              <a:rPr lang="en-US" dirty="0"/>
+              <a:t> </a:t>
+            </a:r>
+            <a:r>
+              <a:rPr lang="en-US" dirty="0" err="1"/>
+              <a:t>sorrendjét</a:t>
+            </a:r>
+            <a:r>
+              <a:rPr lang="en-US" dirty="0"/>
+              <a:t> </a:t>
+            </a:r>
+            <a:r>
+              <a:rPr lang="en-US" dirty="0" err="1"/>
+              <a:t>változtató</a:t>
+            </a:r>
+            <a:r>
+              <a:rPr lang="en-US" dirty="0"/>
+              <a:t> </a:t>
+            </a:r>
+            <a:r>
+              <a:rPr lang="en-US" dirty="0" err="1"/>
+              <a:t>szerkezetek</a:t>
+            </a:r>
+            <a:r>
+              <a:rPr lang="en-US" dirty="0"/>
+              <a:t>, </a:t>
+            </a:r>
+            <a:r>
+              <a:rPr lang="en-US" dirty="0" err="1"/>
+              <a:t>például</a:t>
+            </a:r>
+            <a:r>
+              <a:rPr lang="en-US" dirty="0"/>
+              <a:t> a while, if, switch-case</a:t>
+            </a:r>
+          </a:p>
+          <a:p>
+            <a:r>
+              <a:rPr lang="en-US" dirty="0" err="1" smtClean="0"/>
+              <a:t>Az</a:t>
+            </a:r>
+            <a:r>
+              <a:rPr lang="en-US" dirty="0" smtClean="0"/>
+              <a:t> </a:t>
+            </a:r>
+            <a:r>
+              <a:rPr lang="en-US" dirty="0" err="1" smtClean="0"/>
+              <a:t>elágazással</a:t>
+            </a:r>
+            <a:r>
+              <a:rPr lang="en-US" dirty="0" smtClean="0"/>
+              <a:t> </a:t>
+            </a:r>
+            <a:r>
+              <a:rPr lang="en-US" dirty="0" err="1" smtClean="0"/>
+              <a:t>kombinált</a:t>
+            </a:r>
+            <a:r>
+              <a:rPr lang="en-US" dirty="0" smtClean="0"/>
+              <a:t> </a:t>
+            </a:r>
+            <a:r>
+              <a:rPr lang="en-US" dirty="0" err="1"/>
+              <a:t>ugró</a:t>
+            </a:r>
+            <a:r>
+              <a:rPr lang="en-US" dirty="0"/>
+              <a:t> </a:t>
+            </a:r>
+            <a:r>
+              <a:rPr lang="en-US" dirty="0" err="1"/>
+              <a:t>utasítások</a:t>
+            </a:r>
+            <a:r>
+              <a:rPr lang="en-US" dirty="0"/>
+              <a:t>, </a:t>
+            </a:r>
+            <a:r>
+              <a:rPr lang="en-US" dirty="0" err="1"/>
+              <a:t>névszerint</a:t>
+            </a:r>
+            <a:r>
+              <a:rPr lang="en-US" dirty="0"/>
+              <a:t>: break, continue, </a:t>
+            </a:r>
+            <a:r>
+              <a:rPr lang="en-US" dirty="0" err="1"/>
+              <a:t>goto</a:t>
+            </a:r>
+            <a:r>
+              <a:rPr lang="en-US" dirty="0"/>
+              <a:t>, return is </a:t>
+            </a:r>
+            <a:r>
+              <a:rPr lang="en-US" dirty="0" err="1"/>
+              <a:t>ezek</a:t>
+            </a:r>
+            <a:r>
+              <a:rPr lang="en-US" dirty="0"/>
+              <a:t> </a:t>
+            </a:r>
+            <a:r>
+              <a:rPr lang="en-US" dirty="0" err="1"/>
+              <a:t>közé</a:t>
+            </a:r>
+            <a:r>
+              <a:rPr lang="en-US" dirty="0"/>
+              <a:t> </a:t>
+            </a:r>
+            <a:r>
+              <a:rPr lang="en-US" dirty="0" err="1"/>
+              <a:t>tartoznak</a:t>
+            </a:r>
+            <a:r>
+              <a:rPr lang="en-US" dirty="0"/>
+              <a:t>.</a:t>
+            </a:r>
+          </a:p>
+          <a:p>
+            <a:r>
+              <a:rPr lang="en-US" dirty="0"/>
+              <a:t>Ha </a:t>
+            </a:r>
+            <a:r>
+              <a:rPr lang="en-US" dirty="0" err="1"/>
               <a:t>az</a:t>
             </a:r>
             <a:r>
-              <a:rPr lang="en-US" dirty="0" smtClean="0"/>
-              <a:t> </a:t>
-            </a:r>
-            <a:r>
-              <a:rPr lang="en-US" dirty="0" err="1" smtClean="0"/>
-              <a:t>egymást</a:t>
-            </a:r>
-            <a:r>
-              <a:rPr lang="en-US" dirty="0" smtClean="0"/>
-              <a:t> </a:t>
-            </a:r>
-            <a:r>
-              <a:rPr lang="en-US" dirty="0" err="1" smtClean="0"/>
-              <a:t>követő</a:t>
-            </a:r>
-            <a:r>
-              <a:rPr lang="en-US" dirty="0" smtClean="0"/>
-              <a:t> </a:t>
-            </a:r>
-            <a:r>
-              <a:rPr lang="en-US" dirty="0" err="1" smtClean="0"/>
-              <a:t>utasításokat</a:t>
-            </a:r>
-            <a:r>
-              <a:rPr lang="en-US" dirty="0" smtClean="0"/>
-              <a:t> </a:t>
-            </a:r>
-            <a:r>
-              <a:rPr lang="en-US" dirty="0" err="1" smtClean="0"/>
-              <a:t>reprezentálják</a:t>
-            </a:r>
-            <a:endParaRPr lang="en-US" dirty="0" smtClean="0"/>
-          </a:p>
-          <a:p>
-            <a:r>
-              <a:rPr lang="en-US" dirty="0" err="1" smtClean="0"/>
-              <a:t>Két</a:t>
-            </a:r>
-            <a:r>
-              <a:rPr lang="en-US" dirty="0" smtClean="0"/>
-              <a:t> </a:t>
-            </a:r>
-            <a:r>
-              <a:rPr lang="en-US" dirty="0" err="1" smtClean="0"/>
-              <a:t>speciális</a:t>
-            </a:r>
-            <a:r>
-              <a:rPr lang="en-US" dirty="0" smtClean="0"/>
-              <a:t> </a:t>
-            </a:r>
-            <a:r>
-              <a:rPr lang="en-US" dirty="0" err="1" smtClean="0"/>
-              <a:t>csúcs</a:t>
-            </a:r>
-            <a:r>
-              <a:rPr lang="en-US" dirty="0" smtClean="0"/>
-              <a:t>: </a:t>
-            </a:r>
-            <a:r>
-              <a:rPr lang="en-US" dirty="0" err="1" smtClean="0"/>
-              <a:t>kezdő</a:t>
-            </a:r>
-            <a:r>
-              <a:rPr lang="en-US" dirty="0" smtClean="0"/>
-              <a:t> </a:t>
-            </a:r>
-            <a:r>
-              <a:rPr lang="en-US" dirty="0" err="1" smtClean="0"/>
-              <a:t>és</a:t>
-            </a:r>
-            <a:r>
-              <a:rPr lang="en-US" dirty="0" smtClean="0"/>
-              <a:t> </a:t>
-            </a:r>
-            <a:r>
-              <a:rPr lang="en-US" dirty="0" err="1" smtClean="0"/>
-              <a:t>kilépő</a:t>
-            </a:r>
-            <a:endParaRPr lang="en-US" dirty="0" smtClean="0"/>
+              <a:rPr lang="en-US" dirty="0"/>
+              <a:t> </a:t>
+            </a:r>
+            <a:r>
+              <a:rPr lang="en-US" dirty="0" err="1"/>
+              <a:t>ugró</a:t>
+            </a:r>
+            <a:r>
+              <a:rPr lang="en-US" dirty="0"/>
+              <a:t> </a:t>
+            </a:r>
+            <a:r>
+              <a:rPr lang="en-US" dirty="0" err="1"/>
+              <a:t>utasítások</a:t>
+            </a:r>
+            <a:r>
+              <a:rPr lang="en-US" dirty="0"/>
+              <a:t> </a:t>
+            </a:r>
+            <a:r>
+              <a:rPr lang="en-US" dirty="0" err="1"/>
+              <a:t>által</a:t>
+            </a:r>
+            <a:r>
+              <a:rPr lang="en-US" dirty="0"/>
+              <a:t> </a:t>
+            </a:r>
+            <a:r>
+              <a:rPr lang="en-US" dirty="0" err="1"/>
+              <a:t>okozott</a:t>
+            </a:r>
+            <a:r>
+              <a:rPr lang="en-US" dirty="0"/>
+              <a:t> </a:t>
+            </a:r>
+            <a:r>
+              <a:rPr lang="en-US" dirty="0" err="1"/>
+              <a:t>kontroll</a:t>
+            </a:r>
+            <a:r>
+              <a:rPr lang="en-US" dirty="0"/>
+              <a:t> </a:t>
+            </a:r>
+            <a:r>
+              <a:rPr lang="en-US" dirty="0" err="1"/>
+              <a:t>függőségeket</a:t>
+            </a:r>
+            <a:r>
+              <a:rPr lang="en-US" dirty="0"/>
+              <a:t> </a:t>
+            </a:r>
+            <a:r>
+              <a:rPr lang="en-US" dirty="0" err="1"/>
+              <a:t>kihagyjuk</a:t>
+            </a:r>
+            <a:r>
+              <a:rPr lang="en-US" dirty="0"/>
+              <a:t>, </a:t>
+            </a:r>
+            <a:r>
+              <a:rPr lang="en-US" dirty="0" err="1"/>
+              <a:t>egy</a:t>
+            </a:r>
+            <a:r>
+              <a:rPr lang="en-US" dirty="0"/>
+              <a:t> </a:t>
+            </a:r>
+            <a:r>
+              <a:rPr lang="en-US" dirty="0" err="1"/>
+              <a:t>fát</a:t>
+            </a:r>
+            <a:r>
+              <a:rPr lang="en-US" dirty="0"/>
+              <a:t> </a:t>
+            </a:r>
+            <a:r>
+              <a:rPr lang="en-US" dirty="0" err="1"/>
+              <a:t>kapunk</a:t>
+            </a:r>
+            <a:r>
+              <a:rPr lang="en-US" dirty="0"/>
+              <a:t> ha </a:t>
+            </a:r>
+            <a:r>
+              <a:rPr lang="en-US" dirty="0" err="1"/>
+              <a:t>felrajzoljuk</a:t>
+            </a:r>
+            <a:r>
+              <a:rPr lang="en-US" dirty="0"/>
+              <a:t> </a:t>
+            </a:r>
+            <a:r>
+              <a:rPr lang="en-US" dirty="0" err="1"/>
+              <a:t>az</a:t>
+            </a:r>
+            <a:r>
+              <a:rPr lang="en-US" dirty="0"/>
+              <a:t> </a:t>
+            </a:r>
+            <a:r>
+              <a:rPr lang="en-US" dirty="0" err="1"/>
+              <a:t>utasítások</a:t>
+            </a:r>
+            <a:r>
+              <a:rPr lang="en-US" dirty="0"/>
+              <a:t> </a:t>
+            </a:r>
+            <a:r>
+              <a:rPr lang="en-US" dirty="0" err="1"/>
+              <a:t>közötti</a:t>
+            </a:r>
+            <a:r>
+              <a:rPr lang="en-US" dirty="0"/>
+              <a:t> </a:t>
+            </a:r>
+            <a:r>
+              <a:rPr lang="en-US" dirty="0" err="1"/>
+              <a:t>ilyen</a:t>
+            </a:r>
+            <a:r>
+              <a:rPr lang="en-US" dirty="0"/>
+              <a:t> </a:t>
+            </a:r>
+            <a:r>
+              <a:rPr lang="en-US" dirty="0" err="1"/>
+              <a:t>kapcsolatokat</a:t>
+            </a:r>
+            <a:r>
+              <a:rPr lang="en-US" dirty="0"/>
+              <a:t>.</a:t>
+            </a:r>
           </a:p>
           <a:p>
             <a:endParaRPr lang="en-US" dirty="0"/>
           </a:p>
         </p:txBody>
       </p:sp>
-      <p:pic>
-        <p:nvPicPr>
-          <p:cNvPr id="4" name="Kép 3"/>
-          <p:cNvPicPr>
-            <a:picLocks noChangeAspect="1"/>
-          </p:cNvPicPr>
-          <p:nvPr/>
-        </p:nvPicPr>
-        <p:blipFill>
-          <a:blip r:embed="rId2">
-            <a:extLst>
-              <a:ext uri="{28A0092B-C50C-407E-A947-70E740481C1C}">
-                <a14:useLocalDpi xmlns:a14="http://schemas.microsoft.com/office/drawing/2010/main" val="0"/>
-              </a:ext>
-            </a:extLst>
-          </a:blip>
-          <a:stretch>
-            <a:fillRect/>
-          </a:stretch>
-        </p:blipFill>
-        <p:spPr>
-          <a:xfrm>
-            <a:off x="9205785" y="2052918"/>
-            <a:ext cx="2400300" cy="3752850"/>
-          </a:xfrm>
-          <a:prstGeom prst="rect">
-            <a:avLst/>
-          </a:prstGeom>
-        </p:spPr>
-      </p:pic>
     </p:spTree>
     <p:extLst>
       <p:ext uri="{BB962C8B-B14F-4D97-AF65-F5344CB8AC3E}">
-        <p14:creationId xmlns:p14="http://schemas.microsoft.com/office/powerpoint/2010/main" val="1645906727"/>
+        <p14:creationId xmlns:p14="http://schemas.microsoft.com/office/powerpoint/2010/main" val="1494469882"/>
       </p:ext>
     </p:extLst>
   </p:cSld>
@@ -7600,6 +14137,865 @@
       </p:par>
     </p:tnLst>
   </p:timing>
+</p:sld>
+</file>
+
+<file path=ppt/slides/slide7.xml><?xml version="1.0" encoding="utf-8"?>
+<p:sld xmlns:a="http://schemas.openxmlformats.org/drawingml/2006/main" xmlns:r="http://schemas.openxmlformats.org/officeDocument/2006/relationships" xmlns:p="http://schemas.openxmlformats.org/presentationml/2006/main">
+  <p:cSld>
+    <p:spTree>
+      <p:nvGrpSpPr>
+        <p:cNvPr id="1" name=""/>
+        <p:cNvGrpSpPr/>
+        <p:nvPr/>
+      </p:nvGrpSpPr>
+      <p:grpSpPr>
+        <a:xfrm>
+          <a:off x="0" y="0"/>
+          <a:ext cx="0" cy="0"/>
+          <a:chOff x="0" y="0"/>
+          <a:chExt cx="0" cy="0"/>
+        </a:xfrm>
+      </p:grpSpPr>
+      <p:sp>
+        <p:nvSpPr>
+          <p:cNvPr id="2" name="Cím 1"/>
+          <p:cNvSpPr>
+            <a:spLocks noGrp="1"/>
+          </p:cNvSpPr>
+          <p:nvPr>
+            <p:ph type="title"/>
+          </p:nvPr>
+        </p:nvSpPr>
+        <p:spPr>
+          <a:xfrm>
+            <a:off x="546101" y="452718"/>
+            <a:ext cx="9504734" cy="791882"/>
+          </a:xfrm>
+        </p:spPr>
+        <p:txBody>
+          <a:bodyPr/>
+          <a:lstStyle/>
+          <a:p>
+            <a:r>
+              <a:rPr lang="en-US" dirty="0" err="1" smtClean="0"/>
+              <a:t>Adat</a:t>
+            </a:r>
+            <a:r>
+              <a:rPr lang="en-US" dirty="0" smtClean="0"/>
+              <a:t> </a:t>
+            </a:r>
+            <a:r>
+              <a:rPr lang="en-US" dirty="0" err="1" smtClean="0"/>
+              <a:t>függőségek</a:t>
+            </a:r>
+            <a:endParaRPr lang="en-US" dirty="0"/>
+          </a:p>
+        </p:txBody>
+      </p:sp>
+      <p:sp>
+        <p:nvSpPr>
+          <p:cNvPr id="3" name="Tartalom helye 2"/>
+          <p:cNvSpPr>
+            <a:spLocks noGrp="1"/>
+          </p:cNvSpPr>
+          <p:nvPr>
+            <p:ph idx="1"/>
+          </p:nvPr>
+        </p:nvSpPr>
+        <p:spPr>
+          <a:xfrm>
+            <a:off x="939800" y="1244600"/>
+            <a:ext cx="9110053" cy="5168900"/>
+          </a:xfrm>
+        </p:spPr>
+        <p:txBody>
+          <a:bodyPr/>
+          <a:lstStyle/>
+          <a:p>
+            <a:r>
+              <a:rPr lang="en-US" dirty="0" err="1" smtClean="0"/>
+              <a:t>Két</a:t>
+            </a:r>
+            <a:r>
+              <a:rPr lang="en-US" dirty="0" smtClean="0"/>
+              <a:t> </a:t>
+            </a:r>
+            <a:r>
+              <a:rPr lang="en-US" dirty="0" err="1" smtClean="0"/>
+              <a:t>utasítás</a:t>
+            </a:r>
+            <a:r>
+              <a:rPr lang="en-US" dirty="0" smtClean="0"/>
+              <a:t> </a:t>
+            </a:r>
+            <a:r>
+              <a:rPr lang="en-US" dirty="0" err="1" smtClean="0"/>
+              <a:t>között</a:t>
+            </a:r>
+            <a:r>
+              <a:rPr lang="en-US" dirty="0" smtClean="0"/>
+              <a:t> </a:t>
+            </a:r>
+            <a:r>
+              <a:rPr lang="en-US" dirty="0" err="1" smtClean="0"/>
+              <a:t>adat</a:t>
+            </a:r>
+            <a:r>
+              <a:rPr lang="en-US" dirty="0" smtClean="0"/>
+              <a:t> </a:t>
+            </a:r>
+            <a:r>
+              <a:rPr lang="en-US" dirty="0" err="1" smtClean="0"/>
+              <a:t>függőség</a:t>
+            </a:r>
+            <a:r>
+              <a:rPr lang="en-US" dirty="0" smtClean="0"/>
+              <a:t> van, ha </a:t>
+            </a:r>
+            <a:r>
+              <a:rPr lang="en-US" dirty="0" err="1" smtClean="0"/>
+              <a:t>felcserélve</a:t>
+            </a:r>
+            <a:r>
+              <a:rPr lang="en-US" dirty="0" smtClean="0"/>
+              <a:t> </a:t>
+            </a:r>
+            <a:r>
+              <a:rPr lang="en-US" dirty="0" err="1" smtClean="0"/>
+              <a:t>sorrendjüket</a:t>
+            </a:r>
+            <a:r>
+              <a:rPr lang="en-US" dirty="0" smtClean="0"/>
+              <a:t>, </a:t>
+            </a:r>
+            <a:r>
+              <a:rPr lang="en-US" dirty="0" err="1" smtClean="0"/>
+              <a:t>más</a:t>
+            </a:r>
+            <a:r>
+              <a:rPr lang="en-US" dirty="0" smtClean="0"/>
+              <a:t> </a:t>
+            </a:r>
+            <a:r>
+              <a:rPr lang="en-US" dirty="0" err="1" smtClean="0"/>
+              <a:t>végeredményt</a:t>
+            </a:r>
+            <a:r>
+              <a:rPr lang="en-US" dirty="0" smtClean="0"/>
+              <a:t>, </a:t>
+            </a:r>
+            <a:r>
+              <a:rPr lang="en-US" dirty="0" err="1" smtClean="0"/>
+              <a:t>vagy</a:t>
+            </a:r>
+            <a:r>
+              <a:rPr lang="en-US" dirty="0" smtClean="0"/>
+              <a:t> </a:t>
+            </a:r>
+            <a:r>
+              <a:rPr lang="en-US" dirty="0" err="1" smtClean="0"/>
+              <a:t>szintaktikus</a:t>
+            </a:r>
+            <a:r>
+              <a:rPr lang="en-US" dirty="0" smtClean="0"/>
+              <a:t> </a:t>
+            </a:r>
+            <a:r>
+              <a:rPr lang="en-US" dirty="0" err="1" smtClean="0"/>
+              <a:t>hibát</a:t>
+            </a:r>
+            <a:r>
+              <a:rPr lang="en-US" dirty="0" smtClean="0"/>
+              <a:t> </a:t>
+            </a:r>
+            <a:r>
+              <a:rPr lang="en-US" dirty="0" err="1" smtClean="0"/>
+              <a:t>kapunk</a:t>
+            </a:r>
+            <a:r>
+              <a:rPr lang="en-US" dirty="0" smtClean="0"/>
+              <a:t> a </a:t>
+            </a:r>
+            <a:r>
+              <a:rPr lang="en-US" dirty="0" err="1" smtClean="0"/>
+              <a:t>programban</a:t>
+            </a:r>
+            <a:r>
+              <a:rPr lang="en-US" dirty="0" smtClean="0"/>
+              <a:t>.</a:t>
+            </a:r>
+          </a:p>
+          <a:p>
+            <a:r>
+              <a:rPr lang="en-US" dirty="0" err="1" smtClean="0"/>
+              <a:t>Kétfajtája</a:t>
+            </a:r>
+            <a:r>
+              <a:rPr lang="en-US" dirty="0" smtClean="0"/>
+              <a:t> </a:t>
+            </a:r>
+            <a:r>
+              <a:rPr lang="en-US" dirty="0" err="1" smtClean="0"/>
+              <a:t>létezik</a:t>
+            </a:r>
+            <a:r>
+              <a:rPr lang="en-US" dirty="0" smtClean="0"/>
+              <a:t>:</a:t>
+            </a:r>
+          </a:p>
+          <a:p>
+            <a:pPr lvl="1"/>
+            <a:r>
+              <a:rPr lang="en-US" dirty="0" err="1" smtClean="0"/>
+              <a:t>Folyam</a:t>
+            </a:r>
+            <a:r>
+              <a:rPr lang="en-US" dirty="0" smtClean="0"/>
+              <a:t> </a:t>
+            </a:r>
+            <a:r>
+              <a:rPr lang="en-US" dirty="0" err="1" smtClean="0"/>
+              <a:t>és</a:t>
+            </a:r>
+            <a:endParaRPr lang="en-US" dirty="0" smtClean="0"/>
+          </a:p>
+          <a:p>
+            <a:pPr lvl="1"/>
+            <a:r>
+              <a:rPr lang="en-US" dirty="0" err="1" smtClean="0"/>
+              <a:t>Definíció-sorrendbeli</a:t>
+            </a:r>
+            <a:endParaRPr lang="en-US" dirty="0" smtClean="0"/>
+          </a:p>
+          <a:p>
+            <a:endParaRPr lang="en-US" dirty="0" smtClean="0"/>
+          </a:p>
+          <a:p>
+            <a:pPr lvl="1"/>
+            <a:endParaRPr lang="en-US" dirty="0"/>
+          </a:p>
+        </p:txBody>
+      </p:sp>
+    </p:spTree>
+    <p:extLst>
+      <p:ext uri="{BB962C8B-B14F-4D97-AF65-F5344CB8AC3E}">
+        <p14:creationId xmlns:p14="http://schemas.microsoft.com/office/powerpoint/2010/main" val="1012098553"/>
+      </p:ext>
+    </p:extLst>
+  </p:cSld>
+  <p:clrMapOvr>
+    <a:masterClrMapping/>
+  </p:clrMapOvr>
+  <p:timing>
+    <p:tnLst>
+      <p:par>
+        <p:cTn id="1" dur="indefinite" restart="never" nodeType="tmRoot"/>
+      </p:par>
+    </p:tnLst>
+  </p:timing>
+</p:sld>
+</file>
+
+<file path=ppt/slides/slide8.xml><?xml version="1.0" encoding="utf-8"?>
+<p:sld xmlns:a="http://schemas.openxmlformats.org/drawingml/2006/main" xmlns:r="http://schemas.openxmlformats.org/officeDocument/2006/relationships" xmlns:p="http://schemas.openxmlformats.org/presentationml/2006/main">
+  <p:cSld>
+    <p:spTree>
+      <p:nvGrpSpPr>
+        <p:cNvPr id="1" name=""/>
+        <p:cNvGrpSpPr/>
+        <p:nvPr/>
+      </p:nvGrpSpPr>
+      <p:grpSpPr>
+        <a:xfrm>
+          <a:off x="0" y="0"/>
+          <a:ext cx="0" cy="0"/>
+          <a:chOff x="0" y="0"/>
+          <a:chExt cx="0" cy="0"/>
+        </a:xfrm>
+      </p:grpSpPr>
+      <p:sp>
+        <p:nvSpPr>
+          <p:cNvPr id="2" name="Cím 1"/>
+          <p:cNvSpPr>
+            <a:spLocks noGrp="1"/>
+          </p:cNvSpPr>
+          <p:nvPr>
+            <p:ph type="title"/>
+          </p:nvPr>
+        </p:nvSpPr>
+        <p:spPr>
+          <a:xfrm>
+            <a:off x="596901" y="452718"/>
+            <a:ext cx="9453934" cy="855382"/>
+          </a:xfrm>
+        </p:spPr>
+        <p:txBody>
+          <a:bodyPr/>
+          <a:lstStyle/>
+          <a:p>
+            <a:r>
+              <a:rPr lang="en-US" dirty="0" err="1" smtClean="0"/>
+              <a:t>Folyam</a:t>
+            </a:r>
+            <a:r>
+              <a:rPr lang="en-US" dirty="0" smtClean="0"/>
+              <a:t> </a:t>
+            </a:r>
+            <a:r>
+              <a:rPr lang="en-US" dirty="0" err="1" smtClean="0"/>
+              <a:t>függőségek</a:t>
+            </a:r>
+            <a:endParaRPr lang="en-US" dirty="0"/>
+          </a:p>
+        </p:txBody>
+      </p:sp>
+      <p:sp>
+        <p:nvSpPr>
+          <p:cNvPr id="3" name="Tartalom helye 2"/>
+          <p:cNvSpPr>
+            <a:spLocks noGrp="1"/>
+          </p:cNvSpPr>
+          <p:nvPr>
+            <p:ph idx="1"/>
+          </p:nvPr>
+        </p:nvSpPr>
+        <p:spPr>
+          <a:xfrm>
+            <a:off x="990600" y="1511300"/>
+            <a:ext cx="9059253" cy="4737099"/>
+          </a:xfrm>
+        </p:spPr>
+        <p:txBody>
+          <a:bodyPr/>
+          <a:lstStyle/>
+          <a:p>
+            <a:r>
+              <a:rPr lang="en-US" dirty="0"/>
+              <a:t>S1 </a:t>
+            </a:r>
+            <a:r>
+              <a:rPr lang="en-US" dirty="0" err="1"/>
+              <a:t>és</a:t>
+            </a:r>
+            <a:r>
+              <a:rPr lang="en-US" dirty="0"/>
+              <a:t> s2 </a:t>
+            </a:r>
+            <a:r>
+              <a:rPr lang="en-US" dirty="0" err="1" smtClean="0"/>
+              <a:t>utasítás</a:t>
+            </a:r>
+            <a:r>
+              <a:rPr lang="en-US" dirty="0" smtClean="0"/>
+              <a:t> </a:t>
+            </a:r>
+            <a:r>
+              <a:rPr lang="en-US" dirty="0" err="1" smtClean="0"/>
+              <a:t>között</a:t>
+            </a:r>
+            <a:r>
+              <a:rPr lang="en-US" dirty="0" smtClean="0"/>
+              <a:t> </a:t>
+            </a:r>
+            <a:r>
+              <a:rPr lang="en-US" dirty="0" err="1"/>
+              <a:t>folyam-függőség</a:t>
+            </a:r>
+            <a:r>
+              <a:rPr lang="en-US" dirty="0"/>
+              <a:t> van, ha:</a:t>
+            </a:r>
+          </a:p>
+          <a:p>
+            <a:pPr lvl="1"/>
+            <a:r>
+              <a:rPr lang="en-US" dirty="0"/>
+              <a:t>S1 </a:t>
+            </a:r>
+            <a:r>
+              <a:rPr lang="en-US" dirty="0" err="1"/>
+              <a:t>definiálja</a:t>
+            </a:r>
+            <a:r>
+              <a:rPr lang="en-US" dirty="0"/>
+              <a:t> x </a:t>
+            </a:r>
+            <a:r>
+              <a:rPr lang="en-US" dirty="0" err="1"/>
+              <a:t>változót</a:t>
+            </a:r>
+            <a:endParaRPr lang="en-US" dirty="0"/>
+          </a:p>
+          <a:p>
+            <a:pPr lvl="1"/>
+            <a:r>
+              <a:rPr lang="en-US" dirty="0"/>
+              <a:t>S2 </a:t>
+            </a:r>
+            <a:r>
+              <a:rPr lang="en-US" dirty="0" err="1"/>
+              <a:t>használja</a:t>
+            </a:r>
+            <a:r>
+              <a:rPr lang="en-US" dirty="0"/>
+              <a:t> </a:t>
+            </a:r>
+            <a:r>
+              <a:rPr lang="en-US" dirty="0" err="1"/>
+              <a:t>azt</a:t>
+            </a:r>
+            <a:r>
+              <a:rPr lang="en-US" dirty="0"/>
+              <a:t>.</a:t>
+            </a:r>
+          </a:p>
+          <a:p>
+            <a:pPr lvl="1"/>
+            <a:r>
+              <a:rPr lang="en-US" dirty="0"/>
+              <a:t>S1 </a:t>
+            </a:r>
+            <a:r>
+              <a:rPr lang="en-US" dirty="0" err="1"/>
+              <a:t>és</a:t>
+            </a:r>
+            <a:r>
+              <a:rPr lang="en-US" dirty="0"/>
+              <a:t> S2 </a:t>
+            </a:r>
+            <a:r>
+              <a:rPr lang="en-US" dirty="0" err="1"/>
+              <a:t>között</a:t>
+            </a:r>
+            <a:r>
+              <a:rPr lang="en-US" dirty="0"/>
+              <a:t> </a:t>
+            </a:r>
+            <a:r>
+              <a:rPr lang="en-US" dirty="0" err="1"/>
+              <a:t>nincs</a:t>
+            </a:r>
+            <a:r>
+              <a:rPr lang="en-US" dirty="0"/>
+              <a:t> </a:t>
+            </a:r>
+            <a:r>
+              <a:rPr lang="en-US" dirty="0" err="1"/>
+              <a:t>másik</a:t>
+            </a:r>
+            <a:r>
+              <a:rPr lang="en-US" dirty="0"/>
+              <a:t> x-re </a:t>
+            </a:r>
+            <a:r>
+              <a:rPr lang="en-US" dirty="0" err="1"/>
+              <a:t>vonatkozó</a:t>
+            </a:r>
+            <a:r>
+              <a:rPr lang="en-US" dirty="0"/>
+              <a:t> </a:t>
+            </a:r>
+            <a:r>
+              <a:rPr lang="en-US" dirty="0" err="1"/>
+              <a:t>definíció</a:t>
+            </a:r>
+            <a:r>
+              <a:rPr lang="en-US" dirty="0"/>
+              <a:t>, </a:t>
+            </a:r>
+            <a:r>
+              <a:rPr lang="en-US" dirty="0" err="1"/>
+              <a:t>és</a:t>
+            </a:r>
+            <a:r>
+              <a:rPr lang="en-US" dirty="0"/>
+              <a:t> S2 </a:t>
+            </a:r>
+            <a:r>
+              <a:rPr lang="en-US" dirty="0" err="1"/>
+              <a:t>elérhető</a:t>
+            </a:r>
+            <a:r>
+              <a:rPr lang="en-US" dirty="0"/>
+              <a:t> </a:t>
+            </a:r>
+            <a:r>
+              <a:rPr lang="en-US" dirty="0" smtClean="0"/>
+              <a:t>a program </a:t>
+            </a:r>
+            <a:r>
+              <a:rPr lang="en-US" dirty="0" err="1" smtClean="0"/>
+              <a:t>végrehajtásában</a:t>
+            </a:r>
+            <a:r>
+              <a:rPr lang="en-US" dirty="0" smtClean="0"/>
+              <a:t> S1-ből</a:t>
+            </a:r>
+            <a:endParaRPr lang="en-US" dirty="0"/>
+          </a:p>
+          <a:p>
+            <a:r>
+              <a:rPr lang="en-US" dirty="0" err="1" smtClean="0"/>
+              <a:t>Ciklusok</a:t>
+            </a:r>
+            <a:r>
+              <a:rPr lang="en-US" dirty="0" smtClean="0"/>
+              <a:t> </a:t>
+            </a:r>
+            <a:r>
+              <a:rPr lang="en-US" dirty="0" err="1" smtClean="0"/>
+              <a:t>esetén</a:t>
+            </a:r>
+            <a:r>
+              <a:rPr lang="en-US" dirty="0" smtClean="0"/>
+              <a:t> </a:t>
+            </a:r>
+            <a:r>
+              <a:rPr lang="en-US" dirty="0" err="1" smtClean="0"/>
+              <a:t>két</a:t>
+            </a:r>
+            <a:r>
+              <a:rPr lang="en-US" dirty="0" smtClean="0"/>
+              <a:t> </a:t>
+            </a:r>
+            <a:r>
+              <a:rPr lang="en-US" dirty="0" err="1" smtClean="0"/>
+              <a:t>altípusra</a:t>
+            </a:r>
+            <a:r>
+              <a:rPr lang="en-US" dirty="0" smtClean="0"/>
+              <a:t> </a:t>
+            </a:r>
+            <a:r>
+              <a:rPr lang="en-US" dirty="0" err="1" smtClean="0"/>
+              <a:t>bomlanak</a:t>
+            </a:r>
+            <a:r>
+              <a:rPr lang="en-US" dirty="0" smtClean="0"/>
+              <a:t>:</a:t>
+            </a:r>
+          </a:p>
+          <a:p>
+            <a:pPr lvl="1"/>
+            <a:r>
+              <a:rPr lang="en-US" dirty="0" err="1" smtClean="0"/>
+              <a:t>Ciklus-vivő</a:t>
+            </a:r>
+            <a:r>
+              <a:rPr lang="en-US" dirty="0" smtClean="0"/>
+              <a:t> (loop-carried)</a:t>
+            </a:r>
+          </a:p>
+          <a:p>
+            <a:pPr lvl="1"/>
+            <a:r>
+              <a:rPr lang="en-US" dirty="0" err="1" smtClean="0"/>
+              <a:t>Ciklus-független</a:t>
+            </a:r>
+            <a:r>
+              <a:rPr lang="en-US" dirty="0" smtClean="0"/>
+              <a:t> (loop-independent)</a:t>
+            </a:r>
+          </a:p>
+          <a:p>
+            <a:r>
+              <a:rPr lang="en-US" dirty="0" smtClean="0"/>
+              <a:t>A </a:t>
+            </a:r>
+            <a:r>
+              <a:rPr lang="en-US" dirty="0" err="1" smtClean="0"/>
+              <a:t>ciklus-vivőre</a:t>
+            </a:r>
+            <a:r>
+              <a:rPr lang="en-US" dirty="0" smtClean="0"/>
+              <a:t> </a:t>
+            </a:r>
+            <a:r>
+              <a:rPr lang="en-US" dirty="0" err="1" smtClean="0"/>
+              <a:t>igaz</a:t>
+            </a:r>
+            <a:r>
+              <a:rPr lang="en-US" dirty="0" smtClean="0"/>
+              <a:t> </a:t>
+            </a:r>
+            <a:r>
+              <a:rPr lang="en-US" dirty="0" err="1" smtClean="0"/>
+              <a:t>még</a:t>
+            </a:r>
+            <a:r>
+              <a:rPr lang="en-US" dirty="0" smtClean="0"/>
+              <a:t> </a:t>
+            </a:r>
+            <a:r>
+              <a:rPr lang="en-US" dirty="0" err="1" smtClean="0"/>
+              <a:t>hogy</a:t>
+            </a:r>
+            <a:r>
+              <a:rPr lang="en-US" dirty="0" smtClean="0"/>
+              <a:t>:</a:t>
+            </a:r>
+          </a:p>
+          <a:p>
+            <a:pPr lvl="1"/>
+            <a:r>
+              <a:rPr lang="en-US" dirty="0" err="1" smtClean="0"/>
+              <a:t>Egy</a:t>
+            </a:r>
+            <a:r>
+              <a:rPr lang="en-US" dirty="0"/>
+              <a:t> </a:t>
+            </a:r>
+            <a:r>
+              <a:rPr lang="en-US" dirty="0" err="1" smtClean="0"/>
+              <a:t>visszaélt</a:t>
+            </a:r>
+            <a:r>
+              <a:rPr lang="en-US" dirty="0" smtClean="0"/>
+              <a:t> </a:t>
+            </a:r>
+            <a:r>
+              <a:rPr lang="en-US" dirty="0" err="1" smtClean="0"/>
+              <a:t>tartalmaz</a:t>
+            </a:r>
+            <a:r>
+              <a:rPr lang="en-US" dirty="0" smtClean="0"/>
+              <a:t> a </a:t>
+            </a:r>
+            <a:r>
+              <a:rPr lang="en-US" dirty="0" err="1" smtClean="0"/>
+              <a:t>Ciklus</a:t>
+            </a:r>
+            <a:r>
+              <a:rPr lang="en-US" dirty="0" smtClean="0"/>
+              <a:t> </a:t>
+            </a:r>
+            <a:r>
+              <a:rPr lang="en-US" dirty="0" err="1" smtClean="0"/>
+              <a:t>predikátumára</a:t>
+            </a:r>
+            <a:endParaRPr lang="en-US" dirty="0" smtClean="0"/>
+          </a:p>
+          <a:p>
+            <a:pPr lvl="1"/>
+            <a:r>
+              <a:rPr lang="en-US" dirty="0" smtClean="0"/>
+              <a:t>S1 </a:t>
+            </a:r>
+            <a:r>
+              <a:rPr lang="en-US" dirty="0" err="1" smtClean="0"/>
+              <a:t>és</a:t>
+            </a:r>
+            <a:r>
+              <a:rPr lang="en-US" dirty="0" smtClean="0"/>
+              <a:t> S2 is </a:t>
+            </a:r>
+            <a:r>
+              <a:rPr lang="en-US" dirty="0" err="1" smtClean="0"/>
+              <a:t>ugyanabban</a:t>
+            </a:r>
+            <a:r>
+              <a:rPr lang="en-US" dirty="0" smtClean="0"/>
+              <a:t> a </a:t>
+            </a:r>
+            <a:r>
+              <a:rPr lang="en-US" dirty="0" err="1" smtClean="0"/>
+              <a:t>ciklusban</a:t>
+            </a:r>
+            <a:r>
+              <a:rPr lang="en-US" dirty="0" smtClean="0"/>
+              <a:t> </a:t>
+            </a:r>
+            <a:r>
+              <a:rPr lang="en-US" dirty="0" err="1" smtClean="0"/>
+              <a:t>található</a:t>
+            </a:r>
+            <a:endParaRPr lang="en-US" dirty="0"/>
+          </a:p>
+        </p:txBody>
+      </p:sp>
+    </p:spTree>
+    <p:extLst>
+      <p:ext uri="{BB962C8B-B14F-4D97-AF65-F5344CB8AC3E}">
+        <p14:creationId xmlns:p14="http://schemas.microsoft.com/office/powerpoint/2010/main" val="1360979075"/>
+      </p:ext>
+    </p:extLst>
+  </p:cSld>
+  <p:clrMapOvr>
+    <a:masterClrMapping/>
+  </p:clrMapOvr>
+  <p:timing>
+    <p:tnLst>
+      <p:par>
+        <p:cTn id="1" dur="indefinite" restart="never" nodeType="tmRoot"/>
+      </p:par>
+    </p:tnLst>
+  </p:timing>
+</p:sld>
+</file>
+
+<file path=ppt/slides/slide9.xml><?xml version="1.0" encoding="utf-8"?>
+<p:sld xmlns:a="http://schemas.openxmlformats.org/drawingml/2006/main" xmlns:r="http://schemas.openxmlformats.org/officeDocument/2006/relationships" xmlns:p="http://schemas.openxmlformats.org/presentationml/2006/main">
+  <p:cSld>
+    <p:spTree>
+      <p:nvGrpSpPr>
+        <p:cNvPr id="1" name=""/>
+        <p:cNvGrpSpPr/>
+        <p:nvPr/>
+      </p:nvGrpSpPr>
+      <p:grpSpPr>
+        <a:xfrm>
+          <a:off x="0" y="0"/>
+          <a:ext cx="0" cy="0"/>
+          <a:chOff x="0" y="0"/>
+          <a:chExt cx="0" cy="0"/>
+        </a:xfrm>
+      </p:grpSpPr>
+      <p:sp>
+        <p:nvSpPr>
+          <p:cNvPr id="2" name="Cím 1"/>
+          <p:cNvSpPr>
+            <a:spLocks noGrp="1"/>
+          </p:cNvSpPr>
+          <p:nvPr>
+            <p:ph type="title"/>
+          </p:nvPr>
+        </p:nvSpPr>
+        <p:spPr>
+          <a:xfrm>
+            <a:off x="647700" y="452718"/>
+            <a:ext cx="9403134" cy="880782"/>
+          </a:xfrm>
+        </p:spPr>
+        <p:txBody>
+          <a:bodyPr/>
+          <a:lstStyle/>
+          <a:p>
+            <a:r>
+              <a:rPr lang="en-US" dirty="0" err="1" smtClean="0"/>
+              <a:t>Definíció-sorrendbeli</a:t>
+            </a:r>
+            <a:r>
+              <a:rPr lang="en-US" dirty="0" smtClean="0"/>
+              <a:t> </a:t>
+            </a:r>
+            <a:r>
+              <a:rPr lang="en-US" dirty="0" err="1" smtClean="0"/>
+              <a:t>függőségek</a:t>
+            </a:r>
+            <a:endParaRPr lang="en-US" dirty="0"/>
+          </a:p>
+        </p:txBody>
+      </p:sp>
+      <p:sp>
+        <p:nvSpPr>
+          <p:cNvPr id="3" name="Tartalom helye 2"/>
+          <p:cNvSpPr>
+            <a:spLocks noGrp="1"/>
+          </p:cNvSpPr>
+          <p:nvPr>
+            <p:ph idx="1"/>
+          </p:nvPr>
+        </p:nvSpPr>
+        <p:spPr/>
+        <p:txBody>
+          <a:bodyPr/>
+          <a:lstStyle/>
+          <a:p>
+            <a:r>
+              <a:rPr lang="en-US" dirty="0" err="1" smtClean="0"/>
+              <a:t>Hasonlóak</a:t>
+            </a:r>
+            <a:r>
+              <a:rPr lang="en-US" dirty="0" smtClean="0"/>
+              <a:t> a </a:t>
+            </a:r>
+            <a:r>
+              <a:rPr lang="en-US" dirty="0" err="1" smtClean="0"/>
+              <a:t>folyam</a:t>
+            </a:r>
+            <a:r>
+              <a:rPr lang="en-US" dirty="0" smtClean="0"/>
+              <a:t> </a:t>
+            </a:r>
+            <a:r>
+              <a:rPr lang="en-US" dirty="0" err="1" smtClean="0"/>
+              <a:t>függőségekhez</a:t>
+            </a:r>
+            <a:r>
+              <a:rPr lang="en-US" dirty="0" smtClean="0"/>
+              <a:t>, </a:t>
+            </a:r>
+            <a:r>
+              <a:rPr lang="en-US" dirty="0" err="1" smtClean="0"/>
+              <a:t>csupán</a:t>
+            </a:r>
+            <a:r>
+              <a:rPr lang="en-US" dirty="0" smtClean="0"/>
+              <a:t> a </a:t>
+            </a:r>
+            <a:r>
+              <a:rPr lang="en-US" dirty="0" err="1" smtClean="0"/>
+              <a:t>második</a:t>
+            </a:r>
+            <a:r>
+              <a:rPr lang="en-US" dirty="0" smtClean="0"/>
+              <a:t> </a:t>
+            </a:r>
+            <a:r>
+              <a:rPr lang="en-US" dirty="0" err="1" smtClean="0"/>
+              <a:t>szabályban</a:t>
+            </a:r>
+            <a:r>
+              <a:rPr lang="en-US" dirty="0" smtClean="0"/>
+              <a:t> </a:t>
+            </a:r>
+            <a:r>
+              <a:rPr lang="en-US" dirty="0" err="1" smtClean="0"/>
+              <a:t>nem</a:t>
+            </a:r>
+            <a:r>
+              <a:rPr lang="en-US" dirty="0" smtClean="0"/>
+              <a:t> </a:t>
+            </a:r>
+            <a:r>
+              <a:rPr lang="en-US" dirty="0" err="1" smtClean="0"/>
+              <a:t>használja</a:t>
+            </a:r>
+            <a:r>
+              <a:rPr lang="en-US" dirty="0" smtClean="0"/>
+              <a:t> S2 x-et, </a:t>
+            </a:r>
+            <a:r>
+              <a:rPr lang="en-US" dirty="0" err="1" smtClean="0"/>
+              <a:t>hanem</a:t>
+            </a:r>
+            <a:r>
+              <a:rPr lang="en-US" dirty="0" smtClean="0"/>
+              <a:t> </a:t>
+            </a:r>
+            <a:r>
+              <a:rPr lang="en-US" dirty="0" err="1" smtClean="0"/>
+              <a:t>definiálja</a:t>
+            </a:r>
+            <a:r>
+              <a:rPr lang="en-US" dirty="0" smtClean="0"/>
+              <a:t>.</a:t>
+            </a:r>
+            <a:endParaRPr lang="en-US" dirty="0"/>
+          </a:p>
+        </p:txBody>
+      </p:sp>
+    </p:spTree>
+    <p:extLst>
+      <p:ext uri="{BB962C8B-B14F-4D97-AF65-F5344CB8AC3E}">
+        <p14:creationId xmlns:p14="http://schemas.microsoft.com/office/powerpoint/2010/main" val="1571217253"/>
+      </p:ext>
+    </p:extLst>
+  </p:cSld>
+  <p:clrMapOvr>
+    <a:masterClrMapping/>
+  </p:clrMapOvr>
 </p:sld>
 </file>
 
